--- a/TVCHH/TVCHH 055 - Dâng Chúa Lời Ngợi Ca.pptx
+++ b/TVCHH/TVCHH 055 - Dâng Chúa Lời Ngợi Ca.pptx
@@ -114,6 +114,11 @@
       </a:defRPr>
     </a:lvl9pPr>
   </p:defaultTextStyle>
+  <p:extLst>
+    <p:ext uri="{EFAFB233-063F-42B5-8137-9DF3F51BA10A}">
+      <p15:sldGuideLst xmlns:p15="http://schemas.microsoft.com/office/powerpoint/2012/main"/>
+    </p:ext>
+  </p:extLst>
 </p:presentation>
 </file>
 
@@ -159,10 +164,9 @@
           </a:lstStyle>
           <a:p>
             <a:r>
-              <a:rPr lang="en-US" smtClean="0"/>
+              <a:rPr lang="en-US"/>
               <a:t>Click to edit Master title style</a:t>
             </a:r>
-            <a:endParaRPr lang="en-US"/>
           </a:p>
         </p:txBody>
       </p:sp>
@@ -224,10 +228,9 @@
           </a:lstStyle>
           <a:p>
             <a:r>
-              <a:rPr lang="en-US" smtClean="0"/>
+              <a:rPr lang="en-US"/>
               <a:t>Click to edit Master subtitle style</a:t>
             </a:r>
-            <a:endParaRPr lang="en-US"/>
           </a:p>
         </p:txBody>
       </p:sp>
@@ -255,7 +258,7 @@
                 </a:solidFill>
               </a:rPr>
               <a:pPr/>
-              <a:t>4/2/2013</a:t>
+              <a:t>12/8/19</a:t>
             </a:fld>
             <a:endParaRPr lang="en-US">
               <a:solidFill>
@@ -383,10 +386,9 @@
           </a:lstStyle>
           <a:p>
             <a:r>
-              <a:rPr lang="en-US" smtClean="0"/>
+              <a:rPr lang="en-US"/>
               <a:t>Click to edit Master title style</a:t>
             </a:r>
-            <a:endParaRPr lang="en-US"/>
           </a:p>
         </p:txBody>
       </p:sp>
@@ -448,10 +450,9 @@
           </a:lstStyle>
           <a:p>
             <a:r>
-              <a:rPr lang="en-US" smtClean="0"/>
+              <a:rPr lang="en-US"/>
               <a:t>Click to edit Master subtitle style</a:t>
             </a:r>
-            <a:endParaRPr lang="en-US"/>
           </a:p>
         </p:txBody>
       </p:sp>
@@ -479,7 +480,7 @@
                 </a:solidFill>
               </a:rPr>
               <a:pPr/>
-              <a:t>4/2/2013</a:t>
+              <a:t>12/8/19</a:t>
             </a:fld>
             <a:endParaRPr lang="en-US">
               <a:solidFill>
@@ -622,10 +623,9 @@
           <a:lstStyle/>
           <a:p>
             <a:r>
-              <a:rPr lang="en-US" smtClean="0"/>
+              <a:rPr lang="en-US"/>
               <a:t>Click to edit Master title style</a:t>
             </a:r>
-            <a:endParaRPr lang="en-US"/>
           </a:p>
         </p:txBody>
       </p:sp>
@@ -656,38 +656,37 @@
           <a:p>
             <a:pPr lvl="0"/>
             <a:r>
-              <a:rPr lang="en-US" smtClean="0"/>
+              <a:rPr lang="en-US"/>
               <a:t>Click to edit Master text styles</a:t>
             </a:r>
           </a:p>
           <a:p>
             <a:pPr lvl="1"/>
             <a:r>
-              <a:rPr lang="en-US" smtClean="0"/>
+              <a:rPr lang="en-US"/>
               <a:t>Second level</a:t>
             </a:r>
           </a:p>
           <a:p>
             <a:pPr lvl="2"/>
             <a:r>
-              <a:rPr lang="en-US" smtClean="0"/>
+              <a:rPr lang="en-US"/>
               <a:t>Third level</a:t>
             </a:r>
           </a:p>
           <a:p>
             <a:pPr lvl="3"/>
             <a:r>
-              <a:rPr lang="en-US" smtClean="0"/>
+              <a:rPr lang="en-US"/>
               <a:t>Fourth level</a:t>
             </a:r>
           </a:p>
           <a:p>
             <a:pPr lvl="4"/>
             <a:r>
-              <a:rPr lang="en-US" smtClean="0"/>
+              <a:rPr lang="en-US"/>
               <a:t>Fifth level</a:t>
             </a:r>
-            <a:endParaRPr lang="en-US"/>
           </a:p>
         </p:txBody>
       </p:sp>
@@ -733,7 +732,7 @@
                 </a:solidFill>
               </a:rPr>
               <a:pPr/>
-              <a:t>4/2/2013</a:t>
+              <a:t>12/8/19</a:t>
             </a:fld>
             <a:endParaRPr lang="en-US">
               <a:solidFill>
@@ -1193,10 +1192,9 @@
           <a:lstStyle/>
           <a:p>
             <a:r>
-              <a:rPr lang="en-US" smtClean="0"/>
+              <a:rPr lang="en-US"/>
               <a:t>Click to edit Master title style</a:t>
             </a:r>
-            <a:endParaRPr lang="en-US"/>
           </a:p>
         </p:txBody>
       </p:sp>
@@ -1227,38 +1225,37 @@
           <a:p>
             <a:pPr lvl="0"/>
             <a:r>
-              <a:rPr lang="en-US" smtClean="0"/>
+              <a:rPr lang="en-US"/>
               <a:t>Click to edit Master text styles</a:t>
             </a:r>
           </a:p>
           <a:p>
             <a:pPr lvl="1"/>
             <a:r>
-              <a:rPr lang="en-US" smtClean="0"/>
+              <a:rPr lang="en-US"/>
               <a:t>Second level</a:t>
             </a:r>
           </a:p>
           <a:p>
             <a:pPr lvl="2"/>
             <a:r>
-              <a:rPr lang="en-US" smtClean="0"/>
+              <a:rPr lang="en-US"/>
               <a:t>Third level</a:t>
             </a:r>
           </a:p>
           <a:p>
             <a:pPr lvl="3"/>
             <a:r>
-              <a:rPr lang="en-US" smtClean="0"/>
+              <a:rPr lang="en-US"/>
               <a:t>Fourth level</a:t>
             </a:r>
           </a:p>
           <a:p>
             <a:pPr lvl="4"/>
             <a:r>
-              <a:rPr lang="en-US" smtClean="0"/>
+              <a:rPr lang="en-US"/>
               <a:t>Fifth level</a:t>
             </a:r>
-            <a:endParaRPr lang="en-US"/>
           </a:p>
         </p:txBody>
       </p:sp>
@@ -1304,7 +1301,7 @@
                 </a:solidFill>
               </a:rPr>
               <a:pPr/>
-              <a:t>4/2/2013</a:t>
+              <a:t>12/8/19</a:t>
             </a:fld>
             <a:endParaRPr lang="en-US">
               <a:solidFill>
@@ -1748,7 +1745,7 @@
           <a:p>
             <a:pPr algn="ctr"/>
             <a:r>
-              <a:rPr lang="en-US" sz="3200" b="1">
+              <a:rPr lang="en-US" sz="3200" b="1" dirty="0">
                 <a:solidFill>
                   <a:sysClr val="windowText" lastClr="000000"/>
                 </a:solidFill>
@@ -1757,7 +1754,7 @@
                     <a:prstClr val="white"/>
                   </a:glow>
                 </a:effectLst>
-                <a:latin typeface="VNI-Souvir" pitchFamily="2" charset="0"/>
+                <a:latin typeface="VNI-Times" pitchFamily="2" charset="0"/>
               </a:rPr>
               <a:t>TOÂN VINH CHUÙA – BIEÄT THAÙNH CA</a:t>
             </a:r>
@@ -1787,7 +1784,7 @@
           <a:p>
             <a:pPr algn="ctr"/>
             <a:r>
-              <a:rPr lang="en-US" sz="7200" b="1" spc="-150" smtClean="0">
+              <a:rPr lang="en-US" sz="7200" b="1" spc="-150" dirty="0">
                 <a:ln w="11430"/>
                 <a:solidFill>
                   <a:srgbClr val="FFFF00"/>
@@ -1802,27 +1799,10 @@
                     </a:srgbClr>
                   </a:outerShdw>
                 </a:effectLst>
-                <a:latin typeface="HP-Bank" panose="020B0603050302020204" pitchFamily="34" charset="0"/>
+                <a:latin typeface="VNI-Times" pitchFamily="2" charset="0"/>
               </a:rPr>
               <a:t>DAÂNG CHUÙA LÔØI NGÔÏI CA</a:t>
             </a:r>
-            <a:endParaRPr lang="en-US" sz="7200" b="1" spc="-150">
-              <a:ln w="11430"/>
-              <a:solidFill>
-                <a:srgbClr val="FFFF00"/>
-              </a:solidFill>
-              <a:effectLst>
-                <a:glow rad="127000">
-                  <a:prstClr val="black"/>
-                </a:glow>
-                <a:outerShdw blurRad="50800" dist="39000" dir="5460000" algn="tl">
-                  <a:srgbClr val="000000">
-                    <a:alpha val="38000"/>
-                  </a:srgbClr>
-                </a:outerShdw>
-              </a:effectLst>
-              <a:latin typeface="HP-Bank" panose="020B0603050302020204" pitchFamily="34" charset="0"/>
-            </a:endParaRPr>
           </a:p>
         </p:txBody>
       </p:sp>
@@ -1836,25 +1816,18 @@
   <p:clrMapOvr>
     <a:masterClrMapping/>
   </p:clrMapOvr>
-  <mc:AlternateContent xmlns:mc="http://schemas.openxmlformats.org/markup-compatibility/2006">
-    <mc:Choice xmlns:p14="http://schemas.microsoft.com/office/powerpoint/2010/main" Requires="p14">
+  <mc:AlternateContent xmlns:mc="http://schemas.openxmlformats.org/markup-compatibility/2006" xmlns:p14="http://schemas.microsoft.com/office/powerpoint/2010/main">
+    <mc:Choice Requires="p14">
       <p:transition spd="slow" p14:dur="800">
         <p:circle/>
       </p:transition>
     </mc:Choice>
-    <mc:Fallback>
+    <mc:Fallback xmlns="">
       <p:transition spd="slow">
         <p:circle/>
       </p:transition>
     </mc:Fallback>
   </mc:AlternateContent>
-  <p:timing>
-    <p:tnLst>
-      <p:par>
-        <p:cTn id="1" dur="indefinite" restart="never" nodeType="tmRoot"/>
-      </p:par>
-    </p:tnLst>
-  </p:timing>
 </p:sld>
 </file>
 
@@ -1918,192 +1891,323 @@
               </a:spcAft>
             </a:pPr>
             <a:r>
-              <a:rPr lang="en-US" sz="6600" b="1">
-                <a:solidFill>
-                  <a:prstClr val="black"/>
-                </a:solidFill>
-                <a:effectLst>
-                  <a:glow rad="127000">
-                    <a:prstClr val="white"/>
-                  </a:glow>
-                </a:effectLst>
-                <a:latin typeface="VNI-Aptima" pitchFamily="2" charset="0"/>
-                <a:ea typeface="Times New Roman" pitchFamily="18" charset="0"/>
-                <a:cs typeface="Times New Roman" pitchFamily="18" charset="0"/>
-              </a:rPr>
-              <a:t>Khoâng chi laøm </a:t>
-            </a:r>
-            <a:r>
-              <a:rPr lang="en-US" sz="6600" b="1">
-                <a:solidFill>
-                  <a:prstClr val="black"/>
-                </a:solidFill>
-                <a:effectLst>
-                  <a:glow rad="127000">
-                    <a:prstClr val="white"/>
-                  </a:glow>
-                </a:effectLst>
-                <a:latin typeface="VNI-Aptima" pitchFamily="2" charset="0"/>
-                <a:ea typeface="Times New Roman" pitchFamily="18" charset="0"/>
-                <a:cs typeface="Times New Roman" pitchFamily="18" charset="0"/>
-              </a:rPr>
-              <a:t>con </a:t>
-            </a:r>
-            <a:r>
-              <a:rPr lang="en-US" sz="6600" b="1" smtClean="0">
-                <a:solidFill>
-                  <a:prstClr val="black"/>
-                </a:solidFill>
-                <a:effectLst>
-                  <a:glow rad="127000">
-                    <a:prstClr val="white"/>
-                  </a:glow>
-                </a:effectLst>
-                <a:latin typeface="VNI-Aptima" pitchFamily="2" charset="0"/>
-                <a:ea typeface="Times New Roman" pitchFamily="18" charset="0"/>
-                <a:cs typeface="Times New Roman" pitchFamily="18" charset="0"/>
-              </a:rPr>
-              <a:t/>
+              <a:rPr lang="en-US" sz="6600" b="1" dirty="0" err="1">
+                <a:solidFill>
+                  <a:prstClr val="black"/>
+                </a:solidFill>
+                <a:effectLst>
+                  <a:glow rad="127000">
+                    <a:prstClr val="white"/>
+                  </a:glow>
+                </a:effectLst>
+                <a:latin typeface="VNI-Times" pitchFamily="2" charset="0"/>
+                <a:ea typeface="Times New Roman" pitchFamily="18" charset="0"/>
+                <a:cs typeface="Times New Roman" pitchFamily="18" charset="0"/>
+              </a:rPr>
+              <a:t>Khoâng</a:t>
+            </a:r>
+            <a:r>
+              <a:rPr lang="en-US" sz="6600" b="1" dirty="0">
+                <a:solidFill>
+                  <a:prstClr val="black"/>
+                </a:solidFill>
+                <a:effectLst>
+                  <a:glow rad="127000">
+                    <a:prstClr val="white"/>
+                  </a:glow>
+                </a:effectLst>
+                <a:latin typeface="VNI-Times" pitchFamily="2" charset="0"/>
+                <a:ea typeface="Times New Roman" pitchFamily="18" charset="0"/>
+                <a:cs typeface="Times New Roman" pitchFamily="18" charset="0"/>
+              </a:rPr>
+              <a:t> chi </a:t>
+            </a:r>
+            <a:r>
+              <a:rPr lang="en-US" sz="6600" b="1" dirty="0" err="1">
+                <a:solidFill>
+                  <a:prstClr val="black"/>
+                </a:solidFill>
+                <a:effectLst>
+                  <a:glow rad="127000">
+                    <a:prstClr val="white"/>
+                  </a:glow>
+                </a:effectLst>
+                <a:latin typeface="VNI-Times" pitchFamily="2" charset="0"/>
+                <a:ea typeface="Times New Roman" pitchFamily="18" charset="0"/>
+                <a:cs typeface="Times New Roman" pitchFamily="18" charset="0"/>
+              </a:rPr>
+              <a:t>laøm</a:t>
+            </a:r>
+            <a:r>
+              <a:rPr lang="en-US" sz="6600" b="1" dirty="0">
+                <a:solidFill>
+                  <a:prstClr val="black"/>
+                </a:solidFill>
+                <a:effectLst>
+                  <a:glow rad="127000">
+                    <a:prstClr val="white"/>
+                  </a:glow>
+                </a:effectLst>
+                <a:latin typeface="VNI-Times" pitchFamily="2" charset="0"/>
+                <a:ea typeface="Times New Roman" pitchFamily="18" charset="0"/>
+                <a:cs typeface="Times New Roman" pitchFamily="18" charset="0"/>
+              </a:rPr>
+              <a:t> con </a:t>
             </a:r>
             <a:br>
-              <a:rPr lang="en-US" sz="6600" b="1" smtClean="0">
-                <a:solidFill>
-                  <a:prstClr val="black"/>
-                </a:solidFill>
-                <a:effectLst>
-                  <a:glow rad="127000">
-                    <a:prstClr val="white"/>
-                  </a:glow>
-                </a:effectLst>
-                <a:latin typeface="VNI-Aptima" pitchFamily="2" charset="0"/>
+              <a:rPr lang="en-US" sz="6600" b="1" dirty="0">
+                <a:solidFill>
+                  <a:prstClr val="black"/>
+                </a:solidFill>
+                <a:effectLst>
+                  <a:glow rad="127000">
+                    <a:prstClr val="white"/>
+                  </a:glow>
+                </a:effectLst>
+                <a:latin typeface="VNI-Times" pitchFamily="2" charset="0"/>
                 <a:ea typeface="Times New Roman" pitchFamily="18" charset="0"/>
                 <a:cs typeface="Times New Roman" pitchFamily="18" charset="0"/>
               </a:rPr>
             </a:br>
             <a:r>
-              <a:rPr lang="en-US" sz="6600" b="1" smtClean="0">
-                <a:solidFill>
-                  <a:prstClr val="black"/>
-                </a:solidFill>
-                <a:effectLst>
-                  <a:glow rad="127000">
-                    <a:prstClr val="white"/>
-                  </a:glow>
-                </a:effectLst>
-                <a:latin typeface="VNI-Aptima" pitchFamily="2" charset="0"/>
-                <a:ea typeface="Times New Roman" pitchFamily="18" charset="0"/>
-                <a:cs typeface="Times New Roman" pitchFamily="18" charset="0"/>
-              </a:rPr>
-              <a:t>vui </a:t>
-            </a:r>
-            <a:r>
-              <a:rPr lang="en-US" sz="6600" b="1">
-                <a:solidFill>
-                  <a:prstClr val="black"/>
-                </a:solidFill>
-                <a:effectLst>
-                  <a:glow rad="127000">
-                    <a:prstClr val="white"/>
-                  </a:glow>
-                </a:effectLst>
-                <a:latin typeface="VNI-Aptima" pitchFamily="2" charset="0"/>
-                <a:ea typeface="Times New Roman" pitchFamily="18" charset="0"/>
-                <a:cs typeface="Times New Roman" pitchFamily="18" charset="0"/>
-              </a:rPr>
-              <a:t>möøng hôn </a:t>
-            </a:r>
-            <a:r>
-              <a:rPr lang="en-US" sz="6600" b="1">
-                <a:solidFill>
-                  <a:prstClr val="black"/>
-                </a:solidFill>
-                <a:effectLst>
-                  <a:glow rad="127000">
-                    <a:prstClr val="white"/>
-                  </a:glow>
-                </a:effectLst>
-                <a:latin typeface="VNI-Aptima" pitchFamily="2" charset="0"/>
-                <a:ea typeface="Times New Roman" pitchFamily="18" charset="0"/>
-                <a:cs typeface="Times New Roman" pitchFamily="18" charset="0"/>
-              </a:rPr>
-              <a:t>höùa </a:t>
-            </a:r>
-            <a:r>
-              <a:rPr lang="en-US" sz="6600" b="1" smtClean="0">
-                <a:solidFill>
-                  <a:prstClr val="black"/>
-                </a:solidFill>
-                <a:effectLst>
-                  <a:glow rad="127000">
-                    <a:prstClr val="white"/>
-                  </a:glow>
-                </a:effectLst>
-                <a:latin typeface="VNI-Aptima" pitchFamily="2" charset="0"/>
-                <a:ea typeface="Times New Roman" pitchFamily="18" charset="0"/>
-                <a:cs typeface="Times New Roman" pitchFamily="18" charset="0"/>
-              </a:rPr>
-              <a:t/>
+              <a:rPr lang="en-US" sz="6600" b="1" dirty="0" err="1">
+                <a:solidFill>
+                  <a:prstClr val="black"/>
+                </a:solidFill>
+                <a:effectLst>
+                  <a:glow rad="127000">
+                    <a:prstClr val="white"/>
+                  </a:glow>
+                </a:effectLst>
+                <a:latin typeface="VNI-Times" pitchFamily="2" charset="0"/>
+                <a:ea typeface="Times New Roman" pitchFamily="18" charset="0"/>
+                <a:cs typeface="Times New Roman" pitchFamily="18" charset="0"/>
+              </a:rPr>
+              <a:t>vui</a:t>
+            </a:r>
+            <a:r>
+              <a:rPr lang="en-US" sz="6600" b="1" dirty="0">
+                <a:solidFill>
+                  <a:prstClr val="black"/>
+                </a:solidFill>
+                <a:effectLst>
+                  <a:glow rad="127000">
+                    <a:prstClr val="white"/>
+                  </a:glow>
+                </a:effectLst>
+                <a:latin typeface="VNI-Times" pitchFamily="2" charset="0"/>
+                <a:ea typeface="Times New Roman" pitchFamily="18" charset="0"/>
+                <a:cs typeface="Times New Roman" pitchFamily="18" charset="0"/>
+              </a:rPr>
+              <a:t> </a:t>
+            </a:r>
+            <a:r>
+              <a:rPr lang="en-US" sz="6600" b="1" dirty="0" err="1">
+                <a:solidFill>
+                  <a:prstClr val="black"/>
+                </a:solidFill>
+                <a:effectLst>
+                  <a:glow rad="127000">
+                    <a:prstClr val="white"/>
+                  </a:glow>
+                </a:effectLst>
+                <a:latin typeface="VNI-Times" pitchFamily="2" charset="0"/>
+                <a:ea typeface="Times New Roman" pitchFamily="18" charset="0"/>
+                <a:cs typeface="Times New Roman" pitchFamily="18" charset="0"/>
+              </a:rPr>
+              <a:t>möøng</a:t>
+            </a:r>
+            <a:r>
+              <a:rPr lang="en-US" sz="6600" b="1" dirty="0">
+                <a:solidFill>
+                  <a:prstClr val="black"/>
+                </a:solidFill>
+                <a:effectLst>
+                  <a:glow rad="127000">
+                    <a:prstClr val="white"/>
+                  </a:glow>
+                </a:effectLst>
+                <a:latin typeface="VNI-Times" pitchFamily="2" charset="0"/>
+                <a:ea typeface="Times New Roman" pitchFamily="18" charset="0"/>
+                <a:cs typeface="Times New Roman" pitchFamily="18" charset="0"/>
+              </a:rPr>
+              <a:t> </a:t>
+            </a:r>
+            <a:r>
+              <a:rPr lang="en-US" sz="6600" b="1" dirty="0" err="1">
+                <a:solidFill>
+                  <a:prstClr val="black"/>
+                </a:solidFill>
+                <a:effectLst>
+                  <a:glow rad="127000">
+                    <a:prstClr val="white"/>
+                  </a:glow>
+                </a:effectLst>
+                <a:latin typeface="VNI-Times" pitchFamily="2" charset="0"/>
+                <a:ea typeface="Times New Roman" pitchFamily="18" charset="0"/>
+                <a:cs typeface="Times New Roman" pitchFamily="18" charset="0"/>
+              </a:rPr>
+              <a:t>hôn</a:t>
+            </a:r>
+            <a:r>
+              <a:rPr lang="en-US" sz="6600" b="1" dirty="0">
+                <a:solidFill>
+                  <a:prstClr val="black"/>
+                </a:solidFill>
+                <a:effectLst>
+                  <a:glow rad="127000">
+                    <a:prstClr val="white"/>
+                  </a:glow>
+                </a:effectLst>
+                <a:latin typeface="VNI-Times" pitchFamily="2" charset="0"/>
+                <a:ea typeface="Times New Roman" pitchFamily="18" charset="0"/>
+                <a:cs typeface="Times New Roman" pitchFamily="18" charset="0"/>
+              </a:rPr>
+              <a:t> </a:t>
+            </a:r>
+            <a:r>
+              <a:rPr lang="en-US" sz="6600" b="1" dirty="0" err="1">
+                <a:solidFill>
+                  <a:prstClr val="black"/>
+                </a:solidFill>
+                <a:effectLst>
+                  <a:glow rad="127000">
+                    <a:prstClr val="white"/>
+                  </a:glow>
+                </a:effectLst>
+                <a:latin typeface="VNI-Times" pitchFamily="2" charset="0"/>
+                <a:ea typeface="Times New Roman" pitchFamily="18" charset="0"/>
+                <a:cs typeface="Times New Roman" pitchFamily="18" charset="0"/>
+              </a:rPr>
+              <a:t>höùa</a:t>
+            </a:r>
+            <a:r>
+              <a:rPr lang="en-US" sz="6600" b="1" dirty="0">
+                <a:solidFill>
+                  <a:prstClr val="black"/>
+                </a:solidFill>
+                <a:effectLst>
+                  <a:glow rad="127000">
+                    <a:prstClr val="white"/>
+                  </a:glow>
+                </a:effectLst>
+                <a:latin typeface="VNI-Times" pitchFamily="2" charset="0"/>
+                <a:ea typeface="Times New Roman" pitchFamily="18" charset="0"/>
+                <a:cs typeface="Times New Roman" pitchFamily="18" charset="0"/>
+              </a:rPr>
+              <a:t> </a:t>
             </a:r>
             <a:br>
-              <a:rPr lang="en-US" sz="6600" b="1" smtClean="0">
-                <a:solidFill>
-                  <a:prstClr val="black"/>
-                </a:solidFill>
-                <a:effectLst>
-                  <a:glow rad="127000">
-                    <a:prstClr val="white"/>
-                  </a:glow>
-                </a:effectLst>
-                <a:latin typeface="VNI-Aptima" pitchFamily="2" charset="0"/>
+              <a:rPr lang="en-US" sz="6600" b="1" dirty="0">
+                <a:solidFill>
+                  <a:prstClr val="black"/>
+                </a:solidFill>
+                <a:effectLst>
+                  <a:glow rad="127000">
+                    <a:prstClr val="white"/>
+                  </a:glow>
+                </a:effectLst>
+                <a:latin typeface="VNI-Times" pitchFamily="2" charset="0"/>
                 <a:ea typeface="Times New Roman" pitchFamily="18" charset="0"/>
                 <a:cs typeface="Times New Roman" pitchFamily="18" charset="0"/>
               </a:rPr>
             </a:br>
             <a:r>
-              <a:rPr lang="en-US" sz="6600" b="1" smtClean="0">
-                <a:solidFill>
-                  <a:prstClr val="black"/>
-                </a:solidFill>
-                <a:effectLst>
-                  <a:glow rad="127000">
-                    <a:prstClr val="white"/>
-                  </a:glow>
-                </a:effectLst>
-                <a:latin typeface="VNI-Aptima" pitchFamily="2" charset="0"/>
-                <a:ea typeface="Times New Roman" pitchFamily="18" charset="0"/>
-                <a:cs typeface="Times New Roman" pitchFamily="18" charset="0"/>
-              </a:rPr>
-              <a:t>ngoân </a:t>
-            </a:r>
-            <a:r>
-              <a:rPr lang="en-US" sz="6600" b="1">
-                <a:solidFill>
-                  <a:prstClr val="black"/>
-                </a:solidFill>
-                <a:effectLst>
-                  <a:glow rad="127000">
-                    <a:prstClr val="white"/>
-                  </a:glow>
-                </a:effectLst>
-                <a:latin typeface="VNI-Aptima" pitchFamily="2" charset="0"/>
-                <a:ea typeface="Times New Roman" pitchFamily="18" charset="0"/>
-                <a:cs typeface="Times New Roman" pitchFamily="18" charset="0"/>
-              </a:rPr>
-              <a:t>Ngaøi cho con.</a:t>
-            </a:r>
-            <a:endParaRPr lang="en-US" sz="6600" b="1">
-              <a:solidFill>
-                <a:prstClr val="black"/>
-              </a:solidFill>
-              <a:effectLst>
-                <a:glow rad="127000">
-                  <a:prstClr val="white"/>
-                </a:glow>
-              </a:effectLst>
-              <a:latin typeface="VNI-Aptima" pitchFamily="2" charset="0"/>
-              <a:ea typeface="Times New Roman" pitchFamily="18" charset="0"/>
-              <a:cs typeface="Times New Roman" pitchFamily="18" charset="0"/>
-            </a:endParaRPr>
+              <a:rPr lang="en-US" sz="6600" b="1" dirty="0" err="1">
+                <a:solidFill>
+                  <a:prstClr val="black"/>
+                </a:solidFill>
+                <a:effectLst>
+                  <a:glow rad="127000">
+                    <a:prstClr val="white"/>
+                  </a:glow>
+                </a:effectLst>
+                <a:latin typeface="VNI-Times" pitchFamily="2" charset="0"/>
+                <a:ea typeface="Times New Roman" pitchFamily="18" charset="0"/>
+                <a:cs typeface="Times New Roman" pitchFamily="18" charset="0"/>
+              </a:rPr>
+              <a:t>ngoân</a:t>
+            </a:r>
+            <a:r>
+              <a:rPr lang="en-US" sz="6600" b="1" dirty="0">
+                <a:solidFill>
+                  <a:prstClr val="black"/>
+                </a:solidFill>
+                <a:effectLst>
+                  <a:glow rad="127000">
+                    <a:prstClr val="white"/>
+                  </a:glow>
+                </a:effectLst>
+                <a:latin typeface="VNI-Times" pitchFamily="2" charset="0"/>
+                <a:ea typeface="Times New Roman" pitchFamily="18" charset="0"/>
+                <a:cs typeface="Times New Roman" pitchFamily="18" charset="0"/>
+              </a:rPr>
+              <a:t> </a:t>
+            </a:r>
+            <a:r>
+              <a:rPr lang="en-US" sz="6600" b="1" dirty="0" err="1">
+                <a:solidFill>
+                  <a:prstClr val="black"/>
+                </a:solidFill>
+                <a:effectLst>
+                  <a:glow rad="127000">
+                    <a:prstClr val="white"/>
+                  </a:glow>
+                </a:effectLst>
+                <a:latin typeface="VNI-Times" pitchFamily="2" charset="0"/>
+                <a:ea typeface="Times New Roman" pitchFamily="18" charset="0"/>
+                <a:cs typeface="Times New Roman" pitchFamily="18" charset="0"/>
+              </a:rPr>
+              <a:t>Ngaøi</a:t>
+            </a:r>
+            <a:r>
+              <a:rPr lang="en-US" sz="6600" b="1" dirty="0">
+                <a:solidFill>
+                  <a:prstClr val="black"/>
+                </a:solidFill>
+                <a:effectLst>
+                  <a:glow rad="127000">
+                    <a:prstClr val="white"/>
+                  </a:glow>
+                </a:effectLst>
+                <a:latin typeface="VNI-Times" pitchFamily="2" charset="0"/>
+                <a:ea typeface="Times New Roman" pitchFamily="18" charset="0"/>
+                <a:cs typeface="Times New Roman" pitchFamily="18" charset="0"/>
+              </a:rPr>
+              <a:t> </a:t>
+            </a:r>
+            <a:r>
+              <a:rPr lang="en-US" sz="6600" b="1" dirty="0" err="1">
+                <a:solidFill>
+                  <a:prstClr val="black"/>
+                </a:solidFill>
+                <a:effectLst>
+                  <a:glow rad="127000">
+                    <a:prstClr val="white"/>
+                  </a:glow>
+                </a:effectLst>
+                <a:latin typeface="VNI-Times" pitchFamily="2" charset="0"/>
+                <a:ea typeface="Times New Roman" pitchFamily="18" charset="0"/>
+                <a:cs typeface="Times New Roman" pitchFamily="18" charset="0"/>
+              </a:rPr>
+              <a:t>cho</a:t>
+            </a:r>
+            <a:r>
+              <a:rPr lang="en-US" sz="6600" b="1" dirty="0">
+                <a:solidFill>
+                  <a:prstClr val="black"/>
+                </a:solidFill>
+                <a:effectLst>
+                  <a:glow rad="127000">
+                    <a:prstClr val="white"/>
+                  </a:glow>
+                </a:effectLst>
+                <a:latin typeface="VNI-Times" pitchFamily="2" charset="0"/>
+                <a:ea typeface="Times New Roman" pitchFamily="18" charset="0"/>
+                <a:cs typeface="Times New Roman" pitchFamily="18" charset="0"/>
+              </a:rPr>
+              <a:t> con.</a:t>
+            </a:r>
           </a:p>
         </p:txBody>
       </p:sp>
@@ -2131,7 +2235,7 @@
           <a:p>
             <a:pPr algn="ctr"/>
             <a:r>
-              <a:rPr lang="en-US" sz="4000" b="1" spc="-150" smtClean="0">
+              <a:rPr lang="en-US" sz="4000" b="1" spc="-150" dirty="0">
                 <a:ln w="11430"/>
                 <a:solidFill>
                   <a:srgbClr val="FFFF00"/>
@@ -2146,27 +2250,10 @@
                     </a:srgbClr>
                   </a:outerShdw>
                 </a:effectLst>
-                <a:latin typeface="HP-Bank" panose="020B0603050302020204" pitchFamily="34" charset="0"/>
+                <a:latin typeface="VNI-Times" pitchFamily="2" charset="0"/>
               </a:rPr>
               <a:t>DAÂNG CHUÙA LÔØI NGÔÏI CA</a:t>
             </a:r>
-            <a:endParaRPr lang="en-US" sz="4000" b="1" spc="-150">
-              <a:ln w="11430"/>
-              <a:solidFill>
-                <a:srgbClr val="FFFF00"/>
-              </a:solidFill>
-              <a:effectLst>
-                <a:glow rad="127000">
-                  <a:prstClr val="black"/>
-                </a:glow>
-                <a:outerShdw blurRad="50800" dist="39000" dir="5460000" algn="tl">
-                  <a:srgbClr val="000000">
-                    <a:alpha val="38000"/>
-                  </a:srgbClr>
-                </a:outerShdw>
-              </a:effectLst>
-              <a:latin typeface="HP-Bank" panose="020B0603050302020204" pitchFamily="34" charset="0"/>
-            </a:endParaRPr>
           </a:p>
         </p:txBody>
       </p:sp>
@@ -2224,7 +2311,7 @@
           <a:p>
             <a:pPr algn="ctr"/>
             <a:r>
-              <a:rPr lang="en-US" sz="4000" b="1" spc="-150" smtClean="0">
+              <a:rPr lang="en-US" sz="4000" b="1" spc="-150" dirty="0">
                 <a:ln w="11430"/>
                 <a:solidFill>
                   <a:srgbClr val="FFFF00"/>
@@ -2239,27 +2326,10 @@
                     </a:srgbClr>
                   </a:outerShdw>
                 </a:effectLst>
-                <a:latin typeface="HP-Bank" panose="020B0603050302020204" pitchFamily="34" charset="0"/>
+                <a:latin typeface="VNI-Times" pitchFamily="2" charset="0"/>
               </a:rPr>
               <a:t>DAÂNG CHUÙA LÔØI NGÔÏI CA</a:t>
             </a:r>
-            <a:endParaRPr lang="en-US" sz="4000" b="1" spc="-150">
-              <a:ln w="11430"/>
-              <a:solidFill>
-                <a:srgbClr val="FFFF00"/>
-              </a:solidFill>
-              <a:effectLst>
-                <a:glow rad="127000">
-                  <a:prstClr val="black"/>
-                </a:glow>
-                <a:outerShdw blurRad="50800" dist="39000" dir="5460000" algn="tl">
-                  <a:srgbClr val="000000">
-                    <a:alpha val="38000"/>
-                  </a:srgbClr>
-                </a:outerShdw>
-              </a:effectLst>
-              <a:latin typeface="HP-Bank" panose="020B0603050302020204" pitchFamily="34" charset="0"/>
-            </a:endParaRPr>
           </a:p>
         </p:txBody>
       </p:sp>
@@ -2306,208 +2376,387 @@
               </a:spcAft>
             </a:pPr>
             <a:r>
-              <a:rPr lang="en-US" sz="6600" b="1">
-                <a:solidFill>
-                  <a:prstClr val="black"/>
-                </a:solidFill>
-                <a:effectLst>
-                  <a:glow rad="127000">
-                    <a:prstClr val="white"/>
-                  </a:glow>
-                </a:effectLst>
-                <a:latin typeface="VNI-Aptima" pitchFamily="2" charset="0"/>
-                <a:ea typeface="Times New Roman" pitchFamily="18" charset="0"/>
-                <a:cs typeface="Times New Roman" pitchFamily="18" charset="0"/>
-              </a:rPr>
-              <a:t>Daâng leân </a:t>
-            </a:r>
-            <a:r>
-              <a:rPr lang="en-US" sz="6600" b="1">
-                <a:solidFill>
-                  <a:prstClr val="black"/>
-                </a:solidFill>
-                <a:effectLst>
-                  <a:glow rad="127000">
-                    <a:prstClr val="white"/>
-                  </a:glow>
-                </a:effectLst>
-                <a:latin typeface="VNI-Aptima" pitchFamily="2" charset="0"/>
-                <a:ea typeface="Times New Roman" pitchFamily="18" charset="0"/>
-                <a:cs typeface="Times New Roman" pitchFamily="18" charset="0"/>
-              </a:rPr>
-              <a:t>Chuùa </a:t>
-            </a:r>
-            <a:r>
-              <a:rPr lang="en-US" sz="6600" b="1" smtClean="0">
-                <a:solidFill>
-                  <a:prstClr val="black"/>
-                </a:solidFill>
-                <a:effectLst>
-                  <a:glow rad="127000">
-                    <a:prstClr val="white"/>
-                  </a:glow>
-                </a:effectLst>
-                <a:latin typeface="VNI-Aptima" pitchFamily="2" charset="0"/>
-                <a:ea typeface="Times New Roman" pitchFamily="18" charset="0"/>
-                <a:cs typeface="Times New Roman" pitchFamily="18" charset="0"/>
-              </a:rPr>
-              <a:t>lôøi </a:t>
+              <a:rPr lang="en-US" sz="6600" b="1" dirty="0" err="1">
+                <a:solidFill>
+                  <a:prstClr val="black"/>
+                </a:solidFill>
+                <a:effectLst>
+                  <a:glow rad="127000">
+                    <a:prstClr val="white"/>
+                  </a:glow>
+                </a:effectLst>
+                <a:latin typeface="VNI-Times" pitchFamily="2" charset="0"/>
+                <a:ea typeface="Times New Roman" pitchFamily="18" charset="0"/>
+                <a:cs typeface="Times New Roman" pitchFamily="18" charset="0"/>
+              </a:rPr>
+              <a:t>Daâng</a:t>
+            </a:r>
+            <a:r>
+              <a:rPr lang="en-US" sz="6600" b="1" dirty="0">
+                <a:solidFill>
+                  <a:prstClr val="black"/>
+                </a:solidFill>
+                <a:effectLst>
+                  <a:glow rad="127000">
+                    <a:prstClr val="white"/>
+                  </a:glow>
+                </a:effectLst>
+                <a:latin typeface="VNI-Times" pitchFamily="2" charset="0"/>
+                <a:ea typeface="Times New Roman" pitchFamily="18" charset="0"/>
+                <a:cs typeface="Times New Roman" pitchFamily="18" charset="0"/>
+              </a:rPr>
+              <a:t> </a:t>
+            </a:r>
+            <a:r>
+              <a:rPr lang="en-US" sz="6600" b="1" dirty="0" err="1">
+                <a:solidFill>
+                  <a:prstClr val="black"/>
+                </a:solidFill>
+                <a:effectLst>
+                  <a:glow rad="127000">
+                    <a:prstClr val="white"/>
+                  </a:glow>
+                </a:effectLst>
+                <a:latin typeface="VNI-Times" pitchFamily="2" charset="0"/>
+                <a:ea typeface="Times New Roman" pitchFamily="18" charset="0"/>
+                <a:cs typeface="Times New Roman" pitchFamily="18" charset="0"/>
+              </a:rPr>
+              <a:t>leân</a:t>
+            </a:r>
+            <a:r>
+              <a:rPr lang="en-US" sz="6600" b="1" dirty="0">
+                <a:solidFill>
+                  <a:prstClr val="black"/>
+                </a:solidFill>
+                <a:effectLst>
+                  <a:glow rad="127000">
+                    <a:prstClr val="white"/>
+                  </a:glow>
+                </a:effectLst>
+                <a:latin typeface="VNI-Times" pitchFamily="2" charset="0"/>
+                <a:ea typeface="Times New Roman" pitchFamily="18" charset="0"/>
+                <a:cs typeface="Times New Roman" pitchFamily="18" charset="0"/>
+              </a:rPr>
+              <a:t> </a:t>
+            </a:r>
+            <a:r>
+              <a:rPr lang="en-US" sz="6600" b="1" dirty="0" err="1">
+                <a:solidFill>
+                  <a:prstClr val="black"/>
+                </a:solidFill>
+                <a:effectLst>
+                  <a:glow rad="127000">
+                    <a:prstClr val="white"/>
+                  </a:glow>
+                </a:effectLst>
+                <a:latin typeface="VNI-Times" pitchFamily="2" charset="0"/>
+                <a:ea typeface="Times New Roman" pitchFamily="18" charset="0"/>
+                <a:cs typeface="Times New Roman" pitchFamily="18" charset="0"/>
+              </a:rPr>
+              <a:t>Chuùa</a:t>
+            </a:r>
+            <a:r>
+              <a:rPr lang="en-US" sz="6600" b="1" dirty="0">
+                <a:solidFill>
+                  <a:prstClr val="black"/>
+                </a:solidFill>
+                <a:effectLst>
+                  <a:glow rad="127000">
+                    <a:prstClr val="white"/>
+                  </a:glow>
+                </a:effectLst>
+                <a:latin typeface="VNI-Times" pitchFamily="2" charset="0"/>
+                <a:ea typeface="Times New Roman" pitchFamily="18" charset="0"/>
+                <a:cs typeface="Times New Roman" pitchFamily="18" charset="0"/>
+              </a:rPr>
+              <a:t> </a:t>
+            </a:r>
+            <a:r>
+              <a:rPr lang="en-US" sz="6600" b="1" dirty="0" err="1">
+                <a:solidFill>
+                  <a:prstClr val="black"/>
+                </a:solidFill>
+                <a:effectLst>
+                  <a:glow rad="127000">
+                    <a:prstClr val="white"/>
+                  </a:glow>
+                </a:effectLst>
+                <a:latin typeface="VNI-Times" pitchFamily="2" charset="0"/>
+                <a:ea typeface="Times New Roman" pitchFamily="18" charset="0"/>
+                <a:cs typeface="Times New Roman" pitchFamily="18" charset="0"/>
+              </a:rPr>
+              <a:t>lôøi</a:t>
+            </a:r>
+            <a:r>
+              <a:rPr lang="en-US" sz="6600" b="1" dirty="0">
+                <a:solidFill>
+                  <a:prstClr val="black"/>
+                </a:solidFill>
+                <a:effectLst>
+                  <a:glow rad="127000">
+                    <a:prstClr val="white"/>
+                  </a:glow>
+                </a:effectLst>
+                <a:latin typeface="VNI-Times" pitchFamily="2" charset="0"/>
+                <a:ea typeface="Times New Roman" pitchFamily="18" charset="0"/>
+                <a:cs typeface="Times New Roman" pitchFamily="18" charset="0"/>
+              </a:rPr>
+              <a:t> </a:t>
             </a:r>
             <a:br>
-              <a:rPr lang="en-US" sz="6600" b="1" smtClean="0">
-                <a:solidFill>
-                  <a:prstClr val="black"/>
-                </a:solidFill>
-                <a:effectLst>
-                  <a:glow rad="127000">
-                    <a:prstClr val="white"/>
-                  </a:glow>
-                </a:effectLst>
-                <a:latin typeface="VNI-Aptima" pitchFamily="2" charset="0"/>
+              <a:rPr lang="en-US" sz="6600" b="1" dirty="0">
+                <a:solidFill>
+                  <a:prstClr val="black"/>
+                </a:solidFill>
+                <a:effectLst>
+                  <a:glow rad="127000">
+                    <a:prstClr val="white"/>
+                  </a:glow>
+                </a:effectLst>
+                <a:latin typeface="VNI-Times" pitchFamily="2" charset="0"/>
                 <a:ea typeface="Times New Roman" pitchFamily="18" charset="0"/>
                 <a:cs typeface="Times New Roman" pitchFamily="18" charset="0"/>
               </a:rPr>
             </a:br>
             <a:r>
-              <a:rPr lang="en-US" sz="6600" b="1" smtClean="0">
-                <a:solidFill>
-                  <a:prstClr val="black"/>
-                </a:solidFill>
-                <a:effectLst>
-                  <a:glow rad="127000">
-                    <a:prstClr val="white"/>
-                  </a:glow>
-                </a:effectLst>
-                <a:latin typeface="VNI-Aptima" pitchFamily="2" charset="0"/>
-                <a:ea typeface="Times New Roman" pitchFamily="18" charset="0"/>
-                <a:cs typeface="Times New Roman" pitchFamily="18" charset="0"/>
-              </a:rPr>
-              <a:t>ngôïi ca, </a:t>
-            </a:r>
-            <a:r>
-              <a:rPr lang="en-US" sz="6600" b="1">
-                <a:solidFill>
-                  <a:prstClr val="black"/>
-                </a:solidFill>
-                <a:effectLst>
-                  <a:glow rad="127000">
-                    <a:prstClr val="white"/>
-                  </a:glow>
-                </a:effectLst>
-                <a:latin typeface="VNI-Aptima" pitchFamily="2" charset="0"/>
-                <a:ea typeface="Times New Roman" pitchFamily="18" charset="0"/>
-                <a:cs typeface="Times New Roman" pitchFamily="18" charset="0"/>
-              </a:rPr>
-              <a:t>Chuùa </a:t>
-            </a:r>
-            <a:r>
-              <a:rPr lang="en-US" sz="6600" b="1">
-                <a:solidFill>
-                  <a:prstClr val="black"/>
-                </a:solidFill>
-                <a:effectLst>
-                  <a:glow rad="127000">
-                    <a:prstClr val="white"/>
-                  </a:glow>
-                </a:effectLst>
-                <a:latin typeface="VNI-Aptima" pitchFamily="2" charset="0"/>
-                <a:ea typeface="Times New Roman" pitchFamily="18" charset="0"/>
-                <a:cs typeface="Times New Roman" pitchFamily="18" charset="0"/>
-              </a:rPr>
-              <a:t>hôõi </a:t>
-            </a:r>
-            <a:r>
-              <a:rPr lang="en-US" sz="6600" b="1" smtClean="0">
-                <a:solidFill>
-                  <a:prstClr val="black"/>
-                </a:solidFill>
-                <a:effectLst>
-                  <a:glow rad="127000">
-                    <a:prstClr val="white"/>
-                  </a:glow>
-                </a:effectLst>
-                <a:latin typeface="VNI-Aptima" pitchFamily="2" charset="0"/>
-                <a:ea typeface="Times New Roman" pitchFamily="18" charset="0"/>
-                <a:cs typeface="Times New Roman" pitchFamily="18" charset="0"/>
-              </a:rPr>
-              <a:t/>
+              <a:rPr lang="en-US" sz="6600" b="1" dirty="0" err="1">
+                <a:solidFill>
+                  <a:prstClr val="black"/>
+                </a:solidFill>
+                <a:effectLst>
+                  <a:glow rad="127000">
+                    <a:prstClr val="white"/>
+                  </a:glow>
+                </a:effectLst>
+                <a:latin typeface="VNI-Times" pitchFamily="2" charset="0"/>
+                <a:ea typeface="Times New Roman" pitchFamily="18" charset="0"/>
+                <a:cs typeface="Times New Roman" pitchFamily="18" charset="0"/>
+              </a:rPr>
+              <a:t>ngôïi</a:t>
+            </a:r>
+            <a:r>
+              <a:rPr lang="en-US" sz="6600" b="1" dirty="0">
+                <a:solidFill>
+                  <a:prstClr val="black"/>
+                </a:solidFill>
+                <a:effectLst>
+                  <a:glow rad="127000">
+                    <a:prstClr val="white"/>
+                  </a:glow>
+                </a:effectLst>
+                <a:latin typeface="VNI-Times" pitchFamily="2" charset="0"/>
+                <a:ea typeface="Times New Roman" pitchFamily="18" charset="0"/>
+                <a:cs typeface="Times New Roman" pitchFamily="18" charset="0"/>
+              </a:rPr>
+              <a:t> ca, </a:t>
+            </a:r>
+            <a:r>
+              <a:rPr lang="en-US" sz="6600" b="1" dirty="0" err="1">
+                <a:solidFill>
+                  <a:prstClr val="black"/>
+                </a:solidFill>
+                <a:effectLst>
+                  <a:glow rad="127000">
+                    <a:prstClr val="white"/>
+                  </a:glow>
+                </a:effectLst>
+                <a:latin typeface="VNI-Times" pitchFamily="2" charset="0"/>
+                <a:ea typeface="Times New Roman" pitchFamily="18" charset="0"/>
+                <a:cs typeface="Times New Roman" pitchFamily="18" charset="0"/>
+              </a:rPr>
+              <a:t>Chuùa</a:t>
+            </a:r>
+            <a:r>
+              <a:rPr lang="en-US" sz="6600" b="1" dirty="0">
+                <a:solidFill>
+                  <a:prstClr val="black"/>
+                </a:solidFill>
+                <a:effectLst>
+                  <a:glow rad="127000">
+                    <a:prstClr val="white"/>
+                  </a:glow>
+                </a:effectLst>
+                <a:latin typeface="VNI-Times" pitchFamily="2" charset="0"/>
+                <a:ea typeface="Times New Roman" pitchFamily="18" charset="0"/>
+                <a:cs typeface="Times New Roman" pitchFamily="18" charset="0"/>
+              </a:rPr>
+              <a:t> </a:t>
+            </a:r>
+            <a:r>
+              <a:rPr lang="en-US" sz="6600" b="1" dirty="0" err="1">
+                <a:solidFill>
+                  <a:prstClr val="black"/>
+                </a:solidFill>
+                <a:effectLst>
+                  <a:glow rad="127000">
+                    <a:prstClr val="white"/>
+                  </a:glow>
+                </a:effectLst>
+                <a:latin typeface="VNI-Times" pitchFamily="2" charset="0"/>
+                <a:ea typeface="Times New Roman" pitchFamily="18" charset="0"/>
+                <a:cs typeface="Times New Roman" pitchFamily="18" charset="0"/>
+              </a:rPr>
+              <a:t>hôõi</a:t>
+            </a:r>
+            <a:r>
+              <a:rPr lang="en-US" sz="6600" b="1" dirty="0">
+                <a:solidFill>
+                  <a:prstClr val="black"/>
+                </a:solidFill>
+                <a:effectLst>
+                  <a:glow rad="127000">
+                    <a:prstClr val="white"/>
+                  </a:glow>
+                </a:effectLst>
+                <a:latin typeface="VNI-Times" pitchFamily="2" charset="0"/>
+                <a:ea typeface="Times New Roman" pitchFamily="18" charset="0"/>
+                <a:cs typeface="Times New Roman" pitchFamily="18" charset="0"/>
+              </a:rPr>
+              <a:t> </a:t>
             </a:r>
             <a:br>
-              <a:rPr lang="en-US" sz="6600" b="1" smtClean="0">
-                <a:solidFill>
-                  <a:prstClr val="black"/>
-                </a:solidFill>
-                <a:effectLst>
-                  <a:glow rad="127000">
-                    <a:prstClr val="white"/>
-                  </a:glow>
-                </a:effectLst>
-                <a:latin typeface="VNI-Aptima" pitchFamily="2" charset="0"/>
+              <a:rPr lang="en-US" sz="6600" b="1" dirty="0">
+                <a:solidFill>
+                  <a:prstClr val="black"/>
+                </a:solidFill>
+                <a:effectLst>
+                  <a:glow rad="127000">
+                    <a:prstClr val="white"/>
+                  </a:glow>
+                </a:effectLst>
+                <a:latin typeface="VNI-Times" pitchFamily="2" charset="0"/>
                 <a:ea typeface="Times New Roman" pitchFamily="18" charset="0"/>
                 <a:cs typeface="Times New Roman" pitchFamily="18" charset="0"/>
               </a:rPr>
             </a:br>
             <a:r>
-              <a:rPr lang="en-US" sz="6600" b="1" smtClean="0">
-                <a:solidFill>
-                  <a:prstClr val="black"/>
-                </a:solidFill>
-                <a:effectLst>
-                  <a:glow rad="127000">
-                    <a:prstClr val="white"/>
-                  </a:glow>
-                </a:effectLst>
-                <a:latin typeface="VNI-Aptima" pitchFamily="2" charset="0"/>
-                <a:ea typeface="Times New Roman" pitchFamily="18" charset="0"/>
-                <a:cs typeface="Times New Roman" pitchFamily="18" charset="0"/>
-              </a:rPr>
-              <a:t>taát </a:t>
-            </a:r>
-            <a:r>
-              <a:rPr lang="en-US" sz="6600" b="1">
-                <a:solidFill>
-                  <a:prstClr val="black"/>
-                </a:solidFill>
-                <a:effectLst>
-                  <a:glow rad="127000">
-                    <a:prstClr val="white"/>
-                  </a:glow>
-                </a:effectLst>
-                <a:latin typeface="VNI-Aptima" pitchFamily="2" charset="0"/>
-                <a:ea typeface="Times New Roman" pitchFamily="18" charset="0"/>
-                <a:cs typeface="Times New Roman" pitchFamily="18" charset="0"/>
-              </a:rPr>
-              <a:t>caû linh hoàn con</a:t>
-            </a:r>
-            <a:r>
-              <a:rPr lang="en-US" sz="6600" b="1">
-                <a:solidFill>
-                  <a:prstClr val="black"/>
-                </a:solidFill>
-                <a:effectLst>
-                  <a:glow rad="127000">
-                    <a:prstClr val="white"/>
-                  </a:glow>
-                </a:effectLst>
-                <a:latin typeface="VNI-Aptima" pitchFamily="2" charset="0"/>
-                <a:ea typeface="Times New Roman" pitchFamily="18" charset="0"/>
-                <a:cs typeface="Times New Roman" pitchFamily="18" charset="0"/>
-              </a:rPr>
-              <a:t>. </a:t>
-            </a:r>
-            <a:endParaRPr lang="en-US" sz="6600" b="1">
-              <a:solidFill>
-                <a:prstClr val="black"/>
-              </a:solidFill>
-              <a:effectLst>
-                <a:glow rad="127000">
-                  <a:prstClr val="white"/>
-                </a:glow>
-              </a:effectLst>
-              <a:latin typeface="VNI-Aptima" pitchFamily="2" charset="0"/>
-              <a:ea typeface="Times New Roman" pitchFamily="18" charset="0"/>
-              <a:cs typeface="Times New Roman" pitchFamily="18" charset="0"/>
-            </a:endParaRPr>
+              <a:rPr lang="en-US" sz="6600" b="1" dirty="0" err="1">
+                <a:solidFill>
+                  <a:prstClr val="black"/>
+                </a:solidFill>
+                <a:effectLst>
+                  <a:glow rad="127000">
+                    <a:prstClr val="white"/>
+                  </a:glow>
+                </a:effectLst>
+                <a:latin typeface="VNI-Times" pitchFamily="2" charset="0"/>
+                <a:ea typeface="Times New Roman" pitchFamily="18" charset="0"/>
+                <a:cs typeface="Times New Roman" pitchFamily="18" charset="0"/>
+              </a:rPr>
+              <a:t>taát</a:t>
+            </a:r>
+            <a:r>
+              <a:rPr lang="en-US" sz="6600" b="1" dirty="0">
+                <a:solidFill>
+                  <a:prstClr val="black"/>
+                </a:solidFill>
+                <a:effectLst>
+                  <a:glow rad="127000">
+                    <a:prstClr val="white"/>
+                  </a:glow>
+                </a:effectLst>
+                <a:latin typeface="VNI-Times" pitchFamily="2" charset="0"/>
+                <a:ea typeface="Times New Roman" pitchFamily="18" charset="0"/>
+                <a:cs typeface="Times New Roman" pitchFamily="18" charset="0"/>
+              </a:rPr>
+              <a:t> </a:t>
+            </a:r>
+            <a:r>
+              <a:rPr lang="en-US" sz="6600" b="1" dirty="0" err="1">
+                <a:solidFill>
+                  <a:prstClr val="black"/>
+                </a:solidFill>
+                <a:effectLst>
+                  <a:glow rad="127000">
+                    <a:prstClr val="white"/>
+                  </a:glow>
+                </a:effectLst>
+                <a:latin typeface="VNI-Times" pitchFamily="2" charset="0"/>
+                <a:ea typeface="Times New Roman" pitchFamily="18" charset="0"/>
+                <a:cs typeface="Times New Roman" pitchFamily="18" charset="0"/>
+              </a:rPr>
+              <a:t>caû</a:t>
+            </a:r>
+            <a:r>
+              <a:rPr lang="en-US" sz="6600" b="1" dirty="0">
+                <a:solidFill>
+                  <a:prstClr val="black"/>
+                </a:solidFill>
+                <a:effectLst>
+                  <a:glow rad="127000">
+                    <a:prstClr val="white"/>
+                  </a:glow>
+                </a:effectLst>
+                <a:latin typeface="VNI-Times" pitchFamily="2" charset="0"/>
+                <a:ea typeface="Times New Roman" pitchFamily="18" charset="0"/>
+                <a:cs typeface="Times New Roman" pitchFamily="18" charset="0"/>
+              </a:rPr>
+              <a:t> </a:t>
+            </a:r>
+            <a:r>
+              <a:rPr lang="en-US" sz="6600" b="1" dirty="0" err="1">
+                <a:solidFill>
+                  <a:prstClr val="black"/>
+                </a:solidFill>
+                <a:effectLst>
+                  <a:glow rad="127000">
+                    <a:prstClr val="white"/>
+                  </a:glow>
+                </a:effectLst>
+                <a:latin typeface="VNI-Times" pitchFamily="2" charset="0"/>
+                <a:ea typeface="Times New Roman" pitchFamily="18" charset="0"/>
+                <a:cs typeface="Times New Roman" pitchFamily="18" charset="0"/>
+              </a:rPr>
+              <a:t>linh</a:t>
+            </a:r>
+            <a:r>
+              <a:rPr lang="en-US" sz="6600" b="1" dirty="0">
+                <a:solidFill>
+                  <a:prstClr val="black"/>
+                </a:solidFill>
+                <a:effectLst>
+                  <a:glow rad="127000">
+                    <a:prstClr val="white"/>
+                  </a:glow>
+                </a:effectLst>
+                <a:latin typeface="VNI-Times" pitchFamily="2" charset="0"/>
+                <a:ea typeface="Times New Roman" pitchFamily="18" charset="0"/>
+                <a:cs typeface="Times New Roman" pitchFamily="18" charset="0"/>
+              </a:rPr>
+              <a:t> </a:t>
+            </a:r>
+            <a:r>
+              <a:rPr lang="en-US" sz="6600" b="1" dirty="0" err="1">
+                <a:solidFill>
+                  <a:prstClr val="black"/>
+                </a:solidFill>
+                <a:effectLst>
+                  <a:glow rad="127000">
+                    <a:prstClr val="white"/>
+                  </a:glow>
+                </a:effectLst>
+                <a:latin typeface="VNI-Times" pitchFamily="2" charset="0"/>
+                <a:ea typeface="Times New Roman" pitchFamily="18" charset="0"/>
+                <a:cs typeface="Times New Roman" pitchFamily="18" charset="0"/>
+              </a:rPr>
+              <a:t>hoàn</a:t>
+            </a:r>
+            <a:r>
+              <a:rPr lang="en-US" sz="6600" b="1" dirty="0">
+                <a:solidFill>
+                  <a:prstClr val="black"/>
+                </a:solidFill>
+                <a:effectLst>
+                  <a:glow rad="127000">
+                    <a:prstClr val="white"/>
+                  </a:glow>
+                </a:effectLst>
+                <a:latin typeface="VNI-Times" pitchFamily="2" charset="0"/>
+                <a:ea typeface="Times New Roman" pitchFamily="18" charset="0"/>
+                <a:cs typeface="Times New Roman" pitchFamily="18" charset="0"/>
+              </a:rPr>
+              <a:t> con. </a:t>
+            </a:r>
           </a:p>
         </p:txBody>
       </p:sp>
@@ -2524,13 +2773,6 @@
   <p:transition spd="slow">
     <p:randomBar dir="vert"/>
   </p:transition>
-  <p:timing>
-    <p:tnLst>
-      <p:par>
-        <p:cTn id="1" dur="indefinite" restart="never" nodeType="tmRoot"/>
-      </p:par>
-    </p:tnLst>
-  </p:timing>
 </p:sld>
 </file>
 
@@ -2594,161 +2836,468 @@
               </a:spcAft>
             </a:pPr>
             <a:r>
-              <a:rPr lang="en-US" sz="6600" b="1">
-                <a:solidFill>
-                  <a:prstClr val="black"/>
-                </a:solidFill>
-                <a:effectLst>
-                  <a:glow rad="127000">
-                    <a:prstClr val="white"/>
-                  </a:glow>
-                </a:effectLst>
-                <a:latin typeface="VNI-Aptima" pitchFamily="2" charset="0"/>
-                <a:ea typeface="Times New Roman" pitchFamily="18" charset="0"/>
-                <a:cs typeface="Times New Roman" pitchFamily="18" charset="0"/>
-              </a:rPr>
-              <a:t>Thieát tha </a:t>
-            </a:r>
-            <a:r>
-              <a:rPr lang="en-US" sz="6600" b="1">
-                <a:solidFill>
-                  <a:prstClr val="black"/>
-                </a:solidFill>
-                <a:effectLst>
-                  <a:glow rad="127000">
-                    <a:prstClr val="white"/>
-                  </a:glow>
-                </a:effectLst>
-                <a:latin typeface="VNI-Aptima" pitchFamily="2" charset="0"/>
-                <a:ea typeface="Times New Roman" pitchFamily="18" charset="0"/>
-                <a:cs typeface="Times New Roman" pitchFamily="18" charset="0"/>
-              </a:rPr>
-              <a:t>yeâu </a:t>
-            </a:r>
-            <a:r>
-              <a:rPr lang="en-US" sz="6600" b="1" smtClean="0">
-                <a:solidFill>
-                  <a:prstClr val="black"/>
-                </a:solidFill>
-                <a:effectLst>
-                  <a:glow rad="127000">
-                    <a:prstClr val="white"/>
-                  </a:glow>
-                </a:effectLst>
-                <a:latin typeface="VNI-Aptima" pitchFamily="2" charset="0"/>
-                <a:ea typeface="Times New Roman" pitchFamily="18" charset="0"/>
-                <a:cs typeface="Times New Roman" pitchFamily="18" charset="0"/>
-              </a:rPr>
-              <a:t>Ngaøi, thieát </a:t>
-            </a:r>
-            <a:r>
-              <a:rPr lang="en-US" sz="6600" b="1">
-                <a:solidFill>
-                  <a:prstClr val="black"/>
-                </a:solidFill>
-                <a:effectLst>
-                  <a:glow rad="127000">
-                    <a:prstClr val="white"/>
-                  </a:glow>
-                </a:effectLst>
-                <a:latin typeface="VNI-Aptima" pitchFamily="2" charset="0"/>
-                <a:ea typeface="Times New Roman" pitchFamily="18" charset="0"/>
-                <a:cs typeface="Times New Roman" pitchFamily="18" charset="0"/>
-              </a:rPr>
-              <a:t>tha daâng </a:t>
-            </a:r>
-            <a:r>
-              <a:rPr lang="en-US" sz="6600" b="1">
-                <a:solidFill>
-                  <a:prstClr val="black"/>
-                </a:solidFill>
-                <a:effectLst>
-                  <a:glow rad="127000">
-                    <a:prstClr val="white"/>
-                  </a:glow>
-                </a:effectLst>
-                <a:latin typeface="VNI-Aptima" pitchFamily="2" charset="0"/>
-                <a:ea typeface="Times New Roman" pitchFamily="18" charset="0"/>
-                <a:cs typeface="Times New Roman" pitchFamily="18" charset="0"/>
-              </a:rPr>
-              <a:t>Ngaøi </a:t>
-            </a:r>
-            <a:r>
-              <a:rPr lang="en-US" sz="6600" b="1" smtClean="0">
-                <a:solidFill>
-                  <a:prstClr val="black"/>
-                </a:solidFill>
-                <a:effectLst>
-                  <a:glow rad="127000">
-                    <a:prstClr val="white"/>
-                  </a:glow>
-                </a:effectLst>
-                <a:latin typeface="VNI-Aptima" pitchFamily="2" charset="0"/>
-                <a:ea typeface="Times New Roman" pitchFamily="18" charset="0"/>
-                <a:cs typeface="Times New Roman" pitchFamily="18" charset="0"/>
-              </a:rPr>
-              <a:t/>
+              <a:rPr lang="en-US" sz="6600" b="1" dirty="0" err="1">
+                <a:solidFill>
+                  <a:prstClr val="black"/>
+                </a:solidFill>
+                <a:effectLst>
+                  <a:glow rad="127000">
+                    <a:prstClr val="white"/>
+                  </a:glow>
+                </a:effectLst>
+                <a:latin typeface="VNI-Times" pitchFamily="2" charset="0"/>
+                <a:ea typeface="Times New Roman" pitchFamily="18" charset="0"/>
+                <a:cs typeface="Times New Roman" pitchFamily="18" charset="0"/>
+              </a:rPr>
+              <a:t>Thieát</a:t>
+            </a:r>
+            <a:r>
+              <a:rPr lang="en-US" sz="6600" b="1" dirty="0">
+                <a:solidFill>
+                  <a:prstClr val="black"/>
+                </a:solidFill>
+                <a:effectLst>
+                  <a:glow rad="127000">
+                    <a:prstClr val="white"/>
+                  </a:glow>
+                </a:effectLst>
+                <a:latin typeface="VNI-Times" pitchFamily="2" charset="0"/>
+                <a:ea typeface="Times New Roman" pitchFamily="18" charset="0"/>
+                <a:cs typeface="Times New Roman" pitchFamily="18" charset="0"/>
+              </a:rPr>
+              <a:t> </a:t>
+            </a:r>
+            <a:r>
+              <a:rPr lang="en-US" sz="6600" b="1" dirty="0" err="1">
+                <a:solidFill>
+                  <a:prstClr val="black"/>
+                </a:solidFill>
+                <a:effectLst>
+                  <a:glow rad="127000">
+                    <a:prstClr val="white"/>
+                  </a:glow>
+                </a:effectLst>
+                <a:latin typeface="VNI-Times" pitchFamily="2" charset="0"/>
+                <a:ea typeface="Times New Roman" pitchFamily="18" charset="0"/>
+                <a:cs typeface="Times New Roman" pitchFamily="18" charset="0"/>
+              </a:rPr>
+              <a:t>tha</a:t>
+            </a:r>
+            <a:r>
+              <a:rPr lang="en-US" sz="6600" b="1" dirty="0">
+                <a:solidFill>
+                  <a:prstClr val="black"/>
+                </a:solidFill>
+                <a:effectLst>
+                  <a:glow rad="127000">
+                    <a:prstClr val="white"/>
+                  </a:glow>
+                </a:effectLst>
+                <a:latin typeface="VNI-Times" pitchFamily="2" charset="0"/>
+                <a:ea typeface="Times New Roman" pitchFamily="18" charset="0"/>
+                <a:cs typeface="Times New Roman" pitchFamily="18" charset="0"/>
+              </a:rPr>
+              <a:t> </a:t>
+            </a:r>
+            <a:r>
+              <a:rPr lang="en-US" sz="6600" b="1" dirty="0" err="1">
+                <a:solidFill>
+                  <a:prstClr val="black"/>
+                </a:solidFill>
+                <a:effectLst>
+                  <a:glow rad="127000">
+                    <a:prstClr val="white"/>
+                  </a:glow>
+                </a:effectLst>
+                <a:latin typeface="VNI-Times" pitchFamily="2" charset="0"/>
+                <a:ea typeface="Times New Roman" pitchFamily="18" charset="0"/>
+                <a:cs typeface="Times New Roman" pitchFamily="18" charset="0"/>
+              </a:rPr>
+              <a:t>yeâu</a:t>
+            </a:r>
+            <a:r>
+              <a:rPr lang="en-US" sz="6600" b="1" dirty="0">
+                <a:solidFill>
+                  <a:prstClr val="black"/>
+                </a:solidFill>
+                <a:effectLst>
+                  <a:glow rad="127000">
+                    <a:prstClr val="white"/>
+                  </a:glow>
+                </a:effectLst>
+                <a:latin typeface="VNI-Times" pitchFamily="2" charset="0"/>
+                <a:ea typeface="Times New Roman" pitchFamily="18" charset="0"/>
+                <a:cs typeface="Times New Roman" pitchFamily="18" charset="0"/>
+              </a:rPr>
+              <a:t> </a:t>
+            </a:r>
+            <a:r>
+              <a:rPr lang="en-US" sz="6600" b="1" dirty="0" err="1">
+                <a:solidFill>
+                  <a:prstClr val="black"/>
+                </a:solidFill>
+                <a:effectLst>
+                  <a:glow rad="127000">
+                    <a:prstClr val="white"/>
+                  </a:glow>
+                </a:effectLst>
+                <a:latin typeface="VNI-Times" pitchFamily="2" charset="0"/>
+                <a:ea typeface="Times New Roman" pitchFamily="18" charset="0"/>
+                <a:cs typeface="Times New Roman" pitchFamily="18" charset="0"/>
+              </a:rPr>
+              <a:t>Ngaøi</a:t>
+            </a:r>
+            <a:r>
+              <a:rPr lang="en-US" sz="6600" b="1" dirty="0">
+                <a:solidFill>
+                  <a:prstClr val="black"/>
+                </a:solidFill>
+                <a:effectLst>
+                  <a:glow rad="127000">
+                    <a:prstClr val="white"/>
+                  </a:glow>
+                </a:effectLst>
+                <a:latin typeface="VNI-Times" pitchFamily="2" charset="0"/>
+                <a:ea typeface="Times New Roman" pitchFamily="18" charset="0"/>
+                <a:cs typeface="Times New Roman" pitchFamily="18" charset="0"/>
+              </a:rPr>
+              <a:t>, </a:t>
+            </a:r>
+            <a:r>
+              <a:rPr lang="en-US" sz="6600" b="1" dirty="0" err="1">
+                <a:solidFill>
+                  <a:prstClr val="black"/>
+                </a:solidFill>
+                <a:effectLst>
+                  <a:glow rad="127000">
+                    <a:prstClr val="white"/>
+                  </a:glow>
+                </a:effectLst>
+                <a:latin typeface="VNI-Times" pitchFamily="2" charset="0"/>
+                <a:ea typeface="Times New Roman" pitchFamily="18" charset="0"/>
+                <a:cs typeface="Times New Roman" pitchFamily="18" charset="0"/>
+              </a:rPr>
+              <a:t>thieát</a:t>
+            </a:r>
+            <a:r>
+              <a:rPr lang="en-US" sz="6600" b="1" dirty="0">
+                <a:solidFill>
+                  <a:prstClr val="black"/>
+                </a:solidFill>
+                <a:effectLst>
+                  <a:glow rad="127000">
+                    <a:prstClr val="white"/>
+                  </a:glow>
+                </a:effectLst>
+                <a:latin typeface="VNI-Times" pitchFamily="2" charset="0"/>
+                <a:ea typeface="Times New Roman" pitchFamily="18" charset="0"/>
+                <a:cs typeface="Times New Roman" pitchFamily="18" charset="0"/>
+              </a:rPr>
+              <a:t> </a:t>
+            </a:r>
+            <a:r>
+              <a:rPr lang="en-US" sz="6600" b="1" dirty="0" err="1">
+                <a:solidFill>
+                  <a:prstClr val="black"/>
+                </a:solidFill>
+                <a:effectLst>
+                  <a:glow rad="127000">
+                    <a:prstClr val="white"/>
+                  </a:glow>
+                </a:effectLst>
+                <a:latin typeface="VNI-Times" pitchFamily="2" charset="0"/>
+                <a:ea typeface="Times New Roman" pitchFamily="18" charset="0"/>
+                <a:cs typeface="Times New Roman" pitchFamily="18" charset="0"/>
+              </a:rPr>
+              <a:t>tha</a:t>
+            </a:r>
+            <a:r>
+              <a:rPr lang="en-US" sz="6600" b="1" dirty="0">
+                <a:solidFill>
+                  <a:prstClr val="black"/>
+                </a:solidFill>
+                <a:effectLst>
+                  <a:glow rad="127000">
+                    <a:prstClr val="white"/>
+                  </a:glow>
+                </a:effectLst>
+                <a:latin typeface="VNI-Times" pitchFamily="2" charset="0"/>
+                <a:ea typeface="Times New Roman" pitchFamily="18" charset="0"/>
+                <a:cs typeface="Times New Roman" pitchFamily="18" charset="0"/>
+              </a:rPr>
+              <a:t> </a:t>
+            </a:r>
+            <a:r>
+              <a:rPr lang="en-US" sz="6600" b="1" dirty="0" err="1">
+                <a:solidFill>
+                  <a:prstClr val="black"/>
+                </a:solidFill>
+                <a:effectLst>
+                  <a:glow rad="127000">
+                    <a:prstClr val="white"/>
+                  </a:glow>
+                </a:effectLst>
+                <a:latin typeface="VNI-Times" pitchFamily="2" charset="0"/>
+                <a:ea typeface="Times New Roman" pitchFamily="18" charset="0"/>
+                <a:cs typeface="Times New Roman" pitchFamily="18" charset="0"/>
+              </a:rPr>
+              <a:t>daâng</a:t>
+            </a:r>
+            <a:r>
+              <a:rPr lang="en-US" sz="6600" b="1" dirty="0">
+                <a:solidFill>
+                  <a:prstClr val="black"/>
+                </a:solidFill>
+                <a:effectLst>
+                  <a:glow rad="127000">
+                    <a:prstClr val="white"/>
+                  </a:glow>
+                </a:effectLst>
+                <a:latin typeface="VNI-Times" pitchFamily="2" charset="0"/>
+                <a:ea typeface="Times New Roman" pitchFamily="18" charset="0"/>
+                <a:cs typeface="Times New Roman" pitchFamily="18" charset="0"/>
+              </a:rPr>
+              <a:t> </a:t>
+            </a:r>
+            <a:r>
+              <a:rPr lang="en-US" sz="6600" b="1" dirty="0" err="1">
+                <a:solidFill>
+                  <a:prstClr val="black"/>
+                </a:solidFill>
+                <a:effectLst>
+                  <a:glow rad="127000">
+                    <a:prstClr val="white"/>
+                  </a:glow>
+                </a:effectLst>
+                <a:latin typeface="VNI-Times" pitchFamily="2" charset="0"/>
+                <a:ea typeface="Times New Roman" pitchFamily="18" charset="0"/>
+                <a:cs typeface="Times New Roman" pitchFamily="18" charset="0"/>
+              </a:rPr>
+              <a:t>Ngaøi</a:t>
+            </a:r>
+            <a:r>
+              <a:rPr lang="en-US" sz="6600" b="1" dirty="0">
+                <a:solidFill>
+                  <a:prstClr val="black"/>
+                </a:solidFill>
+                <a:effectLst>
+                  <a:glow rad="127000">
+                    <a:prstClr val="white"/>
+                  </a:glow>
+                </a:effectLst>
+                <a:latin typeface="VNI-Times" pitchFamily="2" charset="0"/>
+                <a:ea typeface="Times New Roman" pitchFamily="18" charset="0"/>
+                <a:cs typeface="Times New Roman" pitchFamily="18" charset="0"/>
+              </a:rPr>
+              <a:t> </a:t>
             </a:r>
             <a:br>
-              <a:rPr lang="en-US" sz="6600" b="1" smtClean="0">
-                <a:solidFill>
-                  <a:prstClr val="black"/>
-                </a:solidFill>
-                <a:effectLst>
-                  <a:glow rad="127000">
-                    <a:prstClr val="white"/>
-                  </a:glow>
-                </a:effectLst>
-                <a:latin typeface="VNI-Aptima" pitchFamily="2" charset="0"/>
+              <a:rPr lang="en-US" sz="6600" b="1" dirty="0">
+                <a:solidFill>
+                  <a:prstClr val="black"/>
+                </a:solidFill>
+                <a:effectLst>
+                  <a:glow rad="127000">
+                    <a:prstClr val="white"/>
+                  </a:glow>
+                </a:effectLst>
+                <a:latin typeface="VNI-Times" pitchFamily="2" charset="0"/>
                 <a:ea typeface="Times New Roman" pitchFamily="18" charset="0"/>
                 <a:cs typeface="Times New Roman" pitchFamily="18" charset="0"/>
               </a:rPr>
             </a:br>
             <a:r>
-              <a:rPr lang="en-US" sz="6600" b="1" smtClean="0">
-                <a:solidFill>
-                  <a:prstClr val="black"/>
-                </a:solidFill>
-                <a:effectLst>
-                  <a:glow rad="127000">
-                    <a:prstClr val="white"/>
-                  </a:glow>
-                </a:effectLst>
-                <a:latin typeface="VNI-Aptima" pitchFamily="2" charset="0"/>
-                <a:ea typeface="Times New Roman" pitchFamily="18" charset="0"/>
-                <a:cs typeface="Times New Roman" pitchFamily="18" charset="0"/>
-              </a:rPr>
-              <a:t>bôûi </a:t>
-            </a:r>
-            <a:r>
-              <a:rPr lang="en-US" sz="6600" b="1">
-                <a:solidFill>
-                  <a:prstClr val="black"/>
-                </a:solidFill>
-                <a:effectLst>
-                  <a:glow rad="127000">
-                    <a:prstClr val="white"/>
-                  </a:glow>
-                </a:effectLst>
-                <a:latin typeface="VNI-Aptima" pitchFamily="2" charset="0"/>
-                <a:ea typeface="Times New Roman" pitchFamily="18" charset="0"/>
-                <a:cs typeface="Times New Roman" pitchFamily="18" charset="0"/>
-              </a:rPr>
-              <a:t>chaúng coù ai tuyeät nhö Cha yeâu! </a:t>
-            </a:r>
-            <a:endParaRPr lang="en-US" sz="6600" b="1">
-              <a:solidFill>
-                <a:prstClr val="black"/>
-              </a:solidFill>
-              <a:effectLst>
-                <a:glow rad="127000">
-                  <a:prstClr val="white"/>
-                </a:glow>
-              </a:effectLst>
-              <a:latin typeface="VNI-Aptima" pitchFamily="2" charset="0"/>
-              <a:ea typeface="Times New Roman" pitchFamily="18" charset="0"/>
-              <a:cs typeface="Times New Roman" pitchFamily="18" charset="0"/>
-            </a:endParaRPr>
+              <a:rPr lang="en-US" sz="6600" b="1" dirty="0" err="1">
+                <a:solidFill>
+                  <a:prstClr val="black"/>
+                </a:solidFill>
+                <a:effectLst>
+                  <a:glow rad="127000">
+                    <a:prstClr val="white"/>
+                  </a:glow>
+                </a:effectLst>
+                <a:latin typeface="VNI-Times" pitchFamily="2" charset="0"/>
+                <a:ea typeface="Times New Roman" pitchFamily="18" charset="0"/>
+                <a:cs typeface="Times New Roman" pitchFamily="18" charset="0"/>
+              </a:rPr>
+              <a:t>bôûi</a:t>
+            </a:r>
+            <a:r>
+              <a:rPr lang="en-US" sz="6600" b="1" dirty="0">
+                <a:solidFill>
+                  <a:prstClr val="black"/>
+                </a:solidFill>
+                <a:effectLst>
+                  <a:glow rad="127000">
+                    <a:prstClr val="white"/>
+                  </a:glow>
+                </a:effectLst>
+                <a:latin typeface="VNI-Times" pitchFamily="2" charset="0"/>
+                <a:ea typeface="Times New Roman" pitchFamily="18" charset="0"/>
+                <a:cs typeface="Times New Roman" pitchFamily="18" charset="0"/>
+              </a:rPr>
+              <a:t> </a:t>
+            </a:r>
+            <a:r>
+              <a:rPr lang="en-US" sz="6600" b="1" dirty="0" err="1">
+                <a:solidFill>
+                  <a:prstClr val="black"/>
+                </a:solidFill>
+                <a:effectLst>
+                  <a:glow rad="127000">
+                    <a:prstClr val="white"/>
+                  </a:glow>
+                </a:effectLst>
+                <a:latin typeface="VNI-Times" pitchFamily="2" charset="0"/>
+                <a:ea typeface="Times New Roman" pitchFamily="18" charset="0"/>
+                <a:cs typeface="Times New Roman" pitchFamily="18" charset="0"/>
+              </a:rPr>
+              <a:t>chaúng</a:t>
+            </a:r>
+            <a:r>
+              <a:rPr lang="en-US" sz="6600" b="1" dirty="0">
+                <a:solidFill>
+                  <a:prstClr val="black"/>
+                </a:solidFill>
+                <a:effectLst>
+                  <a:glow rad="127000">
+                    <a:prstClr val="white"/>
+                  </a:glow>
+                </a:effectLst>
+                <a:latin typeface="VNI-Times" pitchFamily="2" charset="0"/>
+                <a:ea typeface="Times New Roman" pitchFamily="18" charset="0"/>
+                <a:cs typeface="Times New Roman" pitchFamily="18" charset="0"/>
+              </a:rPr>
+              <a:t> </a:t>
+            </a:r>
+            <a:r>
+              <a:rPr lang="en-US" sz="6600" b="1" dirty="0" err="1">
+                <a:solidFill>
+                  <a:prstClr val="black"/>
+                </a:solidFill>
+                <a:effectLst>
+                  <a:glow rad="127000">
+                    <a:prstClr val="white"/>
+                  </a:glow>
+                </a:effectLst>
+                <a:latin typeface="VNI-Times" pitchFamily="2" charset="0"/>
+                <a:ea typeface="Times New Roman" pitchFamily="18" charset="0"/>
+                <a:cs typeface="Times New Roman" pitchFamily="18" charset="0"/>
+              </a:rPr>
+              <a:t>coù</a:t>
+            </a:r>
+            <a:r>
+              <a:rPr lang="en-US" sz="6600" b="1" dirty="0">
+                <a:solidFill>
+                  <a:prstClr val="black"/>
+                </a:solidFill>
+                <a:effectLst>
+                  <a:glow rad="127000">
+                    <a:prstClr val="white"/>
+                  </a:glow>
+                </a:effectLst>
+                <a:latin typeface="VNI-Times" pitchFamily="2" charset="0"/>
+                <a:ea typeface="Times New Roman" pitchFamily="18" charset="0"/>
+                <a:cs typeface="Times New Roman" pitchFamily="18" charset="0"/>
+              </a:rPr>
+              <a:t> ai </a:t>
+            </a:r>
+            <a:r>
+              <a:rPr lang="en-US" sz="6600" b="1" dirty="0" err="1">
+                <a:solidFill>
+                  <a:prstClr val="black"/>
+                </a:solidFill>
+                <a:effectLst>
+                  <a:glow rad="127000">
+                    <a:prstClr val="white"/>
+                  </a:glow>
+                </a:effectLst>
+                <a:latin typeface="VNI-Times" pitchFamily="2" charset="0"/>
+                <a:ea typeface="Times New Roman" pitchFamily="18" charset="0"/>
+                <a:cs typeface="Times New Roman" pitchFamily="18" charset="0"/>
+              </a:rPr>
+              <a:t>tuyeät</a:t>
+            </a:r>
+            <a:r>
+              <a:rPr lang="en-US" sz="6600" b="1" dirty="0">
+                <a:solidFill>
+                  <a:prstClr val="black"/>
+                </a:solidFill>
+                <a:effectLst>
+                  <a:glow rad="127000">
+                    <a:prstClr val="white"/>
+                  </a:glow>
+                </a:effectLst>
+                <a:latin typeface="VNI-Times" pitchFamily="2" charset="0"/>
+                <a:ea typeface="Times New Roman" pitchFamily="18" charset="0"/>
+                <a:cs typeface="Times New Roman" pitchFamily="18" charset="0"/>
+              </a:rPr>
+              <a:t> </a:t>
+            </a:r>
+            <a:r>
+              <a:rPr lang="en-US" sz="6600" b="1" dirty="0" err="1">
+                <a:solidFill>
+                  <a:prstClr val="black"/>
+                </a:solidFill>
+                <a:effectLst>
+                  <a:glow rad="127000">
+                    <a:prstClr val="white"/>
+                  </a:glow>
+                </a:effectLst>
+                <a:latin typeface="VNI-Times" pitchFamily="2" charset="0"/>
+                <a:ea typeface="Times New Roman" pitchFamily="18" charset="0"/>
+                <a:cs typeface="Times New Roman" pitchFamily="18" charset="0"/>
+              </a:rPr>
+              <a:t>nhö</a:t>
+            </a:r>
+            <a:r>
+              <a:rPr lang="en-US" sz="6600" b="1" dirty="0">
+                <a:solidFill>
+                  <a:prstClr val="black"/>
+                </a:solidFill>
+                <a:effectLst>
+                  <a:glow rad="127000">
+                    <a:prstClr val="white"/>
+                  </a:glow>
+                </a:effectLst>
+                <a:latin typeface="VNI-Times" pitchFamily="2" charset="0"/>
+                <a:ea typeface="Times New Roman" pitchFamily="18" charset="0"/>
+                <a:cs typeface="Times New Roman" pitchFamily="18" charset="0"/>
+              </a:rPr>
+              <a:t> Cha </a:t>
+            </a:r>
+            <a:r>
+              <a:rPr lang="en-US" sz="6600" b="1" dirty="0" err="1">
+                <a:solidFill>
+                  <a:prstClr val="black"/>
+                </a:solidFill>
+                <a:effectLst>
+                  <a:glow rad="127000">
+                    <a:prstClr val="white"/>
+                  </a:glow>
+                </a:effectLst>
+                <a:latin typeface="VNI-Times" pitchFamily="2" charset="0"/>
+                <a:ea typeface="Times New Roman" pitchFamily="18" charset="0"/>
+                <a:cs typeface="Times New Roman" pitchFamily="18" charset="0"/>
+              </a:rPr>
+              <a:t>yeâu</a:t>
+            </a:r>
+            <a:r>
+              <a:rPr lang="en-US" sz="6600" b="1" dirty="0">
+                <a:solidFill>
+                  <a:prstClr val="black"/>
+                </a:solidFill>
+                <a:effectLst>
+                  <a:glow rad="127000">
+                    <a:prstClr val="white"/>
+                  </a:glow>
+                </a:effectLst>
+                <a:latin typeface="VNI-Times" pitchFamily="2" charset="0"/>
+                <a:ea typeface="Times New Roman" pitchFamily="18" charset="0"/>
+                <a:cs typeface="Times New Roman" pitchFamily="18" charset="0"/>
+              </a:rPr>
+              <a:t>! </a:t>
+            </a:r>
           </a:p>
         </p:txBody>
       </p:sp>
@@ -2776,7 +3325,7 @@
           <a:p>
             <a:pPr algn="ctr"/>
             <a:r>
-              <a:rPr lang="en-US" sz="4000" b="1" spc="-150" smtClean="0">
+              <a:rPr lang="en-US" sz="4000" b="1" spc="-150" dirty="0">
                 <a:ln w="11430"/>
                 <a:solidFill>
                   <a:srgbClr val="FFFF00"/>
@@ -2791,27 +3340,10 @@
                     </a:srgbClr>
                   </a:outerShdw>
                 </a:effectLst>
-                <a:latin typeface="HP-Bank" panose="020B0603050302020204" pitchFamily="34" charset="0"/>
+                <a:latin typeface="VNI-Times" pitchFamily="2" charset="0"/>
               </a:rPr>
               <a:t>DAÂNG CHUÙA LÔØI NGÔÏI CA</a:t>
             </a:r>
-            <a:endParaRPr lang="en-US" sz="4000" b="1" spc="-150">
-              <a:ln w="11430"/>
-              <a:solidFill>
-                <a:srgbClr val="FFFF00"/>
-              </a:solidFill>
-              <a:effectLst>
-                <a:glow rad="127000">
-                  <a:prstClr val="black"/>
-                </a:glow>
-                <a:outerShdw blurRad="50800" dist="39000" dir="5460000" algn="tl">
-                  <a:srgbClr val="000000">
-                    <a:alpha val="38000"/>
-                  </a:srgbClr>
-                </a:outerShdw>
-              </a:effectLst>
-              <a:latin typeface="HP-Bank" panose="020B0603050302020204" pitchFamily="34" charset="0"/>
-            </a:endParaRPr>
           </a:p>
         </p:txBody>
       </p:sp>
@@ -2888,287 +3420,370 @@
               </a:spcAft>
             </a:pPr>
             <a:r>
-              <a:rPr lang="en-US" sz="6600" b="1">
-                <a:solidFill>
-                  <a:prstClr val="black"/>
-                </a:solidFill>
-                <a:effectLst>
-                  <a:glow rad="127000">
-                    <a:prstClr val="white"/>
-                  </a:glow>
-                </a:effectLst>
-                <a:latin typeface="VNI-Aptima" pitchFamily="2" charset="0"/>
-                <a:ea typeface="Times New Roman" pitchFamily="18" charset="0"/>
-                <a:cs typeface="Times New Roman" pitchFamily="18" charset="0"/>
-              </a:rPr>
-              <a:t>Loøng an nghæ</a:t>
-            </a:r>
-            <a:r>
-              <a:rPr lang="en-US" sz="6600" b="1">
-                <a:solidFill>
-                  <a:prstClr val="black"/>
-                </a:solidFill>
-                <a:effectLst>
-                  <a:glow rad="127000">
-                    <a:prstClr val="white"/>
-                  </a:glow>
-                </a:effectLst>
-                <a:latin typeface="VNI-Aptima" pitchFamily="2" charset="0"/>
+              <a:rPr lang="en-US" sz="6600" b="1" dirty="0" err="1">
+                <a:solidFill>
+                  <a:prstClr val="black"/>
+                </a:solidFill>
+                <a:effectLst>
+                  <a:glow rad="127000">
+                    <a:prstClr val="white"/>
+                  </a:glow>
+                </a:effectLst>
+                <a:latin typeface="VNI-Times" pitchFamily="2" charset="0"/>
+                <a:ea typeface="Times New Roman" pitchFamily="18" charset="0"/>
+                <a:cs typeface="Times New Roman" pitchFamily="18" charset="0"/>
+              </a:rPr>
+              <a:t>Loøng</a:t>
+            </a:r>
+            <a:r>
+              <a:rPr lang="en-US" sz="6600" b="1" dirty="0">
+                <a:solidFill>
+                  <a:prstClr val="black"/>
+                </a:solidFill>
+                <a:effectLst>
+                  <a:glow rad="127000">
+                    <a:prstClr val="white"/>
+                  </a:glow>
+                </a:effectLst>
+                <a:latin typeface="VNI-Times" pitchFamily="2" charset="0"/>
+                <a:ea typeface="Times New Roman" pitchFamily="18" charset="0"/>
+                <a:cs typeface="Times New Roman" pitchFamily="18" charset="0"/>
+              </a:rPr>
+              <a:t> an </a:t>
+            </a:r>
+            <a:r>
+              <a:rPr lang="en-US" sz="6600" b="1" dirty="0" err="1">
+                <a:solidFill>
+                  <a:prstClr val="black"/>
+                </a:solidFill>
+                <a:effectLst>
+                  <a:glow rad="127000">
+                    <a:prstClr val="white"/>
+                  </a:glow>
+                </a:effectLst>
+                <a:latin typeface="VNI-Times" pitchFamily="2" charset="0"/>
+                <a:ea typeface="Times New Roman" pitchFamily="18" charset="0"/>
+                <a:cs typeface="Times New Roman" pitchFamily="18" charset="0"/>
+              </a:rPr>
+              <a:t>nghæ</a:t>
+            </a:r>
+            <a:r>
+              <a:rPr lang="en-US" sz="6600" b="1" dirty="0">
+                <a:solidFill>
+                  <a:prstClr val="black"/>
+                </a:solidFill>
+                <a:effectLst>
+                  <a:glow rad="127000">
+                    <a:prstClr val="white"/>
+                  </a:glow>
+                </a:effectLst>
+                <a:latin typeface="VNI-Times" pitchFamily="2" charset="0"/>
                 <a:ea typeface="Times New Roman" pitchFamily="18" charset="0"/>
                 <a:cs typeface="Times New Roman" pitchFamily="18" charset="0"/>
               </a:rPr>
               <a:t>, </a:t>
             </a:r>
-            <a:r>
-              <a:rPr lang="en-US" sz="6600" b="1" smtClean="0">
-                <a:solidFill>
-                  <a:prstClr val="black"/>
-                </a:solidFill>
-                <a:effectLst>
-                  <a:glow rad="127000">
-                    <a:prstClr val="white"/>
-                  </a:glow>
-                </a:effectLst>
-                <a:latin typeface="VNI-Aptima" pitchFamily="2" charset="0"/>
-                <a:ea typeface="Times New Roman" pitchFamily="18" charset="0"/>
-                <a:cs typeface="Times New Roman" pitchFamily="18" charset="0"/>
-              </a:rPr>
-              <a:t/>
-            </a:r>
             <a:br>
-              <a:rPr lang="en-US" sz="6600" b="1" smtClean="0">
-                <a:solidFill>
-                  <a:prstClr val="black"/>
-                </a:solidFill>
-                <a:effectLst>
-                  <a:glow rad="127000">
-                    <a:prstClr val="white"/>
-                  </a:glow>
-                </a:effectLst>
-                <a:latin typeface="VNI-Aptima" pitchFamily="2" charset="0"/>
+              <a:rPr lang="en-US" sz="6600" b="1" dirty="0">
+                <a:solidFill>
+                  <a:prstClr val="black"/>
+                </a:solidFill>
+                <a:effectLst>
+                  <a:glow rad="127000">
+                    <a:prstClr val="white"/>
+                  </a:glow>
+                </a:effectLst>
+                <a:latin typeface="VNI-Times" pitchFamily="2" charset="0"/>
                 <a:ea typeface="Times New Roman" pitchFamily="18" charset="0"/>
                 <a:cs typeface="Times New Roman" pitchFamily="18" charset="0"/>
               </a:rPr>
             </a:br>
             <a:r>
-              <a:rPr lang="en-US" sz="6600" b="1" smtClean="0">
-                <a:solidFill>
-                  <a:prstClr val="black"/>
-                </a:solidFill>
-                <a:effectLst>
-                  <a:glow rad="127000">
-                    <a:prstClr val="white"/>
-                  </a:glow>
-                </a:effectLst>
-                <a:latin typeface="VNI-Aptima" pitchFamily="2" charset="0"/>
-                <a:ea typeface="Times New Roman" pitchFamily="18" charset="0"/>
-                <a:cs typeface="Times New Roman" pitchFamily="18" charset="0"/>
-              </a:rPr>
-              <a:t>gaàn </a:t>
-            </a:r>
-            <a:r>
-              <a:rPr lang="en-US" sz="6600" b="1">
-                <a:solidFill>
-                  <a:prstClr val="black"/>
-                </a:solidFill>
-                <a:effectLst>
-                  <a:glow rad="127000">
-                    <a:prstClr val="white"/>
-                  </a:glow>
-                </a:effectLst>
-                <a:latin typeface="VNI-Aptima" pitchFamily="2" charset="0"/>
-                <a:ea typeface="Times New Roman" pitchFamily="18" charset="0"/>
-                <a:cs typeface="Times New Roman" pitchFamily="18" charset="0"/>
-              </a:rPr>
-              <a:t>beân Chuùa</a:t>
-            </a:r>
-            <a:r>
-              <a:rPr lang="en-US" sz="6600" b="1">
-                <a:solidFill>
-                  <a:prstClr val="black"/>
-                </a:solidFill>
-                <a:effectLst>
-                  <a:glow rad="127000">
-                    <a:prstClr val="white"/>
-                  </a:glow>
-                </a:effectLst>
-                <a:latin typeface="VNI-Aptima" pitchFamily="2" charset="0"/>
+              <a:rPr lang="en-US" sz="6600" b="1" dirty="0" err="1">
+                <a:solidFill>
+                  <a:prstClr val="black"/>
+                </a:solidFill>
+                <a:effectLst>
+                  <a:glow rad="127000">
+                    <a:prstClr val="white"/>
+                  </a:glow>
+                </a:effectLst>
+                <a:latin typeface="VNI-Times" pitchFamily="2" charset="0"/>
+                <a:ea typeface="Times New Roman" pitchFamily="18" charset="0"/>
+                <a:cs typeface="Times New Roman" pitchFamily="18" charset="0"/>
+              </a:rPr>
+              <a:t>gaàn</a:t>
+            </a:r>
+            <a:r>
+              <a:rPr lang="en-US" sz="6600" b="1" dirty="0">
+                <a:solidFill>
+                  <a:prstClr val="black"/>
+                </a:solidFill>
+                <a:effectLst>
+                  <a:glow rad="127000">
+                    <a:prstClr val="white"/>
+                  </a:glow>
+                </a:effectLst>
+                <a:latin typeface="VNI-Times" pitchFamily="2" charset="0"/>
+                <a:ea typeface="Times New Roman" pitchFamily="18" charset="0"/>
+                <a:cs typeface="Times New Roman" pitchFamily="18" charset="0"/>
+              </a:rPr>
+              <a:t> </a:t>
+            </a:r>
+            <a:r>
+              <a:rPr lang="en-US" sz="6600" b="1" dirty="0" err="1">
+                <a:solidFill>
+                  <a:prstClr val="black"/>
+                </a:solidFill>
+                <a:effectLst>
+                  <a:glow rad="127000">
+                    <a:prstClr val="white"/>
+                  </a:glow>
+                </a:effectLst>
+                <a:latin typeface="VNI-Times" pitchFamily="2" charset="0"/>
+                <a:ea typeface="Times New Roman" pitchFamily="18" charset="0"/>
+                <a:cs typeface="Times New Roman" pitchFamily="18" charset="0"/>
+              </a:rPr>
+              <a:t>beân</a:t>
+            </a:r>
+            <a:r>
+              <a:rPr lang="en-US" sz="6600" b="1" dirty="0">
+                <a:solidFill>
+                  <a:prstClr val="black"/>
+                </a:solidFill>
+                <a:effectLst>
+                  <a:glow rad="127000">
+                    <a:prstClr val="white"/>
+                  </a:glow>
+                </a:effectLst>
+                <a:latin typeface="VNI-Times" pitchFamily="2" charset="0"/>
+                <a:ea typeface="Times New Roman" pitchFamily="18" charset="0"/>
+                <a:cs typeface="Times New Roman" pitchFamily="18" charset="0"/>
+              </a:rPr>
+              <a:t> </a:t>
+            </a:r>
+            <a:r>
+              <a:rPr lang="en-US" sz="6600" b="1" dirty="0" err="1">
+                <a:solidFill>
+                  <a:prstClr val="black"/>
+                </a:solidFill>
+                <a:effectLst>
+                  <a:glow rad="127000">
+                    <a:prstClr val="white"/>
+                  </a:glow>
+                </a:effectLst>
+                <a:latin typeface="VNI-Times" pitchFamily="2" charset="0"/>
+                <a:ea typeface="Times New Roman" pitchFamily="18" charset="0"/>
+                <a:cs typeface="Times New Roman" pitchFamily="18" charset="0"/>
+              </a:rPr>
+              <a:t>Chuùa</a:t>
+            </a:r>
+            <a:r>
+              <a:rPr lang="en-US" sz="6600" b="1" dirty="0">
+                <a:solidFill>
+                  <a:prstClr val="black"/>
+                </a:solidFill>
+                <a:effectLst>
+                  <a:glow rad="127000">
+                    <a:prstClr val="white"/>
+                  </a:glow>
+                </a:effectLst>
+                <a:latin typeface="VNI-Times" pitchFamily="2" charset="0"/>
                 <a:ea typeface="Times New Roman" pitchFamily="18" charset="0"/>
                 <a:cs typeface="Times New Roman" pitchFamily="18" charset="0"/>
               </a:rPr>
               <a:t>, </a:t>
             </a:r>
-            <a:r>
-              <a:rPr lang="en-US" sz="6600" b="1" smtClean="0">
-                <a:solidFill>
-                  <a:prstClr val="black"/>
-                </a:solidFill>
-                <a:effectLst>
-                  <a:glow rad="127000">
-                    <a:prstClr val="white"/>
-                  </a:glow>
-                </a:effectLst>
-                <a:latin typeface="VNI-Aptima" pitchFamily="2" charset="0"/>
-                <a:ea typeface="Times New Roman" pitchFamily="18" charset="0"/>
-                <a:cs typeface="Times New Roman" pitchFamily="18" charset="0"/>
-              </a:rPr>
-              <a:t/>
-            </a:r>
             <a:br>
-              <a:rPr lang="en-US" sz="6600" b="1" smtClean="0">
-                <a:solidFill>
-                  <a:prstClr val="black"/>
-                </a:solidFill>
-                <a:effectLst>
-                  <a:glow rad="127000">
-                    <a:prstClr val="white"/>
-                  </a:glow>
-                </a:effectLst>
-                <a:latin typeface="VNI-Aptima" pitchFamily="2" charset="0"/>
+              <a:rPr lang="en-US" sz="6600" b="1" dirty="0">
+                <a:solidFill>
+                  <a:prstClr val="black"/>
+                </a:solidFill>
+                <a:effectLst>
+                  <a:glow rad="127000">
+                    <a:prstClr val="white"/>
+                  </a:glow>
+                </a:effectLst>
+                <a:latin typeface="VNI-Times" pitchFamily="2" charset="0"/>
                 <a:ea typeface="Times New Roman" pitchFamily="18" charset="0"/>
                 <a:cs typeface="Times New Roman" pitchFamily="18" charset="0"/>
               </a:rPr>
             </a:br>
             <a:r>
-              <a:rPr lang="en-US" sz="6600" b="1" smtClean="0">
-                <a:solidFill>
-                  <a:prstClr val="black"/>
-                </a:solidFill>
-                <a:effectLst>
-                  <a:glow rad="127000">
-                    <a:prstClr val="white"/>
-                  </a:glow>
-                </a:effectLst>
-                <a:latin typeface="VNI-Aptima" pitchFamily="2" charset="0"/>
-                <a:ea typeface="Times New Roman" pitchFamily="18" charset="0"/>
-                <a:cs typeface="Times New Roman" pitchFamily="18" charset="0"/>
-              </a:rPr>
-              <a:t>söùc </a:t>
-            </a:r>
-            <a:r>
-              <a:rPr lang="en-US" sz="6600" b="1">
-                <a:solidFill>
-                  <a:prstClr val="black"/>
-                </a:solidFill>
-                <a:effectLst>
-                  <a:glow rad="127000">
-                    <a:prstClr val="white"/>
-                  </a:glow>
-                </a:effectLst>
-                <a:latin typeface="VNI-Aptima" pitchFamily="2" charset="0"/>
-                <a:ea typeface="Times New Roman" pitchFamily="18" charset="0"/>
-                <a:cs typeface="Times New Roman" pitchFamily="18" charset="0"/>
-              </a:rPr>
-              <a:t>môùi </a:t>
-            </a:r>
-            <a:r>
-              <a:rPr lang="en-US" sz="6600" b="1">
-                <a:solidFill>
-                  <a:prstClr val="black"/>
-                </a:solidFill>
-                <a:effectLst>
-                  <a:glow rad="127000">
-                    <a:prstClr val="white"/>
-                  </a:glow>
-                </a:effectLst>
-                <a:latin typeface="VNI-Aptima" pitchFamily="2" charset="0"/>
-                <a:ea typeface="Times New Roman" pitchFamily="18" charset="0"/>
-                <a:cs typeface="Times New Roman" pitchFamily="18" charset="0"/>
-              </a:rPr>
-              <a:t>Chuùa </a:t>
-            </a:r>
-            <a:r>
-              <a:rPr lang="en-US" sz="6600" b="1" smtClean="0">
-                <a:solidFill>
-                  <a:prstClr val="black"/>
-                </a:solidFill>
-                <a:effectLst>
-                  <a:glow rad="127000">
-                    <a:prstClr val="white"/>
-                  </a:glow>
-                </a:effectLst>
-                <a:latin typeface="VNI-Aptima" pitchFamily="2" charset="0"/>
-                <a:ea typeface="Times New Roman" pitchFamily="18" charset="0"/>
-                <a:cs typeface="Times New Roman" pitchFamily="18" charset="0"/>
-              </a:rPr>
-              <a:t>ban </a:t>
+              <a:rPr lang="en-US" sz="6600" b="1" dirty="0" err="1">
+                <a:solidFill>
+                  <a:prstClr val="black"/>
+                </a:solidFill>
+                <a:effectLst>
+                  <a:glow rad="127000">
+                    <a:prstClr val="white"/>
+                  </a:glow>
+                </a:effectLst>
+                <a:latin typeface="VNI-Times" pitchFamily="2" charset="0"/>
+                <a:ea typeface="Times New Roman" pitchFamily="18" charset="0"/>
+                <a:cs typeface="Times New Roman" pitchFamily="18" charset="0"/>
+              </a:rPr>
+              <a:t>söùc</a:t>
+            </a:r>
+            <a:r>
+              <a:rPr lang="en-US" sz="6600" b="1" dirty="0">
+                <a:solidFill>
+                  <a:prstClr val="black"/>
+                </a:solidFill>
+                <a:effectLst>
+                  <a:glow rad="127000">
+                    <a:prstClr val="white"/>
+                  </a:glow>
+                </a:effectLst>
+                <a:latin typeface="VNI-Times" pitchFamily="2" charset="0"/>
+                <a:ea typeface="Times New Roman" pitchFamily="18" charset="0"/>
+                <a:cs typeface="Times New Roman" pitchFamily="18" charset="0"/>
+              </a:rPr>
+              <a:t> </a:t>
+            </a:r>
+            <a:r>
+              <a:rPr lang="en-US" sz="6600" b="1" dirty="0" err="1">
+                <a:solidFill>
+                  <a:prstClr val="black"/>
+                </a:solidFill>
+                <a:effectLst>
+                  <a:glow rad="127000">
+                    <a:prstClr val="white"/>
+                  </a:glow>
+                </a:effectLst>
+                <a:latin typeface="VNI-Times" pitchFamily="2" charset="0"/>
+                <a:ea typeface="Times New Roman" pitchFamily="18" charset="0"/>
+                <a:cs typeface="Times New Roman" pitchFamily="18" charset="0"/>
+              </a:rPr>
+              <a:t>môùi</a:t>
+            </a:r>
+            <a:r>
+              <a:rPr lang="en-US" sz="6600" b="1" dirty="0">
+                <a:solidFill>
+                  <a:prstClr val="black"/>
+                </a:solidFill>
+                <a:effectLst>
+                  <a:glow rad="127000">
+                    <a:prstClr val="white"/>
+                  </a:glow>
+                </a:effectLst>
+                <a:latin typeface="VNI-Times" pitchFamily="2" charset="0"/>
+                <a:ea typeface="Times New Roman" pitchFamily="18" charset="0"/>
+                <a:cs typeface="Times New Roman" pitchFamily="18" charset="0"/>
+              </a:rPr>
+              <a:t> </a:t>
+            </a:r>
+            <a:r>
+              <a:rPr lang="en-US" sz="6600" b="1" dirty="0" err="1">
+                <a:solidFill>
+                  <a:prstClr val="black"/>
+                </a:solidFill>
+                <a:effectLst>
+                  <a:glow rad="127000">
+                    <a:prstClr val="white"/>
+                  </a:glow>
+                </a:effectLst>
+                <a:latin typeface="VNI-Times" pitchFamily="2" charset="0"/>
+                <a:ea typeface="Times New Roman" pitchFamily="18" charset="0"/>
+                <a:cs typeface="Times New Roman" pitchFamily="18" charset="0"/>
+              </a:rPr>
+              <a:t>Chuùa</a:t>
+            </a:r>
+            <a:r>
+              <a:rPr lang="en-US" sz="6600" b="1" dirty="0">
+                <a:solidFill>
+                  <a:prstClr val="black"/>
+                </a:solidFill>
+                <a:effectLst>
+                  <a:glow rad="127000">
+                    <a:prstClr val="white"/>
+                  </a:glow>
+                </a:effectLst>
+                <a:latin typeface="VNI-Times" pitchFamily="2" charset="0"/>
+                <a:ea typeface="Times New Roman" pitchFamily="18" charset="0"/>
+                <a:cs typeface="Times New Roman" pitchFamily="18" charset="0"/>
+              </a:rPr>
+              <a:t> ban </a:t>
             </a:r>
             <a:br>
-              <a:rPr lang="en-US" sz="6600" b="1" smtClean="0">
-                <a:solidFill>
-                  <a:prstClr val="black"/>
-                </a:solidFill>
-                <a:effectLst>
-                  <a:glow rad="127000">
-                    <a:prstClr val="white"/>
-                  </a:glow>
-                </a:effectLst>
-                <a:latin typeface="VNI-Aptima" pitchFamily="2" charset="0"/>
+              <a:rPr lang="en-US" sz="6600" b="1" dirty="0">
+                <a:solidFill>
+                  <a:prstClr val="black"/>
+                </a:solidFill>
+                <a:effectLst>
+                  <a:glow rad="127000">
+                    <a:prstClr val="white"/>
+                  </a:glow>
+                </a:effectLst>
+                <a:latin typeface="VNI-Times" pitchFamily="2" charset="0"/>
                 <a:ea typeface="Times New Roman" pitchFamily="18" charset="0"/>
                 <a:cs typeface="Times New Roman" pitchFamily="18" charset="0"/>
               </a:rPr>
             </a:br>
             <a:r>
-              <a:rPr lang="en-US" sz="6600" b="1" smtClean="0">
-                <a:solidFill>
-                  <a:prstClr val="black"/>
-                </a:solidFill>
-                <a:effectLst>
-                  <a:glow rad="127000">
-                    <a:prstClr val="white"/>
-                  </a:glow>
-                </a:effectLst>
-                <a:latin typeface="VNI-Aptima" pitchFamily="2" charset="0"/>
-                <a:ea typeface="Times New Roman" pitchFamily="18" charset="0"/>
-                <a:cs typeface="Times New Roman" pitchFamily="18" charset="0"/>
-              </a:rPr>
-              <a:t>linh </a:t>
-            </a:r>
-            <a:r>
-              <a:rPr lang="en-US" sz="6600" b="1">
-                <a:solidFill>
-                  <a:prstClr val="black"/>
-                </a:solidFill>
-                <a:effectLst>
-                  <a:glow rad="127000">
-                    <a:prstClr val="white"/>
-                  </a:glow>
-                </a:effectLst>
-                <a:latin typeface="VNI-Aptima" pitchFamily="2" charset="0"/>
-                <a:ea typeface="Times New Roman" pitchFamily="18" charset="0"/>
-                <a:cs typeface="Times New Roman" pitchFamily="18" charset="0"/>
-              </a:rPr>
-              <a:t>hoàn con</a:t>
-            </a:r>
-            <a:r>
-              <a:rPr lang="en-US" sz="6600" b="1">
-                <a:solidFill>
-                  <a:prstClr val="black"/>
-                </a:solidFill>
-                <a:effectLst>
-                  <a:glow rad="127000">
-                    <a:prstClr val="white"/>
-                  </a:glow>
-                </a:effectLst>
-                <a:latin typeface="VNI-Aptima" pitchFamily="2" charset="0"/>
-                <a:ea typeface="Times New Roman" pitchFamily="18" charset="0"/>
-                <a:cs typeface="Times New Roman" pitchFamily="18" charset="0"/>
-              </a:rPr>
-              <a:t>. </a:t>
-            </a:r>
-            <a:endParaRPr lang="en-US" sz="6600" b="1">
-              <a:solidFill>
-                <a:prstClr val="black"/>
-              </a:solidFill>
-              <a:effectLst>
-                <a:glow rad="127000">
-                  <a:prstClr val="white"/>
-                </a:glow>
-              </a:effectLst>
-              <a:latin typeface="VNI-Aptima" pitchFamily="2" charset="0"/>
-              <a:ea typeface="Times New Roman" pitchFamily="18" charset="0"/>
-              <a:cs typeface="Times New Roman" pitchFamily="18" charset="0"/>
-            </a:endParaRPr>
+              <a:rPr lang="en-US" sz="6600" b="1" dirty="0" err="1">
+                <a:solidFill>
+                  <a:prstClr val="black"/>
+                </a:solidFill>
+                <a:effectLst>
+                  <a:glow rad="127000">
+                    <a:prstClr val="white"/>
+                  </a:glow>
+                </a:effectLst>
+                <a:latin typeface="VNI-Times" pitchFamily="2" charset="0"/>
+                <a:ea typeface="Times New Roman" pitchFamily="18" charset="0"/>
+                <a:cs typeface="Times New Roman" pitchFamily="18" charset="0"/>
+              </a:rPr>
+              <a:t>linh</a:t>
+            </a:r>
+            <a:r>
+              <a:rPr lang="en-US" sz="6600" b="1" dirty="0">
+                <a:solidFill>
+                  <a:prstClr val="black"/>
+                </a:solidFill>
+                <a:effectLst>
+                  <a:glow rad="127000">
+                    <a:prstClr val="white"/>
+                  </a:glow>
+                </a:effectLst>
+                <a:latin typeface="VNI-Times" pitchFamily="2" charset="0"/>
+                <a:ea typeface="Times New Roman" pitchFamily="18" charset="0"/>
+                <a:cs typeface="Times New Roman" pitchFamily="18" charset="0"/>
+              </a:rPr>
+              <a:t> </a:t>
+            </a:r>
+            <a:r>
+              <a:rPr lang="en-US" sz="6600" b="1" dirty="0" err="1">
+                <a:solidFill>
+                  <a:prstClr val="black"/>
+                </a:solidFill>
+                <a:effectLst>
+                  <a:glow rad="127000">
+                    <a:prstClr val="white"/>
+                  </a:glow>
+                </a:effectLst>
+                <a:latin typeface="VNI-Times" pitchFamily="2" charset="0"/>
+                <a:ea typeface="Times New Roman" pitchFamily="18" charset="0"/>
+                <a:cs typeface="Times New Roman" pitchFamily="18" charset="0"/>
+              </a:rPr>
+              <a:t>hoàn</a:t>
+            </a:r>
+            <a:r>
+              <a:rPr lang="en-US" sz="6600" b="1" dirty="0">
+                <a:solidFill>
+                  <a:prstClr val="black"/>
+                </a:solidFill>
+                <a:effectLst>
+                  <a:glow rad="127000">
+                    <a:prstClr val="white"/>
+                  </a:glow>
+                </a:effectLst>
+                <a:latin typeface="VNI-Times" pitchFamily="2" charset="0"/>
+                <a:ea typeface="Times New Roman" pitchFamily="18" charset="0"/>
+                <a:cs typeface="Times New Roman" pitchFamily="18" charset="0"/>
+              </a:rPr>
+              <a:t> con. </a:t>
+            </a:r>
           </a:p>
         </p:txBody>
       </p:sp>
@@ -3196,7 +3811,7 @@
           <a:p>
             <a:pPr algn="ctr"/>
             <a:r>
-              <a:rPr lang="en-US" sz="4000" b="1" spc="-150" smtClean="0">
+              <a:rPr lang="en-US" sz="4000" b="1" spc="-150" dirty="0">
                 <a:ln w="11430"/>
                 <a:solidFill>
                   <a:srgbClr val="FFFF00"/>
@@ -3211,27 +3826,10 @@
                     </a:srgbClr>
                   </a:outerShdw>
                 </a:effectLst>
-                <a:latin typeface="HP-Bank" panose="020B0603050302020204" pitchFamily="34" charset="0"/>
+                <a:latin typeface="VNI-Times" pitchFamily="2" charset="0"/>
               </a:rPr>
               <a:t>DAÂNG CHUÙA LÔØI NGÔÏI CA</a:t>
             </a:r>
-            <a:endParaRPr lang="en-US" sz="4000" b="1" spc="-150">
-              <a:ln w="11430"/>
-              <a:solidFill>
-                <a:srgbClr val="FFFF00"/>
-              </a:solidFill>
-              <a:effectLst>
-                <a:glow rad="127000">
-                  <a:prstClr val="black"/>
-                </a:glow>
-                <a:outerShdw blurRad="50800" dist="39000" dir="5460000" algn="tl">
-                  <a:srgbClr val="000000">
-                    <a:alpha val="38000"/>
-                  </a:srgbClr>
-                </a:outerShdw>
-              </a:effectLst>
-              <a:latin typeface="HP-Bank" panose="020B0603050302020204" pitchFamily="34" charset="0"/>
-            </a:endParaRPr>
           </a:p>
         </p:txBody>
       </p:sp>
@@ -3308,240 +3906,451 @@
               </a:spcAft>
             </a:pPr>
             <a:r>
-              <a:rPr lang="en-US" sz="6600" b="1">
-                <a:solidFill>
-                  <a:prstClr val="black"/>
-                </a:solidFill>
-                <a:effectLst>
-                  <a:glow rad="127000">
-                    <a:prstClr val="white"/>
-                  </a:glow>
-                </a:effectLst>
-                <a:latin typeface="VNI-Aptima" pitchFamily="2" charset="0"/>
-                <a:ea typeface="Times New Roman" pitchFamily="18" charset="0"/>
-                <a:cs typeface="Times New Roman" pitchFamily="18" charset="0"/>
-              </a:rPr>
-              <a:t>Vôùi caû </a:t>
-            </a:r>
-            <a:r>
-              <a:rPr lang="en-US" sz="6600" b="1">
-                <a:solidFill>
-                  <a:prstClr val="black"/>
-                </a:solidFill>
-                <a:effectLst>
-                  <a:glow rad="127000">
-                    <a:prstClr val="white"/>
-                  </a:glow>
-                </a:effectLst>
-                <a:latin typeface="VNI-Aptima" pitchFamily="2" charset="0"/>
-                <a:ea typeface="Times New Roman" pitchFamily="18" charset="0"/>
-                <a:cs typeface="Times New Roman" pitchFamily="18" charset="0"/>
-              </a:rPr>
-              <a:t>taám </a:t>
-            </a:r>
-            <a:r>
-              <a:rPr lang="en-US" sz="6600" b="1" smtClean="0">
-                <a:solidFill>
-                  <a:prstClr val="black"/>
-                </a:solidFill>
-                <a:effectLst>
-                  <a:glow rad="127000">
-                    <a:prstClr val="white"/>
-                  </a:glow>
-                </a:effectLst>
-                <a:latin typeface="VNI-Aptima" pitchFamily="2" charset="0"/>
-                <a:ea typeface="Times New Roman" pitchFamily="18" charset="0"/>
-                <a:cs typeface="Times New Roman" pitchFamily="18" charset="0"/>
-              </a:rPr>
-              <a:t>loøng, </a:t>
+              <a:rPr lang="en-US" sz="6600" b="1" dirty="0" err="1">
+                <a:solidFill>
+                  <a:prstClr val="black"/>
+                </a:solidFill>
+                <a:effectLst>
+                  <a:glow rad="127000">
+                    <a:prstClr val="white"/>
+                  </a:glow>
+                </a:effectLst>
+                <a:latin typeface="VNI-Times" pitchFamily="2" charset="0"/>
+                <a:ea typeface="Times New Roman" pitchFamily="18" charset="0"/>
+                <a:cs typeface="Times New Roman" pitchFamily="18" charset="0"/>
+              </a:rPr>
+              <a:t>Vôùi</a:t>
+            </a:r>
+            <a:r>
+              <a:rPr lang="en-US" sz="6600" b="1" dirty="0">
+                <a:solidFill>
+                  <a:prstClr val="black"/>
+                </a:solidFill>
+                <a:effectLst>
+                  <a:glow rad="127000">
+                    <a:prstClr val="white"/>
+                  </a:glow>
+                </a:effectLst>
+                <a:latin typeface="VNI-Times" pitchFamily="2" charset="0"/>
+                <a:ea typeface="Times New Roman" pitchFamily="18" charset="0"/>
+                <a:cs typeface="Times New Roman" pitchFamily="18" charset="0"/>
+              </a:rPr>
+              <a:t> </a:t>
+            </a:r>
+            <a:r>
+              <a:rPr lang="en-US" sz="6600" b="1" dirty="0" err="1">
+                <a:solidFill>
+                  <a:prstClr val="black"/>
+                </a:solidFill>
+                <a:effectLst>
+                  <a:glow rad="127000">
+                    <a:prstClr val="white"/>
+                  </a:glow>
+                </a:effectLst>
+                <a:latin typeface="VNI-Times" pitchFamily="2" charset="0"/>
+                <a:ea typeface="Times New Roman" pitchFamily="18" charset="0"/>
+                <a:cs typeface="Times New Roman" pitchFamily="18" charset="0"/>
+              </a:rPr>
+              <a:t>caû</a:t>
+            </a:r>
+            <a:r>
+              <a:rPr lang="en-US" sz="6600" b="1" dirty="0">
+                <a:solidFill>
+                  <a:prstClr val="black"/>
+                </a:solidFill>
+                <a:effectLst>
+                  <a:glow rad="127000">
+                    <a:prstClr val="white"/>
+                  </a:glow>
+                </a:effectLst>
+                <a:latin typeface="VNI-Times" pitchFamily="2" charset="0"/>
+                <a:ea typeface="Times New Roman" pitchFamily="18" charset="0"/>
+                <a:cs typeface="Times New Roman" pitchFamily="18" charset="0"/>
+              </a:rPr>
+              <a:t> </a:t>
+            </a:r>
+            <a:r>
+              <a:rPr lang="en-US" sz="6600" b="1" dirty="0" err="1">
+                <a:solidFill>
+                  <a:prstClr val="black"/>
+                </a:solidFill>
+                <a:effectLst>
+                  <a:glow rad="127000">
+                    <a:prstClr val="white"/>
+                  </a:glow>
+                </a:effectLst>
+                <a:latin typeface="VNI-Times" pitchFamily="2" charset="0"/>
+                <a:ea typeface="Times New Roman" pitchFamily="18" charset="0"/>
+                <a:cs typeface="Times New Roman" pitchFamily="18" charset="0"/>
+              </a:rPr>
+              <a:t>taám</a:t>
+            </a:r>
+            <a:r>
+              <a:rPr lang="en-US" sz="6600" b="1" dirty="0">
+                <a:solidFill>
+                  <a:prstClr val="black"/>
+                </a:solidFill>
+                <a:effectLst>
+                  <a:glow rad="127000">
+                    <a:prstClr val="white"/>
+                  </a:glow>
+                </a:effectLst>
+                <a:latin typeface="VNI-Times" pitchFamily="2" charset="0"/>
+                <a:ea typeface="Times New Roman" pitchFamily="18" charset="0"/>
+                <a:cs typeface="Times New Roman" pitchFamily="18" charset="0"/>
+              </a:rPr>
+              <a:t> </a:t>
+            </a:r>
+            <a:r>
+              <a:rPr lang="en-US" sz="6600" b="1" dirty="0" err="1">
+                <a:solidFill>
+                  <a:prstClr val="black"/>
+                </a:solidFill>
+                <a:effectLst>
+                  <a:glow rad="127000">
+                    <a:prstClr val="white"/>
+                  </a:glow>
+                </a:effectLst>
+                <a:latin typeface="VNI-Times" pitchFamily="2" charset="0"/>
+                <a:ea typeface="Times New Roman" pitchFamily="18" charset="0"/>
+                <a:cs typeface="Times New Roman" pitchFamily="18" charset="0"/>
+              </a:rPr>
+              <a:t>loøng</a:t>
+            </a:r>
+            <a:r>
+              <a:rPr lang="en-US" sz="6600" b="1" dirty="0">
+                <a:solidFill>
+                  <a:prstClr val="black"/>
+                </a:solidFill>
+                <a:effectLst>
+                  <a:glow rad="127000">
+                    <a:prstClr val="white"/>
+                  </a:glow>
+                </a:effectLst>
+                <a:latin typeface="VNI-Times" pitchFamily="2" charset="0"/>
+                <a:ea typeface="Times New Roman" pitchFamily="18" charset="0"/>
+                <a:cs typeface="Times New Roman" pitchFamily="18" charset="0"/>
+              </a:rPr>
+              <a:t>, </a:t>
             </a:r>
             <a:br>
-              <a:rPr lang="en-US" sz="6600" b="1" smtClean="0">
-                <a:solidFill>
-                  <a:prstClr val="black"/>
-                </a:solidFill>
-                <a:effectLst>
-                  <a:glow rad="127000">
-                    <a:prstClr val="white"/>
-                  </a:glow>
-                </a:effectLst>
-                <a:latin typeface="VNI-Aptima" pitchFamily="2" charset="0"/>
+              <a:rPr lang="en-US" sz="6600" b="1" dirty="0">
+                <a:solidFill>
+                  <a:prstClr val="black"/>
+                </a:solidFill>
+                <a:effectLst>
+                  <a:glow rad="127000">
+                    <a:prstClr val="white"/>
+                  </a:glow>
+                </a:effectLst>
+                <a:latin typeface="VNI-Times" pitchFamily="2" charset="0"/>
                 <a:ea typeface="Times New Roman" pitchFamily="18" charset="0"/>
                 <a:cs typeface="Times New Roman" pitchFamily="18" charset="0"/>
               </a:rPr>
             </a:br>
             <a:r>
-              <a:rPr lang="en-US" sz="6600" b="1" smtClean="0">
-                <a:solidFill>
-                  <a:prstClr val="black"/>
-                </a:solidFill>
-                <a:effectLst>
-                  <a:glow rad="127000">
-                    <a:prstClr val="white"/>
-                  </a:glow>
-                </a:effectLst>
-                <a:latin typeface="VNI-Aptima" pitchFamily="2" charset="0"/>
-                <a:ea typeface="Times New Roman" pitchFamily="18" charset="0"/>
-                <a:cs typeface="Times New Roman" pitchFamily="18" charset="0"/>
-              </a:rPr>
-              <a:t>suoát </a:t>
-            </a:r>
-            <a:r>
-              <a:rPr lang="en-US" sz="6600" b="1">
-                <a:solidFill>
-                  <a:prstClr val="black"/>
-                </a:solidFill>
-                <a:effectLst>
-                  <a:glow rad="127000">
-                    <a:prstClr val="white"/>
-                  </a:glow>
-                </a:effectLst>
-                <a:latin typeface="VNI-Aptima" pitchFamily="2" charset="0"/>
-                <a:ea typeface="Times New Roman" pitchFamily="18" charset="0"/>
-                <a:cs typeface="Times New Roman" pitchFamily="18" charset="0"/>
-              </a:rPr>
-              <a:t>caû cuoäc </a:t>
-            </a:r>
-            <a:r>
-              <a:rPr lang="en-US" sz="6600" b="1">
-                <a:solidFill>
-                  <a:prstClr val="black"/>
-                </a:solidFill>
-                <a:effectLst>
-                  <a:glow rad="127000">
-                    <a:prstClr val="white"/>
-                  </a:glow>
-                </a:effectLst>
-                <a:latin typeface="VNI-Aptima" pitchFamily="2" charset="0"/>
-                <a:ea typeface="Times New Roman" pitchFamily="18" charset="0"/>
-                <a:cs typeface="Times New Roman" pitchFamily="18" charset="0"/>
-              </a:rPr>
-              <a:t>ñôøi </a:t>
-            </a:r>
-            <a:r>
-              <a:rPr lang="en-US" sz="6600" b="1" smtClean="0">
-                <a:solidFill>
-                  <a:prstClr val="black"/>
-                </a:solidFill>
-                <a:effectLst>
-                  <a:glow rad="127000">
-                    <a:prstClr val="white"/>
-                  </a:glow>
-                </a:effectLst>
-                <a:latin typeface="VNI-Aptima" pitchFamily="2" charset="0"/>
-                <a:ea typeface="Times New Roman" pitchFamily="18" charset="0"/>
-                <a:cs typeface="Times New Roman" pitchFamily="18" charset="0"/>
-              </a:rPr>
-              <a:t/>
+              <a:rPr lang="en-US" sz="6600" b="1" dirty="0" err="1">
+                <a:solidFill>
+                  <a:prstClr val="black"/>
+                </a:solidFill>
+                <a:effectLst>
+                  <a:glow rad="127000">
+                    <a:prstClr val="white"/>
+                  </a:glow>
+                </a:effectLst>
+                <a:latin typeface="VNI-Times" pitchFamily="2" charset="0"/>
+                <a:ea typeface="Times New Roman" pitchFamily="18" charset="0"/>
+                <a:cs typeface="Times New Roman" pitchFamily="18" charset="0"/>
+              </a:rPr>
+              <a:t>suoát</a:t>
+            </a:r>
+            <a:r>
+              <a:rPr lang="en-US" sz="6600" b="1" dirty="0">
+                <a:solidFill>
+                  <a:prstClr val="black"/>
+                </a:solidFill>
+                <a:effectLst>
+                  <a:glow rad="127000">
+                    <a:prstClr val="white"/>
+                  </a:glow>
+                </a:effectLst>
+                <a:latin typeface="VNI-Times" pitchFamily="2" charset="0"/>
+                <a:ea typeface="Times New Roman" pitchFamily="18" charset="0"/>
+                <a:cs typeface="Times New Roman" pitchFamily="18" charset="0"/>
+              </a:rPr>
+              <a:t> </a:t>
+            </a:r>
+            <a:r>
+              <a:rPr lang="en-US" sz="6600" b="1" dirty="0" err="1">
+                <a:solidFill>
+                  <a:prstClr val="black"/>
+                </a:solidFill>
+                <a:effectLst>
+                  <a:glow rad="127000">
+                    <a:prstClr val="white"/>
+                  </a:glow>
+                </a:effectLst>
+                <a:latin typeface="VNI-Times" pitchFamily="2" charset="0"/>
+                <a:ea typeface="Times New Roman" pitchFamily="18" charset="0"/>
+                <a:cs typeface="Times New Roman" pitchFamily="18" charset="0"/>
+              </a:rPr>
+              <a:t>caû</a:t>
+            </a:r>
+            <a:r>
+              <a:rPr lang="en-US" sz="6600" b="1" dirty="0">
+                <a:solidFill>
+                  <a:prstClr val="black"/>
+                </a:solidFill>
+                <a:effectLst>
+                  <a:glow rad="127000">
+                    <a:prstClr val="white"/>
+                  </a:glow>
+                </a:effectLst>
+                <a:latin typeface="VNI-Times" pitchFamily="2" charset="0"/>
+                <a:ea typeface="Times New Roman" pitchFamily="18" charset="0"/>
+                <a:cs typeface="Times New Roman" pitchFamily="18" charset="0"/>
+              </a:rPr>
+              <a:t> </a:t>
+            </a:r>
+            <a:r>
+              <a:rPr lang="en-US" sz="6600" b="1" dirty="0" err="1">
+                <a:solidFill>
+                  <a:prstClr val="black"/>
+                </a:solidFill>
+                <a:effectLst>
+                  <a:glow rad="127000">
+                    <a:prstClr val="white"/>
+                  </a:glow>
+                </a:effectLst>
+                <a:latin typeface="VNI-Times" pitchFamily="2" charset="0"/>
+                <a:ea typeface="Times New Roman" pitchFamily="18" charset="0"/>
+                <a:cs typeface="Times New Roman" pitchFamily="18" charset="0"/>
+              </a:rPr>
+              <a:t>cuoäc</a:t>
+            </a:r>
+            <a:r>
+              <a:rPr lang="en-US" sz="6600" b="1" dirty="0">
+                <a:solidFill>
+                  <a:prstClr val="black"/>
+                </a:solidFill>
+                <a:effectLst>
+                  <a:glow rad="127000">
+                    <a:prstClr val="white"/>
+                  </a:glow>
+                </a:effectLst>
+                <a:latin typeface="VNI-Times" pitchFamily="2" charset="0"/>
+                <a:ea typeface="Times New Roman" pitchFamily="18" charset="0"/>
+                <a:cs typeface="Times New Roman" pitchFamily="18" charset="0"/>
+              </a:rPr>
+              <a:t> </a:t>
+            </a:r>
+            <a:r>
+              <a:rPr lang="en-US" sz="6600" b="1" dirty="0" err="1">
+                <a:solidFill>
+                  <a:prstClr val="black"/>
+                </a:solidFill>
+                <a:effectLst>
+                  <a:glow rad="127000">
+                    <a:prstClr val="white"/>
+                  </a:glow>
+                </a:effectLst>
+                <a:latin typeface="VNI-Times" pitchFamily="2" charset="0"/>
+                <a:ea typeface="Times New Roman" pitchFamily="18" charset="0"/>
+                <a:cs typeface="Times New Roman" pitchFamily="18" charset="0"/>
+              </a:rPr>
+              <a:t>ñôøi</a:t>
+            </a:r>
+            <a:r>
+              <a:rPr lang="en-US" sz="6600" b="1" dirty="0">
+                <a:solidFill>
+                  <a:prstClr val="black"/>
+                </a:solidFill>
+                <a:effectLst>
+                  <a:glow rad="127000">
+                    <a:prstClr val="white"/>
+                  </a:glow>
+                </a:effectLst>
+                <a:latin typeface="VNI-Times" pitchFamily="2" charset="0"/>
+                <a:ea typeface="Times New Roman" pitchFamily="18" charset="0"/>
+                <a:cs typeface="Times New Roman" pitchFamily="18" charset="0"/>
+              </a:rPr>
+              <a:t> </a:t>
             </a:r>
             <a:br>
-              <a:rPr lang="en-US" sz="6600" b="1" smtClean="0">
-                <a:solidFill>
-                  <a:prstClr val="black"/>
-                </a:solidFill>
-                <a:effectLst>
-                  <a:glow rad="127000">
-                    <a:prstClr val="white"/>
-                  </a:glow>
-                </a:effectLst>
-                <a:latin typeface="VNI-Aptima" pitchFamily="2" charset="0"/>
+              <a:rPr lang="en-US" sz="6600" b="1" dirty="0">
+                <a:solidFill>
+                  <a:prstClr val="black"/>
+                </a:solidFill>
+                <a:effectLst>
+                  <a:glow rad="127000">
+                    <a:prstClr val="white"/>
+                  </a:glow>
+                </a:effectLst>
+                <a:latin typeface="VNI-Times" pitchFamily="2" charset="0"/>
                 <a:ea typeface="Times New Roman" pitchFamily="18" charset="0"/>
                 <a:cs typeface="Times New Roman" pitchFamily="18" charset="0"/>
               </a:rPr>
             </a:br>
             <a:r>
-              <a:rPr lang="en-US" sz="6600" b="1" smtClean="0">
-                <a:solidFill>
-                  <a:prstClr val="black"/>
-                </a:solidFill>
-                <a:effectLst>
-                  <a:glow rad="127000">
-                    <a:prstClr val="white"/>
-                  </a:glow>
-                </a:effectLst>
-                <a:latin typeface="VNI-Aptima" pitchFamily="2" charset="0"/>
-                <a:ea typeface="Times New Roman" pitchFamily="18" charset="0"/>
-                <a:cs typeface="Times New Roman" pitchFamily="18" charset="0"/>
-              </a:rPr>
-              <a:t>khoâng </a:t>
-            </a:r>
-            <a:r>
-              <a:rPr lang="en-US" sz="6600" b="1">
-                <a:solidFill>
-                  <a:prstClr val="black"/>
-                </a:solidFill>
-                <a:effectLst>
-                  <a:glow rad="127000">
-                    <a:prstClr val="white"/>
-                  </a:glow>
-                </a:effectLst>
-                <a:latin typeface="VNI-Aptima" pitchFamily="2" charset="0"/>
-                <a:ea typeface="Times New Roman" pitchFamily="18" charset="0"/>
-                <a:cs typeface="Times New Roman" pitchFamily="18" charset="0"/>
-              </a:rPr>
-              <a:t>bao </a:t>
-            </a:r>
-            <a:r>
-              <a:rPr lang="en-US" sz="6600" b="1">
-                <a:solidFill>
-                  <a:prstClr val="black"/>
-                </a:solidFill>
-                <a:effectLst>
-                  <a:glow rad="127000">
-                    <a:prstClr val="white"/>
-                  </a:glow>
-                </a:effectLst>
-                <a:latin typeface="VNI-Aptima" pitchFamily="2" charset="0"/>
-                <a:ea typeface="Times New Roman" pitchFamily="18" charset="0"/>
-                <a:cs typeface="Times New Roman" pitchFamily="18" charset="0"/>
-              </a:rPr>
-              <a:t>giôø </a:t>
-            </a:r>
-            <a:r>
-              <a:rPr lang="en-US" sz="6600" b="1" smtClean="0">
-                <a:solidFill>
-                  <a:prstClr val="black"/>
-                </a:solidFill>
-                <a:effectLst>
-                  <a:glow rad="127000">
-                    <a:prstClr val="white"/>
-                  </a:glow>
-                </a:effectLst>
-                <a:latin typeface="VNI-Aptima" pitchFamily="2" charset="0"/>
-                <a:ea typeface="Times New Roman" pitchFamily="18" charset="0"/>
-                <a:cs typeface="Times New Roman" pitchFamily="18" charset="0"/>
-              </a:rPr>
-              <a:t>ngöøng </a:t>
-            </a:r>
-            <a:r>
-              <a:rPr lang="en-US" sz="6600" b="1">
-                <a:solidFill>
-                  <a:prstClr val="black"/>
-                </a:solidFill>
-                <a:effectLst>
-                  <a:glow rad="127000">
-                    <a:prstClr val="white"/>
-                  </a:glow>
-                </a:effectLst>
-                <a:latin typeface="VNI-Aptima" pitchFamily="2" charset="0"/>
-                <a:ea typeface="Times New Roman" pitchFamily="18" charset="0"/>
-                <a:cs typeface="Times New Roman" pitchFamily="18" charset="0"/>
-              </a:rPr>
-              <a:t>toân vinh Cha.</a:t>
-            </a:r>
-            <a:endParaRPr lang="en-US" sz="6600" b="1">
-              <a:solidFill>
-                <a:prstClr val="black"/>
-              </a:solidFill>
-              <a:effectLst>
-                <a:glow rad="127000">
-                  <a:prstClr val="white"/>
-                </a:glow>
-              </a:effectLst>
-              <a:latin typeface="VNI-Aptima" pitchFamily="2" charset="0"/>
-              <a:ea typeface="Times New Roman" pitchFamily="18" charset="0"/>
-              <a:cs typeface="Times New Roman" pitchFamily="18" charset="0"/>
-            </a:endParaRPr>
+              <a:rPr lang="en-US" sz="6600" b="1" dirty="0" err="1">
+                <a:solidFill>
+                  <a:prstClr val="black"/>
+                </a:solidFill>
+                <a:effectLst>
+                  <a:glow rad="127000">
+                    <a:prstClr val="white"/>
+                  </a:glow>
+                </a:effectLst>
+                <a:latin typeface="VNI-Times" pitchFamily="2" charset="0"/>
+                <a:ea typeface="Times New Roman" pitchFamily="18" charset="0"/>
+                <a:cs typeface="Times New Roman" pitchFamily="18" charset="0"/>
+              </a:rPr>
+              <a:t>khoâng</a:t>
+            </a:r>
+            <a:r>
+              <a:rPr lang="en-US" sz="6600" b="1" dirty="0">
+                <a:solidFill>
+                  <a:prstClr val="black"/>
+                </a:solidFill>
+                <a:effectLst>
+                  <a:glow rad="127000">
+                    <a:prstClr val="white"/>
+                  </a:glow>
+                </a:effectLst>
+                <a:latin typeface="VNI-Times" pitchFamily="2" charset="0"/>
+                <a:ea typeface="Times New Roman" pitchFamily="18" charset="0"/>
+                <a:cs typeface="Times New Roman" pitchFamily="18" charset="0"/>
+              </a:rPr>
+              <a:t> bao </a:t>
+            </a:r>
+            <a:r>
+              <a:rPr lang="en-US" sz="6600" b="1" dirty="0" err="1">
+                <a:solidFill>
+                  <a:prstClr val="black"/>
+                </a:solidFill>
+                <a:effectLst>
+                  <a:glow rad="127000">
+                    <a:prstClr val="white"/>
+                  </a:glow>
+                </a:effectLst>
+                <a:latin typeface="VNI-Times" pitchFamily="2" charset="0"/>
+                <a:ea typeface="Times New Roman" pitchFamily="18" charset="0"/>
+                <a:cs typeface="Times New Roman" pitchFamily="18" charset="0"/>
+              </a:rPr>
+              <a:t>giôø</a:t>
+            </a:r>
+            <a:r>
+              <a:rPr lang="en-US" sz="6600" b="1" dirty="0">
+                <a:solidFill>
+                  <a:prstClr val="black"/>
+                </a:solidFill>
+                <a:effectLst>
+                  <a:glow rad="127000">
+                    <a:prstClr val="white"/>
+                  </a:glow>
+                </a:effectLst>
+                <a:latin typeface="VNI-Times" pitchFamily="2" charset="0"/>
+                <a:ea typeface="Times New Roman" pitchFamily="18" charset="0"/>
+                <a:cs typeface="Times New Roman" pitchFamily="18" charset="0"/>
+              </a:rPr>
+              <a:t> </a:t>
+            </a:r>
+            <a:r>
+              <a:rPr lang="en-US" sz="6600" b="1" dirty="0" err="1">
+                <a:solidFill>
+                  <a:prstClr val="black"/>
+                </a:solidFill>
+                <a:effectLst>
+                  <a:glow rad="127000">
+                    <a:prstClr val="white"/>
+                  </a:glow>
+                </a:effectLst>
+                <a:latin typeface="VNI-Times" pitchFamily="2" charset="0"/>
+                <a:ea typeface="Times New Roman" pitchFamily="18" charset="0"/>
+                <a:cs typeface="Times New Roman" pitchFamily="18" charset="0"/>
+              </a:rPr>
+              <a:t>ngöøng</a:t>
+            </a:r>
+            <a:r>
+              <a:rPr lang="en-US" sz="6600" b="1" dirty="0">
+                <a:solidFill>
+                  <a:prstClr val="black"/>
+                </a:solidFill>
+                <a:effectLst>
+                  <a:glow rad="127000">
+                    <a:prstClr val="white"/>
+                  </a:glow>
+                </a:effectLst>
+                <a:latin typeface="VNI-Times" pitchFamily="2" charset="0"/>
+                <a:ea typeface="Times New Roman" pitchFamily="18" charset="0"/>
+                <a:cs typeface="Times New Roman" pitchFamily="18" charset="0"/>
+              </a:rPr>
+              <a:t> </a:t>
+            </a:r>
+            <a:r>
+              <a:rPr lang="en-US" sz="6600" b="1" dirty="0" err="1">
+                <a:solidFill>
+                  <a:prstClr val="black"/>
+                </a:solidFill>
+                <a:effectLst>
+                  <a:glow rad="127000">
+                    <a:prstClr val="white"/>
+                  </a:glow>
+                </a:effectLst>
+                <a:latin typeface="VNI-Times" pitchFamily="2" charset="0"/>
+                <a:ea typeface="Times New Roman" pitchFamily="18" charset="0"/>
+                <a:cs typeface="Times New Roman" pitchFamily="18" charset="0"/>
+              </a:rPr>
+              <a:t>toân</a:t>
+            </a:r>
+            <a:r>
+              <a:rPr lang="en-US" sz="6600" b="1" dirty="0">
+                <a:solidFill>
+                  <a:prstClr val="black"/>
+                </a:solidFill>
+                <a:effectLst>
+                  <a:glow rad="127000">
+                    <a:prstClr val="white"/>
+                  </a:glow>
+                </a:effectLst>
+                <a:latin typeface="VNI-Times" pitchFamily="2" charset="0"/>
+                <a:ea typeface="Times New Roman" pitchFamily="18" charset="0"/>
+                <a:cs typeface="Times New Roman" pitchFamily="18" charset="0"/>
+              </a:rPr>
+              <a:t> </a:t>
+            </a:r>
+            <a:r>
+              <a:rPr lang="en-US" sz="6600" b="1" dirty="0" err="1">
+                <a:solidFill>
+                  <a:prstClr val="black"/>
+                </a:solidFill>
+                <a:effectLst>
+                  <a:glow rad="127000">
+                    <a:prstClr val="white"/>
+                  </a:glow>
+                </a:effectLst>
+                <a:latin typeface="VNI-Times" pitchFamily="2" charset="0"/>
+                <a:ea typeface="Times New Roman" pitchFamily="18" charset="0"/>
+                <a:cs typeface="Times New Roman" pitchFamily="18" charset="0"/>
+              </a:rPr>
+              <a:t>vinh</a:t>
+            </a:r>
+            <a:r>
+              <a:rPr lang="en-US" sz="6600" b="1" dirty="0">
+                <a:solidFill>
+                  <a:prstClr val="black"/>
+                </a:solidFill>
+                <a:effectLst>
+                  <a:glow rad="127000">
+                    <a:prstClr val="white"/>
+                  </a:glow>
+                </a:effectLst>
+                <a:latin typeface="VNI-Times" pitchFamily="2" charset="0"/>
+                <a:ea typeface="Times New Roman" pitchFamily="18" charset="0"/>
+                <a:cs typeface="Times New Roman" pitchFamily="18" charset="0"/>
+              </a:rPr>
+              <a:t> Cha.</a:t>
+            </a:r>
           </a:p>
         </p:txBody>
       </p:sp>
@@ -3569,7 +4378,7 @@
           <a:p>
             <a:pPr algn="ctr"/>
             <a:r>
-              <a:rPr lang="en-US" sz="4000" b="1" spc="-150" smtClean="0">
+              <a:rPr lang="en-US" sz="4000" b="1" spc="-150" dirty="0">
                 <a:ln w="11430"/>
                 <a:solidFill>
                   <a:srgbClr val="FFFF00"/>
@@ -3584,27 +4393,10 @@
                     </a:srgbClr>
                   </a:outerShdw>
                 </a:effectLst>
-                <a:latin typeface="HP-Bank" panose="020B0603050302020204" pitchFamily="34" charset="0"/>
+                <a:latin typeface="VNI-Times" pitchFamily="2" charset="0"/>
               </a:rPr>
               <a:t>DAÂNG CHUÙA LÔØI NGÔÏI CA</a:t>
             </a:r>
-            <a:endParaRPr lang="en-US" sz="4000" b="1" spc="-150">
-              <a:ln w="11430"/>
-              <a:solidFill>
-                <a:srgbClr val="FFFF00"/>
-              </a:solidFill>
-              <a:effectLst>
-                <a:glow rad="127000">
-                  <a:prstClr val="black"/>
-                </a:glow>
-                <a:outerShdw blurRad="50800" dist="39000" dir="5460000" algn="tl">
-                  <a:srgbClr val="000000">
-                    <a:alpha val="38000"/>
-                  </a:srgbClr>
-                </a:outerShdw>
-              </a:effectLst>
-              <a:latin typeface="HP-Bank" panose="020B0603050302020204" pitchFamily="34" charset="0"/>
-            </a:endParaRPr>
           </a:p>
         </p:txBody>
       </p:sp>
@@ -3681,114 +4473,549 @@
               </a:spcAft>
             </a:pPr>
             <a:r>
-              <a:rPr lang="en-US" sz="6600" b="1">
-                <a:solidFill>
-                  <a:prstClr val="black"/>
-                </a:solidFill>
-                <a:effectLst>
-                  <a:glow rad="127000">
-                    <a:prstClr val="white"/>
-                  </a:glow>
-                </a:effectLst>
-                <a:latin typeface="VNI-Aptima" pitchFamily="2" charset="0"/>
-                <a:ea typeface="Times New Roman" pitchFamily="18" charset="0"/>
-                <a:cs typeface="Times New Roman" pitchFamily="18" charset="0"/>
-              </a:rPr>
-              <a:t>Vang leân baøi </a:t>
-            </a:r>
-            <a:r>
-              <a:rPr lang="en-US" sz="6600" b="1">
-                <a:solidFill>
-                  <a:prstClr val="black"/>
-                </a:solidFill>
-                <a:effectLst>
-                  <a:glow rad="127000">
-                    <a:prstClr val="white"/>
-                  </a:glow>
-                </a:effectLst>
-                <a:latin typeface="VNI-Aptima" pitchFamily="2" charset="0"/>
-                <a:ea typeface="Times New Roman" pitchFamily="18" charset="0"/>
-                <a:cs typeface="Times New Roman" pitchFamily="18" charset="0"/>
-              </a:rPr>
-              <a:t>ca </a:t>
-            </a:r>
-            <a:r>
-              <a:rPr lang="en-US" sz="6600" b="1" smtClean="0">
-                <a:solidFill>
-                  <a:prstClr val="black"/>
-                </a:solidFill>
-                <a:effectLst>
-                  <a:glow rad="127000">
-                    <a:prstClr val="white"/>
-                  </a:glow>
-                </a:effectLst>
-                <a:latin typeface="VNI-Aptima" pitchFamily="2" charset="0"/>
-                <a:ea typeface="Times New Roman" pitchFamily="18" charset="0"/>
-                <a:cs typeface="Times New Roman" pitchFamily="18" charset="0"/>
-              </a:rPr>
-              <a:t>toân ngôïi </a:t>
-            </a:r>
-            <a:r>
-              <a:rPr lang="en-US" sz="6600" b="1">
-                <a:solidFill>
-                  <a:prstClr val="black"/>
-                </a:solidFill>
-                <a:effectLst>
-                  <a:glow rad="127000">
-                    <a:prstClr val="white"/>
-                  </a:glow>
-                </a:effectLst>
-                <a:latin typeface="VNI-Aptima" pitchFamily="2" charset="0"/>
-                <a:ea typeface="Times New Roman" pitchFamily="18" charset="0"/>
-                <a:cs typeface="Times New Roman" pitchFamily="18" charset="0"/>
-              </a:rPr>
-              <a:t>Cha hôõi </a:t>
-            </a:r>
-            <a:r>
-              <a:rPr lang="en-US" sz="6600" b="1">
-                <a:solidFill>
-                  <a:prstClr val="black"/>
-                </a:solidFill>
-                <a:effectLst>
-                  <a:glow rad="127000">
-                    <a:prstClr val="white"/>
-                  </a:glow>
-                </a:effectLst>
-                <a:latin typeface="VNI-Aptima" pitchFamily="2" charset="0"/>
-                <a:ea typeface="Times New Roman" pitchFamily="18" charset="0"/>
-                <a:cs typeface="Times New Roman" pitchFamily="18" charset="0"/>
-              </a:rPr>
-              <a:t>muoân </a:t>
-            </a:r>
-            <a:r>
-              <a:rPr lang="en-US" sz="6600" b="1" smtClean="0">
-                <a:solidFill>
-                  <a:prstClr val="black"/>
-                </a:solidFill>
-                <a:effectLst>
-                  <a:glow rad="127000">
-                    <a:prstClr val="white"/>
-                  </a:glow>
-                </a:effectLst>
-                <a:latin typeface="VNI-Aptima" pitchFamily="2" charset="0"/>
-                <a:ea typeface="Times New Roman" pitchFamily="18" charset="0"/>
-                <a:cs typeface="Times New Roman" pitchFamily="18" charset="0"/>
-              </a:rPr>
-              <a:t>loaøi, oai nghi quyeàn naêng vaø vinh hieån thay Jeâsus. </a:t>
-            </a:r>
-            <a:endParaRPr lang="en-US" sz="6600" b="1">
-              <a:solidFill>
-                <a:prstClr val="black"/>
-              </a:solidFill>
-              <a:effectLst>
-                <a:glow rad="127000">
-                  <a:prstClr val="white"/>
-                </a:glow>
-              </a:effectLst>
-              <a:latin typeface="VNI-Aptima" pitchFamily="2" charset="0"/>
-              <a:ea typeface="Times New Roman" pitchFamily="18" charset="0"/>
-              <a:cs typeface="Times New Roman" pitchFamily="18" charset="0"/>
-            </a:endParaRPr>
+              <a:rPr lang="en-US" sz="6600" b="1" dirty="0" err="1">
+                <a:solidFill>
+                  <a:prstClr val="black"/>
+                </a:solidFill>
+                <a:effectLst>
+                  <a:glow rad="127000">
+                    <a:prstClr val="white"/>
+                  </a:glow>
+                </a:effectLst>
+                <a:latin typeface="VNI-Times" pitchFamily="2" charset="0"/>
+                <a:ea typeface="Times New Roman" pitchFamily="18" charset="0"/>
+                <a:cs typeface="Times New Roman" pitchFamily="18" charset="0"/>
+              </a:rPr>
+              <a:t>Vang</a:t>
+            </a:r>
+            <a:r>
+              <a:rPr lang="en-US" sz="6600" b="1" dirty="0">
+                <a:solidFill>
+                  <a:prstClr val="black"/>
+                </a:solidFill>
+                <a:effectLst>
+                  <a:glow rad="127000">
+                    <a:prstClr val="white"/>
+                  </a:glow>
+                </a:effectLst>
+                <a:latin typeface="VNI-Times" pitchFamily="2" charset="0"/>
+                <a:ea typeface="Times New Roman" pitchFamily="18" charset="0"/>
+                <a:cs typeface="Times New Roman" pitchFamily="18" charset="0"/>
+              </a:rPr>
+              <a:t> </a:t>
+            </a:r>
+            <a:r>
+              <a:rPr lang="en-US" sz="6600" b="1" dirty="0" err="1">
+                <a:solidFill>
+                  <a:prstClr val="black"/>
+                </a:solidFill>
+                <a:effectLst>
+                  <a:glow rad="127000">
+                    <a:prstClr val="white"/>
+                  </a:glow>
+                </a:effectLst>
+                <a:latin typeface="VNI-Times" pitchFamily="2" charset="0"/>
+                <a:ea typeface="Times New Roman" pitchFamily="18" charset="0"/>
+                <a:cs typeface="Times New Roman" pitchFamily="18" charset="0"/>
+              </a:rPr>
+              <a:t>leân</a:t>
+            </a:r>
+            <a:r>
+              <a:rPr lang="en-US" sz="6600" b="1" dirty="0">
+                <a:solidFill>
+                  <a:prstClr val="black"/>
+                </a:solidFill>
+                <a:effectLst>
+                  <a:glow rad="127000">
+                    <a:prstClr val="white"/>
+                  </a:glow>
+                </a:effectLst>
+                <a:latin typeface="VNI-Times" pitchFamily="2" charset="0"/>
+                <a:ea typeface="Times New Roman" pitchFamily="18" charset="0"/>
+                <a:cs typeface="Times New Roman" pitchFamily="18" charset="0"/>
+              </a:rPr>
+              <a:t> </a:t>
+            </a:r>
+            <a:r>
+              <a:rPr lang="en-US" sz="6600" b="1" dirty="0" err="1">
+                <a:solidFill>
+                  <a:prstClr val="black"/>
+                </a:solidFill>
+                <a:effectLst>
+                  <a:glow rad="127000">
+                    <a:prstClr val="white"/>
+                  </a:glow>
+                </a:effectLst>
+                <a:latin typeface="VNI-Times" pitchFamily="2" charset="0"/>
+                <a:ea typeface="Times New Roman" pitchFamily="18" charset="0"/>
+                <a:cs typeface="Times New Roman" pitchFamily="18" charset="0"/>
+              </a:rPr>
+              <a:t>baøi</a:t>
+            </a:r>
+            <a:r>
+              <a:rPr lang="en-US" sz="6600" b="1" dirty="0">
+                <a:solidFill>
+                  <a:prstClr val="black"/>
+                </a:solidFill>
+                <a:effectLst>
+                  <a:glow rad="127000">
+                    <a:prstClr val="white"/>
+                  </a:glow>
+                </a:effectLst>
+                <a:latin typeface="VNI-Times" pitchFamily="2" charset="0"/>
+                <a:ea typeface="Times New Roman" pitchFamily="18" charset="0"/>
+                <a:cs typeface="Times New Roman" pitchFamily="18" charset="0"/>
+              </a:rPr>
+              <a:t> ca </a:t>
+            </a:r>
+            <a:r>
+              <a:rPr lang="en-US" sz="6600" b="1" dirty="0" err="1">
+                <a:solidFill>
+                  <a:prstClr val="black"/>
+                </a:solidFill>
+                <a:effectLst>
+                  <a:glow rad="127000">
+                    <a:prstClr val="white"/>
+                  </a:glow>
+                </a:effectLst>
+                <a:latin typeface="VNI-Times" pitchFamily="2" charset="0"/>
+                <a:ea typeface="Times New Roman" pitchFamily="18" charset="0"/>
+                <a:cs typeface="Times New Roman" pitchFamily="18" charset="0"/>
+              </a:rPr>
+              <a:t>toân</a:t>
+            </a:r>
+            <a:r>
+              <a:rPr lang="en-US" sz="6600" b="1" dirty="0">
+                <a:solidFill>
+                  <a:prstClr val="black"/>
+                </a:solidFill>
+                <a:effectLst>
+                  <a:glow rad="127000">
+                    <a:prstClr val="white"/>
+                  </a:glow>
+                </a:effectLst>
+                <a:latin typeface="VNI-Times" pitchFamily="2" charset="0"/>
+                <a:ea typeface="Times New Roman" pitchFamily="18" charset="0"/>
+                <a:cs typeface="Times New Roman" pitchFamily="18" charset="0"/>
+              </a:rPr>
+              <a:t> </a:t>
+            </a:r>
+            <a:r>
+              <a:rPr lang="en-US" sz="6600" b="1" dirty="0" err="1">
+                <a:solidFill>
+                  <a:prstClr val="black"/>
+                </a:solidFill>
+                <a:effectLst>
+                  <a:glow rad="127000">
+                    <a:prstClr val="white"/>
+                  </a:glow>
+                </a:effectLst>
+                <a:latin typeface="VNI-Times" pitchFamily="2" charset="0"/>
+                <a:ea typeface="Times New Roman" pitchFamily="18" charset="0"/>
+                <a:cs typeface="Times New Roman" pitchFamily="18" charset="0"/>
+              </a:rPr>
+              <a:t>ngôïi</a:t>
+            </a:r>
+            <a:r>
+              <a:rPr lang="en-US" sz="6600" b="1" dirty="0">
+                <a:solidFill>
+                  <a:prstClr val="black"/>
+                </a:solidFill>
+                <a:effectLst>
+                  <a:glow rad="127000">
+                    <a:prstClr val="white"/>
+                  </a:glow>
+                </a:effectLst>
+                <a:latin typeface="VNI-Times" pitchFamily="2" charset="0"/>
+                <a:ea typeface="Times New Roman" pitchFamily="18" charset="0"/>
+                <a:cs typeface="Times New Roman" pitchFamily="18" charset="0"/>
+              </a:rPr>
+              <a:t> Cha </a:t>
+            </a:r>
+            <a:r>
+              <a:rPr lang="en-US" sz="6600" b="1" dirty="0" err="1">
+                <a:solidFill>
+                  <a:prstClr val="black"/>
+                </a:solidFill>
+                <a:effectLst>
+                  <a:glow rad="127000">
+                    <a:prstClr val="white"/>
+                  </a:glow>
+                </a:effectLst>
+                <a:latin typeface="VNI-Times" pitchFamily="2" charset="0"/>
+                <a:ea typeface="Times New Roman" pitchFamily="18" charset="0"/>
+                <a:cs typeface="Times New Roman" pitchFamily="18" charset="0"/>
+              </a:rPr>
+              <a:t>hôõi</a:t>
+            </a:r>
+            <a:r>
+              <a:rPr lang="en-US" sz="6600" b="1" dirty="0">
+                <a:solidFill>
+                  <a:prstClr val="black"/>
+                </a:solidFill>
+                <a:effectLst>
+                  <a:glow rad="127000">
+                    <a:prstClr val="white"/>
+                  </a:glow>
+                </a:effectLst>
+                <a:latin typeface="VNI-Times" pitchFamily="2" charset="0"/>
+                <a:ea typeface="Times New Roman" pitchFamily="18" charset="0"/>
+                <a:cs typeface="Times New Roman" pitchFamily="18" charset="0"/>
+              </a:rPr>
+              <a:t> </a:t>
+            </a:r>
+            <a:r>
+              <a:rPr lang="en-US" sz="6600" b="1" dirty="0" err="1">
+                <a:solidFill>
+                  <a:prstClr val="black"/>
+                </a:solidFill>
+                <a:effectLst>
+                  <a:glow rad="127000">
+                    <a:prstClr val="white"/>
+                  </a:glow>
+                </a:effectLst>
+                <a:latin typeface="VNI-Times" pitchFamily="2" charset="0"/>
+                <a:ea typeface="Times New Roman" pitchFamily="18" charset="0"/>
+                <a:cs typeface="Times New Roman" pitchFamily="18" charset="0"/>
+              </a:rPr>
+              <a:t>muoân</a:t>
+            </a:r>
+            <a:r>
+              <a:rPr lang="en-US" sz="6600" b="1" dirty="0">
+                <a:solidFill>
+                  <a:prstClr val="black"/>
+                </a:solidFill>
+                <a:effectLst>
+                  <a:glow rad="127000">
+                    <a:prstClr val="white"/>
+                  </a:glow>
+                </a:effectLst>
+                <a:latin typeface="VNI-Times" pitchFamily="2" charset="0"/>
+                <a:ea typeface="Times New Roman" pitchFamily="18" charset="0"/>
+                <a:cs typeface="Times New Roman" pitchFamily="18" charset="0"/>
+              </a:rPr>
+              <a:t> </a:t>
+            </a:r>
+            <a:r>
+              <a:rPr lang="en-US" sz="6600" b="1" dirty="0" err="1">
+                <a:solidFill>
+                  <a:prstClr val="black"/>
+                </a:solidFill>
+                <a:effectLst>
+                  <a:glow rad="127000">
+                    <a:prstClr val="white"/>
+                  </a:glow>
+                </a:effectLst>
+                <a:latin typeface="VNI-Times" pitchFamily="2" charset="0"/>
+                <a:ea typeface="Times New Roman" pitchFamily="18" charset="0"/>
+                <a:cs typeface="Times New Roman" pitchFamily="18" charset="0"/>
+              </a:rPr>
+              <a:t>loaøi</a:t>
+            </a:r>
+            <a:r>
+              <a:rPr lang="en-US" sz="6600" b="1" dirty="0">
+                <a:solidFill>
+                  <a:prstClr val="black"/>
+                </a:solidFill>
+                <a:effectLst>
+                  <a:glow rad="127000">
+                    <a:prstClr val="white"/>
+                  </a:glow>
+                </a:effectLst>
+                <a:latin typeface="VNI-Times" pitchFamily="2" charset="0"/>
+                <a:ea typeface="Times New Roman" pitchFamily="18" charset="0"/>
+                <a:cs typeface="Times New Roman" pitchFamily="18" charset="0"/>
+              </a:rPr>
+              <a:t>, </a:t>
+            </a:r>
+            <a:r>
+              <a:rPr lang="en-US" sz="6600" b="1" dirty="0" err="1">
+                <a:solidFill>
+                  <a:prstClr val="black"/>
+                </a:solidFill>
+                <a:effectLst>
+                  <a:glow rad="127000">
+                    <a:prstClr val="white"/>
+                  </a:glow>
+                </a:effectLst>
+                <a:latin typeface="VNI-Times" pitchFamily="2" charset="0"/>
+                <a:ea typeface="Times New Roman" pitchFamily="18" charset="0"/>
+                <a:cs typeface="Times New Roman" pitchFamily="18" charset="0"/>
+              </a:rPr>
+              <a:t>oai</a:t>
+            </a:r>
+            <a:r>
+              <a:rPr lang="en-US" sz="6600" b="1" dirty="0">
+                <a:solidFill>
+                  <a:prstClr val="black"/>
+                </a:solidFill>
+                <a:effectLst>
+                  <a:glow rad="127000">
+                    <a:prstClr val="white"/>
+                  </a:glow>
+                </a:effectLst>
+                <a:latin typeface="VNI-Times" pitchFamily="2" charset="0"/>
+                <a:ea typeface="Times New Roman" pitchFamily="18" charset="0"/>
+                <a:cs typeface="Times New Roman" pitchFamily="18" charset="0"/>
+              </a:rPr>
+              <a:t> </a:t>
+            </a:r>
+            <a:r>
+              <a:rPr lang="en-US" sz="6600" b="1" dirty="0" err="1">
+                <a:solidFill>
+                  <a:prstClr val="black"/>
+                </a:solidFill>
+                <a:effectLst>
+                  <a:glow rad="127000">
+                    <a:prstClr val="white"/>
+                  </a:glow>
+                </a:effectLst>
+                <a:latin typeface="VNI-Times" pitchFamily="2" charset="0"/>
+                <a:ea typeface="Times New Roman" pitchFamily="18" charset="0"/>
+                <a:cs typeface="Times New Roman" pitchFamily="18" charset="0"/>
+              </a:rPr>
+              <a:t>nghi</a:t>
+            </a:r>
+            <a:r>
+              <a:rPr lang="en-US" sz="6600" b="1" dirty="0">
+                <a:solidFill>
+                  <a:prstClr val="black"/>
+                </a:solidFill>
+                <a:effectLst>
+                  <a:glow rad="127000">
+                    <a:prstClr val="white"/>
+                  </a:glow>
+                </a:effectLst>
+                <a:latin typeface="VNI-Times" pitchFamily="2" charset="0"/>
+                <a:ea typeface="Times New Roman" pitchFamily="18" charset="0"/>
+                <a:cs typeface="Times New Roman" pitchFamily="18" charset="0"/>
+              </a:rPr>
+              <a:t> </a:t>
+            </a:r>
+            <a:r>
+              <a:rPr lang="en-US" sz="6600" b="1" dirty="0" err="1">
+                <a:solidFill>
+                  <a:prstClr val="black"/>
+                </a:solidFill>
+                <a:effectLst>
+                  <a:glow rad="127000">
+                    <a:prstClr val="white"/>
+                  </a:glow>
+                </a:effectLst>
+                <a:latin typeface="VNI-Times" pitchFamily="2" charset="0"/>
+                <a:ea typeface="Times New Roman" pitchFamily="18" charset="0"/>
+                <a:cs typeface="Times New Roman" pitchFamily="18" charset="0"/>
+              </a:rPr>
+              <a:t>quyeàn</a:t>
+            </a:r>
+            <a:r>
+              <a:rPr lang="en-US" sz="6600" b="1" dirty="0">
+                <a:solidFill>
+                  <a:prstClr val="black"/>
+                </a:solidFill>
+                <a:effectLst>
+                  <a:glow rad="127000">
+                    <a:prstClr val="white"/>
+                  </a:glow>
+                </a:effectLst>
+                <a:latin typeface="VNI-Times" pitchFamily="2" charset="0"/>
+                <a:ea typeface="Times New Roman" pitchFamily="18" charset="0"/>
+                <a:cs typeface="Times New Roman" pitchFamily="18" charset="0"/>
+              </a:rPr>
+              <a:t> </a:t>
+            </a:r>
+            <a:r>
+              <a:rPr lang="en-US" sz="6600" b="1" dirty="0" err="1">
+                <a:solidFill>
+                  <a:prstClr val="black"/>
+                </a:solidFill>
+                <a:effectLst>
+                  <a:glow rad="127000">
+                    <a:prstClr val="white"/>
+                  </a:glow>
+                </a:effectLst>
+                <a:latin typeface="VNI-Times" pitchFamily="2" charset="0"/>
+                <a:ea typeface="Times New Roman" pitchFamily="18" charset="0"/>
+                <a:cs typeface="Times New Roman" pitchFamily="18" charset="0"/>
+              </a:rPr>
+              <a:t>naêng</a:t>
+            </a:r>
+            <a:r>
+              <a:rPr lang="en-US" sz="6600" b="1" dirty="0">
+                <a:solidFill>
+                  <a:prstClr val="black"/>
+                </a:solidFill>
+                <a:effectLst>
+                  <a:glow rad="127000">
+                    <a:prstClr val="white"/>
+                  </a:glow>
+                </a:effectLst>
+                <a:latin typeface="VNI-Times" pitchFamily="2" charset="0"/>
+                <a:ea typeface="Times New Roman" pitchFamily="18" charset="0"/>
+                <a:cs typeface="Times New Roman" pitchFamily="18" charset="0"/>
+              </a:rPr>
+              <a:t> </a:t>
+            </a:r>
+            <a:r>
+              <a:rPr lang="en-US" sz="6600" b="1" dirty="0" err="1">
+                <a:solidFill>
+                  <a:prstClr val="black"/>
+                </a:solidFill>
+                <a:effectLst>
+                  <a:glow rad="127000">
+                    <a:prstClr val="white"/>
+                  </a:glow>
+                </a:effectLst>
+                <a:latin typeface="VNI-Times" pitchFamily="2" charset="0"/>
+                <a:ea typeface="Times New Roman" pitchFamily="18" charset="0"/>
+                <a:cs typeface="Times New Roman" pitchFamily="18" charset="0"/>
+              </a:rPr>
+              <a:t>vaø</a:t>
+            </a:r>
+            <a:r>
+              <a:rPr lang="en-US" sz="6600" b="1" dirty="0">
+                <a:solidFill>
+                  <a:prstClr val="black"/>
+                </a:solidFill>
+                <a:effectLst>
+                  <a:glow rad="127000">
+                    <a:prstClr val="white"/>
+                  </a:glow>
+                </a:effectLst>
+                <a:latin typeface="VNI-Times" pitchFamily="2" charset="0"/>
+                <a:ea typeface="Times New Roman" pitchFamily="18" charset="0"/>
+                <a:cs typeface="Times New Roman" pitchFamily="18" charset="0"/>
+              </a:rPr>
+              <a:t> </a:t>
+            </a:r>
+            <a:r>
+              <a:rPr lang="en-US" sz="6600" b="1" dirty="0" err="1">
+                <a:solidFill>
+                  <a:prstClr val="black"/>
+                </a:solidFill>
+                <a:effectLst>
+                  <a:glow rad="127000">
+                    <a:prstClr val="white"/>
+                  </a:glow>
+                </a:effectLst>
+                <a:latin typeface="VNI-Times" pitchFamily="2" charset="0"/>
+                <a:ea typeface="Times New Roman" pitchFamily="18" charset="0"/>
+                <a:cs typeface="Times New Roman" pitchFamily="18" charset="0"/>
+              </a:rPr>
+              <a:t>vinh</a:t>
+            </a:r>
+            <a:r>
+              <a:rPr lang="en-US" sz="6600" b="1" dirty="0">
+                <a:solidFill>
+                  <a:prstClr val="black"/>
+                </a:solidFill>
+                <a:effectLst>
+                  <a:glow rad="127000">
+                    <a:prstClr val="white"/>
+                  </a:glow>
+                </a:effectLst>
+                <a:latin typeface="VNI-Times" pitchFamily="2" charset="0"/>
+                <a:ea typeface="Times New Roman" pitchFamily="18" charset="0"/>
+                <a:cs typeface="Times New Roman" pitchFamily="18" charset="0"/>
+              </a:rPr>
+              <a:t> </a:t>
+            </a:r>
+            <a:r>
+              <a:rPr lang="en-US" sz="6600" b="1" dirty="0" err="1">
+                <a:solidFill>
+                  <a:prstClr val="black"/>
+                </a:solidFill>
+                <a:effectLst>
+                  <a:glow rad="127000">
+                    <a:prstClr val="white"/>
+                  </a:glow>
+                </a:effectLst>
+                <a:latin typeface="VNI-Times" pitchFamily="2" charset="0"/>
+                <a:ea typeface="Times New Roman" pitchFamily="18" charset="0"/>
+                <a:cs typeface="Times New Roman" pitchFamily="18" charset="0"/>
+              </a:rPr>
+              <a:t>hieån</a:t>
+            </a:r>
+            <a:r>
+              <a:rPr lang="en-US" sz="6600" b="1" dirty="0">
+                <a:solidFill>
+                  <a:prstClr val="black"/>
+                </a:solidFill>
+                <a:effectLst>
+                  <a:glow rad="127000">
+                    <a:prstClr val="white"/>
+                  </a:glow>
+                </a:effectLst>
+                <a:latin typeface="VNI-Times" pitchFamily="2" charset="0"/>
+                <a:ea typeface="Times New Roman" pitchFamily="18" charset="0"/>
+                <a:cs typeface="Times New Roman" pitchFamily="18" charset="0"/>
+              </a:rPr>
+              <a:t> </a:t>
+            </a:r>
+            <a:r>
+              <a:rPr lang="en-US" sz="6600" b="1" dirty="0" err="1">
+                <a:solidFill>
+                  <a:prstClr val="black"/>
+                </a:solidFill>
+                <a:effectLst>
+                  <a:glow rad="127000">
+                    <a:prstClr val="white"/>
+                  </a:glow>
+                </a:effectLst>
+                <a:latin typeface="VNI-Times" pitchFamily="2" charset="0"/>
+                <a:ea typeface="Times New Roman" pitchFamily="18" charset="0"/>
+                <a:cs typeface="Times New Roman" pitchFamily="18" charset="0"/>
+              </a:rPr>
+              <a:t>thay</a:t>
+            </a:r>
+            <a:r>
+              <a:rPr lang="en-US" sz="6600" b="1" dirty="0">
+                <a:solidFill>
+                  <a:prstClr val="black"/>
+                </a:solidFill>
+                <a:effectLst>
+                  <a:glow rad="127000">
+                    <a:prstClr val="white"/>
+                  </a:glow>
+                </a:effectLst>
+                <a:latin typeface="VNI-Times" pitchFamily="2" charset="0"/>
+                <a:ea typeface="Times New Roman" pitchFamily="18" charset="0"/>
+                <a:cs typeface="Times New Roman" pitchFamily="18" charset="0"/>
+              </a:rPr>
+              <a:t> </a:t>
+            </a:r>
+            <a:r>
+              <a:rPr lang="en-US" sz="6600" b="1" dirty="0" err="1">
+                <a:solidFill>
+                  <a:prstClr val="black"/>
+                </a:solidFill>
+                <a:effectLst>
+                  <a:glow rad="127000">
+                    <a:prstClr val="white"/>
+                  </a:glow>
+                </a:effectLst>
+                <a:latin typeface="VNI-Times" pitchFamily="2" charset="0"/>
+                <a:ea typeface="Times New Roman" pitchFamily="18" charset="0"/>
+                <a:cs typeface="Times New Roman" pitchFamily="18" charset="0"/>
+              </a:rPr>
+              <a:t>Jeâsus</a:t>
+            </a:r>
+            <a:r>
+              <a:rPr lang="en-US" sz="6600" b="1" dirty="0">
+                <a:solidFill>
+                  <a:prstClr val="black"/>
+                </a:solidFill>
+                <a:effectLst>
+                  <a:glow rad="127000">
+                    <a:prstClr val="white"/>
+                  </a:glow>
+                </a:effectLst>
+                <a:latin typeface="VNI-Times" pitchFamily="2" charset="0"/>
+                <a:ea typeface="Times New Roman" pitchFamily="18" charset="0"/>
+                <a:cs typeface="Times New Roman" pitchFamily="18" charset="0"/>
+              </a:rPr>
+              <a:t>. </a:t>
+            </a:r>
           </a:p>
         </p:txBody>
       </p:sp>
@@ -3816,7 +5043,7 @@
           <a:p>
             <a:pPr algn="ctr"/>
             <a:r>
-              <a:rPr lang="en-US" sz="4000" b="1" spc="-150" smtClean="0">
+              <a:rPr lang="en-US" sz="4000" b="1" spc="-150" dirty="0">
                 <a:ln w="11430"/>
                 <a:solidFill>
                   <a:srgbClr val="FFFF00"/>
@@ -3831,27 +5058,10 @@
                     </a:srgbClr>
                   </a:outerShdw>
                 </a:effectLst>
-                <a:latin typeface="HP-Bank" panose="020B0603050302020204" pitchFamily="34" charset="0"/>
+                <a:latin typeface="VNI-Times" pitchFamily="2" charset="0"/>
               </a:rPr>
               <a:t>DAÂNG CHUÙA LÔØI NGÔÏI CA</a:t>
             </a:r>
-            <a:endParaRPr lang="en-US" sz="4000" b="1" spc="-150">
-              <a:ln w="11430"/>
-              <a:solidFill>
-                <a:srgbClr val="FFFF00"/>
-              </a:solidFill>
-              <a:effectLst>
-                <a:glow rad="127000">
-                  <a:prstClr val="black"/>
-                </a:glow>
-                <a:outerShdw blurRad="50800" dist="39000" dir="5460000" algn="tl">
-                  <a:srgbClr val="000000">
-                    <a:alpha val="38000"/>
-                  </a:srgbClr>
-                </a:outerShdw>
-              </a:effectLst>
-              <a:latin typeface="HP-Bank" panose="020B0603050302020204" pitchFamily="34" charset="0"/>
-            </a:endParaRPr>
           </a:p>
         </p:txBody>
       </p:sp>
@@ -3928,288 +5138,483 @@
               </a:spcAft>
             </a:pPr>
             <a:r>
-              <a:rPr lang="en-US" sz="6600" b="1">
-                <a:solidFill>
-                  <a:prstClr val="black"/>
-                </a:solidFill>
-                <a:effectLst>
-                  <a:glow rad="127000">
-                    <a:prstClr val="white"/>
-                  </a:glow>
-                </a:effectLst>
-                <a:latin typeface="VNI-Aptima" pitchFamily="2" charset="0"/>
+              <a:rPr lang="en-US" sz="6600" b="1" dirty="0">
+                <a:solidFill>
+                  <a:prstClr val="black"/>
+                </a:solidFill>
+                <a:effectLst>
+                  <a:glow rad="127000">
+                    <a:prstClr val="white"/>
+                  </a:glow>
+                </a:effectLst>
+                <a:latin typeface="VNI-Times" pitchFamily="2" charset="0"/>
                 <a:ea typeface="Times New Roman" pitchFamily="18" charset="0"/>
                 <a:cs typeface="Times New Roman" pitchFamily="18" charset="0"/>
               </a:rPr>
               <a:t>Non </a:t>
             </a:r>
             <a:r>
-              <a:rPr lang="en-US" sz="6600" b="1" smtClean="0">
-                <a:solidFill>
-                  <a:prstClr val="black"/>
-                </a:solidFill>
-                <a:effectLst>
-                  <a:glow rad="127000">
-                    <a:prstClr val="white"/>
-                  </a:glow>
-                </a:effectLst>
-                <a:latin typeface="VNI-Aptima" pitchFamily="2" charset="0"/>
-                <a:ea typeface="Times New Roman" pitchFamily="18" charset="0"/>
-                <a:cs typeface="Times New Roman" pitchFamily="18" charset="0"/>
-              </a:rPr>
-              <a:t>cao, </a:t>
-            </a:r>
-            <a:r>
-              <a:rPr lang="en-US" sz="6600" b="1">
-                <a:solidFill>
-                  <a:prstClr val="black"/>
-                </a:solidFill>
-                <a:effectLst>
-                  <a:glow rad="127000">
-                    <a:prstClr val="white"/>
-                  </a:glow>
-                </a:effectLst>
-                <a:latin typeface="VNI-Aptima" pitchFamily="2" charset="0"/>
-                <a:ea typeface="Times New Roman" pitchFamily="18" charset="0"/>
-                <a:cs typeface="Times New Roman" pitchFamily="18" charset="0"/>
-              </a:rPr>
-              <a:t>ñaïi </a:t>
-            </a:r>
-            <a:r>
-              <a:rPr lang="en-US" sz="6600" b="1">
-                <a:solidFill>
-                  <a:prstClr val="black"/>
-                </a:solidFill>
-                <a:effectLst>
-                  <a:glow rad="127000">
-                    <a:prstClr val="white"/>
-                  </a:glow>
-                </a:effectLst>
-                <a:latin typeface="VNI-Aptima" pitchFamily="2" charset="0"/>
-                <a:ea typeface="Times New Roman" pitchFamily="18" charset="0"/>
-                <a:cs typeface="Times New Roman" pitchFamily="18" charset="0"/>
-              </a:rPr>
-              <a:t>döông </a:t>
-            </a:r>
-            <a:r>
-              <a:rPr lang="en-US" sz="6600" b="1" smtClean="0">
-                <a:solidFill>
-                  <a:prstClr val="black"/>
-                </a:solidFill>
-                <a:effectLst>
-                  <a:glow rad="127000">
-                    <a:prstClr val="white"/>
-                  </a:glow>
-                </a:effectLst>
-                <a:latin typeface="VNI-Aptima" pitchFamily="2" charset="0"/>
-                <a:ea typeface="Times New Roman" pitchFamily="18" charset="0"/>
-                <a:cs typeface="Times New Roman" pitchFamily="18" charset="0"/>
-              </a:rPr>
-              <a:t/>
+              <a:rPr lang="en-US" sz="6600" b="1" dirty="0" err="1">
+                <a:solidFill>
+                  <a:prstClr val="black"/>
+                </a:solidFill>
+                <a:effectLst>
+                  <a:glow rad="127000">
+                    <a:prstClr val="white"/>
+                  </a:glow>
+                </a:effectLst>
+                <a:latin typeface="VNI-Times" pitchFamily="2" charset="0"/>
+                <a:ea typeface="Times New Roman" pitchFamily="18" charset="0"/>
+                <a:cs typeface="Times New Roman" pitchFamily="18" charset="0"/>
+              </a:rPr>
+              <a:t>cao</a:t>
+            </a:r>
+            <a:r>
+              <a:rPr lang="en-US" sz="6600" b="1" dirty="0">
+                <a:solidFill>
+                  <a:prstClr val="black"/>
+                </a:solidFill>
+                <a:effectLst>
+                  <a:glow rad="127000">
+                    <a:prstClr val="white"/>
+                  </a:glow>
+                </a:effectLst>
+                <a:latin typeface="VNI-Times" pitchFamily="2" charset="0"/>
+                <a:ea typeface="Times New Roman" pitchFamily="18" charset="0"/>
+                <a:cs typeface="Times New Roman" pitchFamily="18" charset="0"/>
+              </a:rPr>
+              <a:t>, </a:t>
+            </a:r>
+            <a:r>
+              <a:rPr lang="en-US" sz="6600" b="1" dirty="0" err="1">
+                <a:solidFill>
+                  <a:prstClr val="black"/>
+                </a:solidFill>
+                <a:effectLst>
+                  <a:glow rad="127000">
+                    <a:prstClr val="white"/>
+                  </a:glow>
+                </a:effectLst>
+                <a:latin typeface="VNI-Times" pitchFamily="2" charset="0"/>
+                <a:ea typeface="Times New Roman" pitchFamily="18" charset="0"/>
+                <a:cs typeface="Times New Roman" pitchFamily="18" charset="0"/>
+              </a:rPr>
+              <a:t>ñaïi</a:t>
+            </a:r>
+            <a:r>
+              <a:rPr lang="en-US" sz="6600" b="1" dirty="0">
+                <a:solidFill>
+                  <a:prstClr val="black"/>
+                </a:solidFill>
+                <a:effectLst>
+                  <a:glow rad="127000">
+                    <a:prstClr val="white"/>
+                  </a:glow>
+                </a:effectLst>
+                <a:latin typeface="VNI-Times" pitchFamily="2" charset="0"/>
+                <a:ea typeface="Times New Roman" pitchFamily="18" charset="0"/>
+                <a:cs typeface="Times New Roman" pitchFamily="18" charset="0"/>
+              </a:rPr>
+              <a:t> </a:t>
+            </a:r>
+            <a:r>
+              <a:rPr lang="en-US" sz="6600" b="1" dirty="0" err="1">
+                <a:solidFill>
+                  <a:prstClr val="black"/>
+                </a:solidFill>
+                <a:effectLst>
+                  <a:glow rad="127000">
+                    <a:prstClr val="white"/>
+                  </a:glow>
+                </a:effectLst>
+                <a:latin typeface="VNI-Times" pitchFamily="2" charset="0"/>
+                <a:ea typeface="Times New Roman" pitchFamily="18" charset="0"/>
+                <a:cs typeface="Times New Roman" pitchFamily="18" charset="0"/>
+              </a:rPr>
+              <a:t>döông</a:t>
+            </a:r>
+            <a:r>
+              <a:rPr lang="en-US" sz="6600" b="1" dirty="0">
+                <a:solidFill>
+                  <a:prstClr val="black"/>
+                </a:solidFill>
+                <a:effectLst>
+                  <a:glow rad="127000">
+                    <a:prstClr val="white"/>
+                  </a:glow>
+                </a:effectLst>
+                <a:latin typeface="VNI-Times" pitchFamily="2" charset="0"/>
+                <a:ea typeface="Times New Roman" pitchFamily="18" charset="0"/>
+                <a:cs typeface="Times New Roman" pitchFamily="18" charset="0"/>
+              </a:rPr>
+              <a:t> </a:t>
             </a:r>
             <a:br>
-              <a:rPr lang="en-US" sz="6600" b="1" smtClean="0">
-                <a:solidFill>
-                  <a:prstClr val="black"/>
-                </a:solidFill>
-                <a:effectLst>
-                  <a:glow rad="127000">
-                    <a:prstClr val="white"/>
-                  </a:glow>
-                </a:effectLst>
-                <a:latin typeface="VNI-Aptima" pitchFamily="2" charset="0"/>
+              <a:rPr lang="en-US" sz="6600" b="1" dirty="0">
+                <a:solidFill>
+                  <a:prstClr val="black"/>
+                </a:solidFill>
+                <a:effectLst>
+                  <a:glow rad="127000">
+                    <a:prstClr val="white"/>
+                  </a:glow>
+                </a:effectLst>
+                <a:latin typeface="VNI-Times" pitchFamily="2" charset="0"/>
                 <a:ea typeface="Times New Roman" pitchFamily="18" charset="0"/>
                 <a:cs typeface="Times New Roman" pitchFamily="18" charset="0"/>
               </a:rPr>
             </a:br>
             <a:r>
-              <a:rPr lang="en-US" sz="6600" b="1" smtClean="0">
-                <a:solidFill>
-                  <a:prstClr val="black"/>
-                </a:solidFill>
-                <a:effectLst>
-                  <a:glow rad="127000">
-                    <a:prstClr val="white"/>
-                  </a:glow>
-                </a:effectLst>
-                <a:latin typeface="VNI-Aptima" pitchFamily="2" charset="0"/>
-                <a:ea typeface="Times New Roman" pitchFamily="18" charset="0"/>
-                <a:cs typeface="Times New Roman" pitchFamily="18" charset="0"/>
-              </a:rPr>
-              <a:t>kia </a:t>
-            </a:r>
-            <a:r>
-              <a:rPr lang="en-US" sz="6600" b="1">
-                <a:solidFill>
-                  <a:prstClr val="black"/>
-                </a:solidFill>
-                <a:effectLst>
-                  <a:glow rad="127000">
-                    <a:prstClr val="white"/>
-                  </a:glow>
-                </a:effectLst>
-                <a:latin typeface="VNI-Aptima" pitchFamily="2" charset="0"/>
-                <a:ea typeface="Times New Roman" pitchFamily="18" charset="0"/>
-                <a:cs typeface="Times New Roman" pitchFamily="18" charset="0"/>
-              </a:rPr>
-              <a:t>nhö muoán </a:t>
-            </a:r>
-            <a:r>
-              <a:rPr lang="en-US" sz="6600" b="1">
-                <a:solidFill>
-                  <a:prstClr val="black"/>
-                </a:solidFill>
-                <a:effectLst>
-                  <a:glow rad="127000">
-                    <a:prstClr val="white"/>
-                  </a:glow>
-                </a:effectLst>
-                <a:latin typeface="VNI-Aptima" pitchFamily="2" charset="0"/>
-                <a:ea typeface="Times New Roman" pitchFamily="18" charset="0"/>
-                <a:cs typeface="Times New Roman" pitchFamily="18" charset="0"/>
-              </a:rPr>
-              <a:t>chuùc </a:t>
-            </a:r>
-            <a:r>
-              <a:rPr lang="en-US" sz="6600" b="1" smtClean="0">
-                <a:solidFill>
-                  <a:prstClr val="black"/>
-                </a:solidFill>
-                <a:effectLst>
-                  <a:glow rad="127000">
-                    <a:prstClr val="white"/>
-                  </a:glow>
-                </a:effectLst>
-                <a:latin typeface="VNI-Aptima" pitchFamily="2" charset="0"/>
-                <a:ea typeface="Times New Roman" pitchFamily="18" charset="0"/>
-                <a:cs typeface="Times New Roman" pitchFamily="18" charset="0"/>
-              </a:rPr>
-              <a:t>toân Ngaøi: Ha-leâ-lu-gia</a:t>
-            </a:r>
-            <a:r>
-              <a:rPr lang="en-US" sz="6600" b="1">
-                <a:solidFill>
-                  <a:prstClr val="black"/>
-                </a:solidFill>
-                <a:effectLst>
-                  <a:glow rad="127000">
-                    <a:prstClr val="white"/>
-                  </a:glow>
-                </a:effectLst>
-                <a:latin typeface="VNI-Aptima" pitchFamily="2" charset="0"/>
+              <a:rPr lang="en-US" sz="6600" b="1" dirty="0" err="1">
+                <a:solidFill>
+                  <a:prstClr val="black"/>
+                </a:solidFill>
+                <a:effectLst>
+                  <a:glow rad="127000">
+                    <a:prstClr val="white"/>
+                  </a:glow>
+                </a:effectLst>
+                <a:latin typeface="VNI-Times" pitchFamily="2" charset="0"/>
+                <a:ea typeface="Times New Roman" pitchFamily="18" charset="0"/>
+                <a:cs typeface="Times New Roman" pitchFamily="18" charset="0"/>
+              </a:rPr>
+              <a:t>kia</a:t>
+            </a:r>
+            <a:r>
+              <a:rPr lang="en-US" sz="6600" b="1" dirty="0">
+                <a:solidFill>
+                  <a:prstClr val="black"/>
+                </a:solidFill>
+                <a:effectLst>
+                  <a:glow rad="127000">
+                    <a:prstClr val="white"/>
+                  </a:glow>
+                </a:effectLst>
+                <a:latin typeface="VNI-Times" pitchFamily="2" charset="0"/>
+                <a:ea typeface="Times New Roman" pitchFamily="18" charset="0"/>
+                <a:cs typeface="Times New Roman" pitchFamily="18" charset="0"/>
+              </a:rPr>
+              <a:t> </a:t>
+            </a:r>
+            <a:r>
+              <a:rPr lang="en-US" sz="6600" b="1" dirty="0" err="1">
+                <a:solidFill>
+                  <a:prstClr val="black"/>
+                </a:solidFill>
+                <a:effectLst>
+                  <a:glow rad="127000">
+                    <a:prstClr val="white"/>
+                  </a:glow>
+                </a:effectLst>
+                <a:latin typeface="VNI-Times" pitchFamily="2" charset="0"/>
+                <a:ea typeface="Times New Roman" pitchFamily="18" charset="0"/>
+                <a:cs typeface="Times New Roman" pitchFamily="18" charset="0"/>
+              </a:rPr>
+              <a:t>nhö</a:t>
+            </a:r>
+            <a:r>
+              <a:rPr lang="en-US" sz="6600" b="1" dirty="0">
+                <a:solidFill>
+                  <a:prstClr val="black"/>
+                </a:solidFill>
+                <a:effectLst>
+                  <a:glow rad="127000">
+                    <a:prstClr val="white"/>
+                  </a:glow>
+                </a:effectLst>
+                <a:latin typeface="VNI-Times" pitchFamily="2" charset="0"/>
+                <a:ea typeface="Times New Roman" pitchFamily="18" charset="0"/>
+                <a:cs typeface="Times New Roman" pitchFamily="18" charset="0"/>
+              </a:rPr>
+              <a:t> </a:t>
+            </a:r>
+            <a:r>
+              <a:rPr lang="en-US" sz="6600" b="1" dirty="0" err="1">
+                <a:solidFill>
+                  <a:prstClr val="black"/>
+                </a:solidFill>
+                <a:effectLst>
+                  <a:glow rad="127000">
+                    <a:prstClr val="white"/>
+                  </a:glow>
+                </a:effectLst>
+                <a:latin typeface="VNI-Times" pitchFamily="2" charset="0"/>
+                <a:ea typeface="Times New Roman" pitchFamily="18" charset="0"/>
+                <a:cs typeface="Times New Roman" pitchFamily="18" charset="0"/>
+              </a:rPr>
+              <a:t>muoán</a:t>
+            </a:r>
+            <a:r>
+              <a:rPr lang="en-US" sz="6600" b="1" dirty="0">
+                <a:solidFill>
+                  <a:prstClr val="black"/>
+                </a:solidFill>
+                <a:effectLst>
+                  <a:glow rad="127000">
+                    <a:prstClr val="white"/>
+                  </a:glow>
+                </a:effectLst>
+                <a:latin typeface="VNI-Times" pitchFamily="2" charset="0"/>
+                <a:ea typeface="Times New Roman" pitchFamily="18" charset="0"/>
+                <a:cs typeface="Times New Roman" pitchFamily="18" charset="0"/>
+              </a:rPr>
+              <a:t> </a:t>
+            </a:r>
+            <a:r>
+              <a:rPr lang="en-US" sz="6600" b="1" dirty="0" err="1">
+                <a:solidFill>
+                  <a:prstClr val="black"/>
+                </a:solidFill>
+                <a:effectLst>
+                  <a:glow rad="127000">
+                    <a:prstClr val="white"/>
+                  </a:glow>
+                </a:effectLst>
+                <a:latin typeface="VNI-Times" pitchFamily="2" charset="0"/>
+                <a:ea typeface="Times New Roman" pitchFamily="18" charset="0"/>
+                <a:cs typeface="Times New Roman" pitchFamily="18" charset="0"/>
+              </a:rPr>
+              <a:t>chuùc</a:t>
+            </a:r>
+            <a:r>
+              <a:rPr lang="en-US" sz="6600" b="1" dirty="0">
+                <a:solidFill>
+                  <a:prstClr val="black"/>
+                </a:solidFill>
+                <a:effectLst>
+                  <a:glow rad="127000">
+                    <a:prstClr val="white"/>
+                  </a:glow>
+                </a:effectLst>
+                <a:latin typeface="VNI-Times" pitchFamily="2" charset="0"/>
+                <a:ea typeface="Times New Roman" pitchFamily="18" charset="0"/>
+                <a:cs typeface="Times New Roman" pitchFamily="18" charset="0"/>
+              </a:rPr>
+              <a:t> </a:t>
+            </a:r>
+            <a:r>
+              <a:rPr lang="en-US" sz="6600" b="1" dirty="0" err="1">
+                <a:solidFill>
+                  <a:prstClr val="black"/>
+                </a:solidFill>
+                <a:effectLst>
+                  <a:glow rad="127000">
+                    <a:prstClr val="white"/>
+                  </a:glow>
+                </a:effectLst>
+                <a:latin typeface="VNI-Times" pitchFamily="2" charset="0"/>
+                <a:ea typeface="Times New Roman" pitchFamily="18" charset="0"/>
+                <a:cs typeface="Times New Roman" pitchFamily="18" charset="0"/>
+              </a:rPr>
+              <a:t>toân</a:t>
+            </a:r>
+            <a:r>
+              <a:rPr lang="en-US" sz="6600" b="1" dirty="0">
+                <a:solidFill>
+                  <a:prstClr val="black"/>
+                </a:solidFill>
+                <a:effectLst>
+                  <a:glow rad="127000">
+                    <a:prstClr val="white"/>
+                  </a:glow>
+                </a:effectLst>
+                <a:latin typeface="VNI-Times" pitchFamily="2" charset="0"/>
+                <a:ea typeface="Times New Roman" pitchFamily="18" charset="0"/>
+                <a:cs typeface="Times New Roman" pitchFamily="18" charset="0"/>
+              </a:rPr>
+              <a:t> </a:t>
+            </a:r>
+            <a:r>
+              <a:rPr lang="en-US" sz="6600" b="1" dirty="0" err="1">
+                <a:solidFill>
+                  <a:prstClr val="black"/>
+                </a:solidFill>
+                <a:effectLst>
+                  <a:glow rad="127000">
+                    <a:prstClr val="white"/>
+                  </a:glow>
+                </a:effectLst>
+                <a:latin typeface="VNI-Times" pitchFamily="2" charset="0"/>
+                <a:ea typeface="Times New Roman" pitchFamily="18" charset="0"/>
+                <a:cs typeface="Times New Roman" pitchFamily="18" charset="0"/>
+              </a:rPr>
+              <a:t>Ngaøi</a:t>
+            </a:r>
+            <a:r>
+              <a:rPr lang="en-US" sz="6600" b="1" dirty="0">
+                <a:solidFill>
+                  <a:prstClr val="black"/>
+                </a:solidFill>
+                <a:effectLst>
+                  <a:glow rad="127000">
+                    <a:prstClr val="white"/>
+                  </a:glow>
+                </a:effectLst>
+                <a:latin typeface="VNI-Times" pitchFamily="2" charset="0"/>
+                <a:ea typeface="Times New Roman" pitchFamily="18" charset="0"/>
+                <a:cs typeface="Times New Roman" pitchFamily="18" charset="0"/>
+              </a:rPr>
+              <a:t>: Ha-</a:t>
+            </a:r>
+            <a:r>
+              <a:rPr lang="en-US" sz="6600" b="1" dirty="0" err="1">
+                <a:solidFill>
+                  <a:prstClr val="black"/>
+                </a:solidFill>
+                <a:effectLst>
+                  <a:glow rad="127000">
+                    <a:prstClr val="white"/>
+                  </a:glow>
+                </a:effectLst>
+                <a:latin typeface="VNI-Times" pitchFamily="2" charset="0"/>
+                <a:ea typeface="Times New Roman" pitchFamily="18" charset="0"/>
+                <a:cs typeface="Times New Roman" pitchFamily="18" charset="0"/>
+              </a:rPr>
+              <a:t>leâ</a:t>
+            </a:r>
+            <a:r>
+              <a:rPr lang="en-US" sz="6600" b="1" dirty="0">
+                <a:solidFill>
+                  <a:prstClr val="black"/>
+                </a:solidFill>
+                <a:effectLst>
+                  <a:glow rad="127000">
+                    <a:prstClr val="white"/>
+                  </a:glow>
+                </a:effectLst>
+                <a:latin typeface="VNI-Times" pitchFamily="2" charset="0"/>
+                <a:ea typeface="Times New Roman" pitchFamily="18" charset="0"/>
+                <a:cs typeface="Times New Roman" pitchFamily="18" charset="0"/>
+              </a:rPr>
+              <a:t>-</a:t>
+            </a:r>
+            <a:r>
+              <a:rPr lang="en-US" sz="6600" b="1" dirty="0" err="1">
+                <a:solidFill>
+                  <a:prstClr val="black"/>
+                </a:solidFill>
+                <a:effectLst>
+                  <a:glow rad="127000">
+                    <a:prstClr val="white"/>
+                  </a:glow>
+                </a:effectLst>
+                <a:latin typeface="VNI-Times" pitchFamily="2" charset="0"/>
+                <a:ea typeface="Times New Roman" pitchFamily="18" charset="0"/>
+                <a:cs typeface="Times New Roman" pitchFamily="18" charset="0"/>
+              </a:rPr>
+              <a:t>lu-gia</a:t>
+            </a:r>
+            <a:r>
+              <a:rPr lang="en-US" sz="6600" b="1" dirty="0">
+                <a:solidFill>
+                  <a:prstClr val="black"/>
+                </a:solidFill>
+                <a:effectLst>
+                  <a:glow rad="127000">
+                    <a:prstClr val="white"/>
+                  </a:glow>
+                </a:effectLst>
+                <a:latin typeface="VNI-Times" pitchFamily="2" charset="0"/>
                 <a:ea typeface="Times New Roman" pitchFamily="18" charset="0"/>
                 <a:cs typeface="Times New Roman" pitchFamily="18" charset="0"/>
               </a:rPr>
               <a:t>!</a:t>
             </a:r>
-            <a:r>
-              <a:rPr lang="en-US" sz="6600" b="1" smtClean="0">
-                <a:solidFill>
-                  <a:prstClr val="black"/>
-                </a:solidFill>
-                <a:effectLst>
-                  <a:glow rad="127000">
-                    <a:prstClr val="white"/>
-                  </a:glow>
-                </a:effectLst>
-                <a:latin typeface="VNI-Aptima" pitchFamily="2" charset="0"/>
-                <a:ea typeface="Times New Roman" pitchFamily="18" charset="0"/>
-                <a:cs typeface="Times New Roman" pitchFamily="18" charset="0"/>
-              </a:rPr>
-              <a:t/>
-            </a:r>
             <a:br>
-              <a:rPr lang="en-US" sz="6600" b="1" smtClean="0">
-                <a:solidFill>
-                  <a:prstClr val="black"/>
-                </a:solidFill>
-                <a:effectLst>
-                  <a:glow rad="127000">
-                    <a:prstClr val="white"/>
-                  </a:glow>
-                </a:effectLst>
-                <a:latin typeface="VNI-Aptima" pitchFamily="2" charset="0"/>
+              <a:rPr lang="en-US" sz="6600" b="1" dirty="0">
+                <a:solidFill>
+                  <a:prstClr val="black"/>
+                </a:solidFill>
+                <a:effectLst>
+                  <a:glow rad="127000">
+                    <a:prstClr val="white"/>
+                  </a:glow>
+                </a:effectLst>
+                <a:latin typeface="VNI-Times" pitchFamily="2" charset="0"/>
                 <a:ea typeface="Times New Roman" pitchFamily="18" charset="0"/>
                 <a:cs typeface="Times New Roman" pitchFamily="18" charset="0"/>
               </a:rPr>
             </a:br>
             <a:r>
-              <a:rPr lang="en-US" sz="6600" b="1" smtClean="0">
-                <a:solidFill>
-                  <a:prstClr val="black"/>
-                </a:solidFill>
-                <a:effectLst>
-                  <a:glow rad="127000">
-                    <a:prstClr val="white"/>
-                  </a:glow>
-                </a:effectLst>
-                <a:latin typeface="VNI-Aptima" pitchFamily="2" charset="0"/>
+              <a:rPr lang="en-US" sz="6600" b="1" dirty="0">
+                <a:solidFill>
+                  <a:prstClr val="black"/>
+                </a:solidFill>
+                <a:effectLst>
+                  <a:glow rad="127000">
+                    <a:prstClr val="white"/>
+                  </a:glow>
+                </a:effectLst>
+                <a:latin typeface="VNI-Times" pitchFamily="2" charset="0"/>
                 <a:ea typeface="Times New Roman" pitchFamily="18" charset="0"/>
                 <a:cs typeface="Times New Roman" pitchFamily="18" charset="0"/>
               </a:rPr>
               <a:t>Ca </a:t>
             </a:r>
             <a:r>
-              <a:rPr lang="en-US" sz="6600" b="1">
-                <a:solidFill>
-                  <a:prstClr val="black"/>
-                </a:solidFill>
-                <a:effectLst>
-                  <a:glow rad="127000">
-                    <a:prstClr val="white"/>
-                  </a:glow>
-                </a:effectLst>
-                <a:latin typeface="VNI-Aptima" pitchFamily="2" charset="0"/>
-                <a:ea typeface="Times New Roman" pitchFamily="18" charset="0"/>
-                <a:cs typeface="Times New Roman" pitchFamily="18" charset="0"/>
-              </a:rPr>
-              <a:t>khen </a:t>
-            </a:r>
-            <a:r>
-              <a:rPr lang="en-US" sz="6600" b="1" smtClean="0">
-                <a:solidFill>
-                  <a:prstClr val="black"/>
-                </a:solidFill>
-                <a:effectLst>
-                  <a:glow rad="127000">
-                    <a:prstClr val="white"/>
-                  </a:glow>
-                </a:effectLst>
-                <a:latin typeface="VNI-Aptima" pitchFamily="2" charset="0"/>
+              <a:rPr lang="en-US" sz="6600" b="1" dirty="0" err="1">
+                <a:solidFill>
+                  <a:prstClr val="black"/>
+                </a:solidFill>
+                <a:effectLst>
+                  <a:glow rad="127000">
+                    <a:prstClr val="white"/>
+                  </a:glow>
+                </a:effectLst>
+                <a:latin typeface="VNI-Times" pitchFamily="2" charset="0"/>
+                <a:ea typeface="Times New Roman" pitchFamily="18" charset="0"/>
+                <a:cs typeface="Times New Roman" pitchFamily="18" charset="0"/>
+              </a:rPr>
+              <a:t>khen</a:t>
+            </a:r>
+            <a:r>
+              <a:rPr lang="en-US" sz="6600" b="1" dirty="0">
+                <a:solidFill>
+                  <a:prstClr val="black"/>
+                </a:solidFill>
+                <a:effectLst>
+                  <a:glow rad="127000">
+                    <a:prstClr val="white"/>
+                  </a:glow>
+                </a:effectLst>
+                <a:latin typeface="VNI-Times" pitchFamily="2" charset="0"/>
+                <a:ea typeface="Times New Roman" pitchFamily="18" charset="0"/>
+                <a:cs typeface="Times New Roman" pitchFamily="18" charset="0"/>
+              </a:rPr>
+              <a:t> </a:t>
+            </a:r>
+            <a:r>
+              <a:rPr lang="en-US" sz="6600" b="1" dirty="0" err="1">
+                <a:solidFill>
+                  <a:prstClr val="black"/>
+                </a:solidFill>
+                <a:effectLst>
+                  <a:glow rad="127000">
+                    <a:prstClr val="white"/>
+                  </a:glow>
+                </a:effectLst>
+                <a:latin typeface="VNI-Times" pitchFamily="2" charset="0"/>
                 <a:ea typeface="Times New Roman" pitchFamily="18" charset="0"/>
                 <a:cs typeface="Times New Roman" pitchFamily="18" charset="0"/>
               </a:rPr>
               <a:t>Chuùa</a:t>
             </a:r>
             <a:r>
-              <a:rPr lang="en-US" sz="6600" b="1">
-                <a:solidFill>
-                  <a:prstClr val="black"/>
-                </a:solidFill>
-                <a:effectLst>
-                  <a:glow rad="127000">
-                    <a:prstClr val="white"/>
-                  </a:glow>
-                </a:effectLst>
-                <a:latin typeface="VNI-Aptima" pitchFamily="2" charset="0"/>
+              <a:rPr lang="en-US" sz="6600" b="1" dirty="0">
+                <a:solidFill>
+                  <a:prstClr val="black"/>
+                </a:solidFill>
+                <a:effectLst>
+                  <a:glow rad="127000">
+                    <a:prstClr val="white"/>
+                  </a:glow>
+                </a:effectLst>
+                <a:latin typeface="VNI-Times" pitchFamily="2" charset="0"/>
                 <a:ea typeface="Times New Roman" pitchFamily="18" charset="0"/>
                 <a:cs typeface="Times New Roman" pitchFamily="18" charset="0"/>
               </a:rPr>
               <a:t>!</a:t>
             </a:r>
-            <a:endParaRPr lang="en-US" sz="6600" b="1">
-              <a:solidFill>
-                <a:prstClr val="black"/>
-              </a:solidFill>
-              <a:effectLst>
-                <a:glow rad="127000">
-                  <a:prstClr val="white"/>
-                </a:glow>
-              </a:effectLst>
-              <a:latin typeface="VNI-Aptima" pitchFamily="2" charset="0"/>
-              <a:ea typeface="Times New Roman" pitchFamily="18" charset="0"/>
-              <a:cs typeface="Times New Roman" pitchFamily="18" charset="0"/>
-            </a:endParaRPr>
           </a:p>
         </p:txBody>
       </p:sp>
@@ -4237,7 +5642,7 @@
           <a:p>
             <a:pPr algn="ctr"/>
             <a:r>
-              <a:rPr lang="en-US" sz="4000" b="1" spc="-150" smtClean="0">
+              <a:rPr lang="en-US" sz="4000" b="1" spc="-150" dirty="0">
                 <a:ln w="11430"/>
                 <a:solidFill>
                   <a:srgbClr val="FFFF00"/>
@@ -4252,27 +5657,10 @@
                     </a:srgbClr>
                   </a:outerShdw>
                 </a:effectLst>
-                <a:latin typeface="HP-Bank" panose="020B0603050302020204" pitchFamily="34" charset="0"/>
+                <a:latin typeface="VNI-Times" pitchFamily="2" charset="0"/>
               </a:rPr>
               <a:t>DAÂNG CHUÙA LÔØI NGÔÏI CA</a:t>
             </a:r>
-            <a:endParaRPr lang="en-US" sz="4000" b="1" spc="-150">
-              <a:ln w="11430"/>
-              <a:solidFill>
-                <a:srgbClr val="FFFF00"/>
-              </a:solidFill>
-              <a:effectLst>
-                <a:glow rad="127000">
-                  <a:prstClr val="black"/>
-                </a:glow>
-                <a:outerShdw blurRad="50800" dist="39000" dir="5460000" algn="tl">
-                  <a:srgbClr val="000000">
-                    <a:alpha val="38000"/>
-                  </a:srgbClr>
-                </a:outerShdw>
-              </a:effectLst>
-              <a:latin typeface="HP-Bank" panose="020B0603050302020204" pitchFamily="34" charset="0"/>
-            </a:endParaRPr>
           </a:p>
         </p:txBody>
       </p:sp>
@@ -4349,208 +5737,323 @@
               </a:spcAft>
             </a:pPr>
             <a:r>
-              <a:rPr lang="en-US" sz="6600" b="1">
-                <a:solidFill>
-                  <a:prstClr val="black"/>
-                </a:solidFill>
-                <a:effectLst>
-                  <a:glow rad="127000">
-                    <a:prstClr val="white"/>
-                  </a:glow>
-                </a:effectLst>
-                <a:latin typeface="VNI-Aptima" pitchFamily="2" charset="0"/>
-                <a:ea typeface="Times New Roman" pitchFamily="18" charset="0"/>
-                <a:cs typeface="Times New Roman" pitchFamily="18" charset="0"/>
-              </a:rPr>
-              <a:t>Toân vinh </a:t>
-            </a:r>
-            <a:r>
-              <a:rPr lang="en-US" sz="6600" b="1">
-                <a:solidFill>
-                  <a:prstClr val="black"/>
-                </a:solidFill>
-                <a:effectLst>
-                  <a:glow rad="127000">
-                    <a:prstClr val="white"/>
-                  </a:glow>
-                </a:effectLst>
-                <a:latin typeface="VNI-Aptima" pitchFamily="2" charset="0"/>
-                <a:ea typeface="Times New Roman" pitchFamily="18" charset="0"/>
-                <a:cs typeface="Times New Roman" pitchFamily="18" charset="0"/>
-              </a:rPr>
-              <a:t>Jeâsus </a:t>
-            </a:r>
-            <a:r>
-              <a:rPr lang="en-US" sz="6600" b="1" smtClean="0">
-                <a:solidFill>
-                  <a:prstClr val="black"/>
-                </a:solidFill>
-                <a:effectLst>
-                  <a:glow rad="127000">
-                    <a:prstClr val="white"/>
-                  </a:glow>
-                </a:effectLst>
-                <a:latin typeface="VNI-Aptima" pitchFamily="2" charset="0"/>
-                <a:ea typeface="Times New Roman" pitchFamily="18" charset="0"/>
-                <a:cs typeface="Times New Roman" pitchFamily="18" charset="0"/>
-              </a:rPr>
-              <a:t/>
+              <a:rPr lang="en-US" sz="6600" b="1" dirty="0" err="1">
+                <a:solidFill>
+                  <a:prstClr val="black"/>
+                </a:solidFill>
+                <a:effectLst>
+                  <a:glow rad="127000">
+                    <a:prstClr val="white"/>
+                  </a:glow>
+                </a:effectLst>
+                <a:latin typeface="VNI-Times" pitchFamily="2" charset="0"/>
+                <a:ea typeface="Times New Roman" pitchFamily="18" charset="0"/>
+                <a:cs typeface="Times New Roman" pitchFamily="18" charset="0"/>
+              </a:rPr>
+              <a:t>Toân</a:t>
+            </a:r>
+            <a:r>
+              <a:rPr lang="en-US" sz="6600" b="1" dirty="0">
+                <a:solidFill>
+                  <a:prstClr val="black"/>
+                </a:solidFill>
+                <a:effectLst>
+                  <a:glow rad="127000">
+                    <a:prstClr val="white"/>
+                  </a:glow>
+                </a:effectLst>
+                <a:latin typeface="VNI-Times" pitchFamily="2" charset="0"/>
+                <a:ea typeface="Times New Roman" pitchFamily="18" charset="0"/>
+                <a:cs typeface="Times New Roman" pitchFamily="18" charset="0"/>
+              </a:rPr>
+              <a:t> </a:t>
+            </a:r>
+            <a:r>
+              <a:rPr lang="en-US" sz="6600" b="1" dirty="0" err="1">
+                <a:solidFill>
+                  <a:prstClr val="black"/>
+                </a:solidFill>
+                <a:effectLst>
+                  <a:glow rad="127000">
+                    <a:prstClr val="white"/>
+                  </a:glow>
+                </a:effectLst>
+                <a:latin typeface="VNI-Times" pitchFamily="2" charset="0"/>
+                <a:ea typeface="Times New Roman" pitchFamily="18" charset="0"/>
+                <a:cs typeface="Times New Roman" pitchFamily="18" charset="0"/>
+              </a:rPr>
+              <a:t>vinh</a:t>
+            </a:r>
+            <a:r>
+              <a:rPr lang="en-US" sz="6600" b="1" dirty="0">
+                <a:solidFill>
+                  <a:prstClr val="black"/>
+                </a:solidFill>
+                <a:effectLst>
+                  <a:glow rad="127000">
+                    <a:prstClr val="white"/>
+                  </a:glow>
+                </a:effectLst>
+                <a:latin typeface="VNI-Times" pitchFamily="2" charset="0"/>
+                <a:ea typeface="Times New Roman" pitchFamily="18" charset="0"/>
+                <a:cs typeface="Times New Roman" pitchFamily="18" charset="0"/>
+              </a:rPr>
+              <a:t> </a:t>
+            </a:r>
+            <a:r>
+              <a:rPr lang="en-US" sz="6600" b="1" dirty="0" err="1">
+                <a:solidFill>
+                  <a:prstClr val="black"/>
+                </a:solidFill>
+                <a:effectLst>
+                  <a:glow rad="127000">
+                    <a:prstClr val="white"/>
+                  </a:glow>
+                </a:effectLst>
+                <a:latin typeface="VNI-Times" pitchFamily="2" charset="0"/>
+                <a:ea typeface="Times New Roman" pitchFamily="18" charset="0"/>
+                <a:cs typeface="Times New Roman" pitchFamily="18" charset="0"/>
+              </a:rPr>
+              <a:t>Jeâsus</a:t>
+            </a:r>
+            <a:r>
+              <a:rPr lang="en-US" sz="6600" b="1" dirty="0">
+                <a:solidFill>
+                  <a:prstClr val="black"/>
+                </a:solidFill>
+                <a:effectLst>
+                  <a:glow rad="127000">
+                    <a:prstClr val="white"/>
+                  </a:glow>
+                </a:effectLst>
+                <a:latin typeface="VNI-Times" pitchFamily="2" charset="0"/>
+                <a:ea typeface="Times New Roman" pitchFamily="18" charset="0"/>
+                <a:cs typeface="Times New Roman" pitchFamily="18" charset="0"/>
+              </a:rPr>
+              <a:t> </a:t>
             </a:r>
             <a:br>
-              <a:rPr lang="en-US" sz="6600" b="1" smtClean="0">
-                <a:solidFill>
-                  <a:prstClr val="black"/>
-                </a:solidFill>
-                <a:effectLst>
-                  <a:glow rad="127000">
-                    <a:prstClr val="white"/>
-                  </a:glow>
-                </a:effectLst>
-                <a:latin typeface="VNI-Aptima" pitchFamily="2" charset="0"/>
+              <a:rPr lang="en-US" sz="6600" b="1" dirty="0">
+                <a:solidFill>
+                  <a:prstClr val="black"/>
+                </a:solidFill>
+                <a:effectLst>
+                  <a:glow rad="127000">
+                    <a:prstClr val="white"/>
+                  </a:glow>
+                </a:effectLst>
+                <a:latin typeface="VNI-Times" pitchFamily="2" charset="0"/>
                 <a:ea typeface="Times New Roman" pitchFamily="18" charset="0"/>
                 <a:cs typeface="Times New Roman" pitchFamily="18" charset="0"/>
               </a:rPr>
             </a:br>
             <a:r>
-              <a:rPr lang="en-US" sz="6600" b="1" smtClean="0">
-                <a:solidFill>
-                  <a:prstClr val="black"/>
-                </a:solidFill>
-                <a:effectLst>
-                  <a:glow rad="127000">
-                    <a:prstClr val="white"/>
-                  </a:glow>
-                </a:effectLst>
-                <a:latin typeface="VNI-Aptima" pitchFamily="2" charset="0"/>
-                <a:ea typeface="Times New Roman" pitchFamily="18" charset="0"/>
-                <a:cs typeface="Times New Roman" pitchFamily="18" charset="0"/>
-              </a:rPr>
-              <a:t>Chuùa </a:t>
-            </a:r>
-            <a:r>
-              <a:rPr lang="en-US" sz="6600" b="1">
-                <a:solidFill>
-                  <a:prstClr val="black"/>
-                </a:solidFill>
-                <a:effectLst>
-                  <a:glow rad="127000">
-                    <a:prstClr val="white"/>
-                  </a:glow>
-                </a:effectLst>
-                <a:latin typeface="VNI-Aptima" pitchFamily="2" charset="0"/>
-                <a:ea typeface="Times New Roman" pitchFamily="18" charset="0"/>
-                <a:cs typeface="Times New Roman" pitchFamily="18" charset="0"/>
-              </a:rPr>
-              <a:t>taïo </a:t>
-            </a:r>
-            <a:r>
-              <a:rPr lang="en-US" sz="6600" b="1">
-                <a:solidFill>
-                  <a:prstClr val="black"/>
-                </a:solidFill>
-                <a:effectLst>
-                  <a:glow rad="127000">
-                    <a:prstClr val="white"/>
-                  </a:glow>
-                </a:effectLst>
-                <a:latin typeface="VNI-Aptima" pitchFamily="2" charset="0"/>
-                <a:ea typeface="Times New Roman" pitchFamily="18" charset="0"/>
-                <a:cs typeface="Times New Roman" pitchFamily="18" charset="0"/>
-              </a:rPr>
-              <a:t>hoùa </a:t>
-            </a:r>
-            <a:r>
-              <a:rPr lang="en-US" sz="6600" b="1" smtClean="0">
-                <a:solidFill>
-                  <a:prstClr val="black"/>
-                </a:solidFill>
-                <a:effectLst>
-                  <a:glow rad="127000">
-                    <a:prstClr val="white"/>
-                  </a:glow>
-                </a:effectLst>
-                <a:latin typeface="VNI-Aptima" pitchFamily="2" charset="0"/>
-                <a:ea typeface="Times New Roman" pitchFamily="18" charset="0"/>
-                <a:cs typeface="Times New Roman" pitchFamily="18" charset="0"/>
-              </a:rPr>
-              <a:t/>
+              <a:rPr lang="en-US" sz="6600" b="1" dirty="0" err="1">
+                <a:solidFill>
+                  <a:prstClr val="black"/>
+                </a:solidFill>
+                <a:effectLst>
+                  <a:glow rad="127000">
+                    <a:prstClr val="white"/>
+                  </a:glow>
+                </a:effectLst>
+                <a:latin typeface="VNI-Times" pitchFamily="2" charset="0"/>
+                <a:ea typeface="Times New Roman" pitchFamily="18" charset="0"/>
+                <a:cs typeface="Times New Roman" pitchFamily="18" charset="0"/>
+              </a:rPr>
+              <a:t>Chuùa</a:t>
+            </a:r>
+            <a:r>
+              <a:rPr lang="en-US" sz="6600" b="1" dirty="0">
+                <a:solidFill>
+                  <a:prstClr val="black"/>
+                </a:solidFill>
+                <a:effectLst>
+                  <a:glow rad="127000">
+                    <a:prstClr val="white"/>
+                  </a:glow>
+                </a:effectLst>
+                <a:latin typeface="VNI-Times" pitchFamily="2" charset="0"/>
+                <a:ea typeface="Times New Roman" pitchFamily="18" charset="0"/>
+                <a:cs typeface="Times New Roman" pitchFamily="18" charset="0"/>
+              </a:rPr>
+              <a:t> </a:t>
+            </a:r>
+            <a:r>
+              <a:rPr lang="en-US" sz="6600" b="1" dirty="0" err="1">
+                <a:solidFill>
+                  <a:prstClr val="black"/>
+                </a:solidFill>
+                <a:effectLst>
+                  <a:glow rad="127000">
+                    <a:prstClr val="white"/>
+                  </a:glow>
+                </a:effectLst>
+                <a:latin typeface="VNI-Times" pitchFamily="2" charset="0"/>
+                <a:ea typeface="Times New Roman" pitchFamily="18" charset="0"/>
+                <a:cs typeface="Times New Roman" pitchFamily="18" charset="0"/>
+              </a:rPr>
+              <a:t>taïo</a:t>
+            </a:r>
+            <a:r>
+              <a:rPr lang="en-US" sz="6600" b="1" dirty="0">
+                <a:solidFill>
+                  <a:prstClr val="black"/>
+                </a:solidFill>
+                <a:effectLst>
+                  <a:glow rad="127000">
+                    <a:prstClr val="white"/>
+                  </a:glow>
+                </a:effectLst>
+                <a:latin typeface="VNI-Times" pitchFamily="2" charset="0"/>
+                <a:ea typeface="Times New Roman" pitchFamily="18" charset="0"/>
+                <a:cs typeface="Times New Roman" pitchFamily="18" charset="0"/>
+              </a:rPr>
+              <a:t> </a:t>
+            </a:r>
+            <a:r>
+              <a:rPr lang="en-US" sz="6600" b="1" dirty="0" err="1">
+                <a:solidFill>
+                  <a:prstClr val="black"/>
+                </a:solidFill>
+                <a:effectLst>
+                  <a:glow rad="127000">
+                    <a:prstClr val="white"/>
+                  </a:glow>
+                </a:effectLst>
+                <a:latin typeface="VNI-Times" pitchFamily="2" charset="0"/>
+                <a:ea typeface="Times New Roman" pitchFamily="18" charset="0"/>
+                <a:cs typeface="Times New Roman" pitchFamily="18" charset="0"/>
+              </a:rPr>
+              <a:t>hoùa</a:t>
+            </a:r>
+            <a:r>
+              <a:rPr lang="en-US" sz="6600" b="1" dirty="0">
+                <a:solidFill>
+                  <a:prstClr val="black"/>
+                </a:solidFill>
+                <a:effectLst>
+                  <a:glow rad="127000">
+                    <a:prstClr val="white"/>
+                  </a:glow>
+                </a:effectLst>
+                <a:latin typeface="VNI-Times" pitchFamily="2" charset="0"/>
+                <a:ea typeface="Times New Roman" pitchFamily="18" charset="0"/>
+                <a:cs typeface="Times New Roman" pitchFamily="18" charset="0"/>
+              </a:rPr>
+              <a:t> </a:t>
             </a:r>
             <a:br>
-              <a:rPr lang="en-US" sz="6600" b="1" smtClean="0">
-                <a:solidFill>
-                  <a:prstClr val="black"/>
-                </a:solidFill>
-                <a:effectLst>
-                  <a:glow rad="127000">
-                    <a:prstClr val="white"/>
-                  </a:glow>
-                </a:effectLst>
-                <a:latin typeface="VNI-Aptima" pitchFamily="2" charset="0"/>
+              <a:rPr lang="en-US" sz="6600" b="1" dirty="0">
+                <a:solidFill>
+                  <a:prstClr val="black"/>
+                </a:solidFill>
+                <a:effectLst>
+                  <a:glow rad="127000">
+                    <a:prstClr val="white"/>
+                  </a:glow>
+                </a:effectLst>
+                <a:latin typeface="VNI-Times" pitchFamily="2" charset="0"/>
                 <a:ea typeface="Times New Roman" pitchFamily="18" charset="0"/>
                 <a:cs typeface="Times New Roman" pitchFamily="18" charset="0"/>
               </a:rPr>
             </a:br>
             <a:r>
-              <a:rPr lang="en-US" sz="6600" b="1" smtClean="0">
-                <a:solidFill>
-                  <a:prstClr val="black"/>
-                </a:solidFill>
-                <a:effectLst>
-                  <a:glow rad="127000">
-                    <a:prstClr val="white"/>
-                  </a:glow>
-                </a:effectLst>
-                <a:latin typeface="VNI-Aptima" pitchFamily="2" charset="0"/>
-                <a:ea typeface="Times New Roman" pitchFamily="18" charset="0"/>
-                <a:cs typeface="Times New Roman" pitchFamily="18" charset="0"/>
-              </a:rPr>
-              <a:t>Ñaáng </a:t>
-            </a:r>
-            <a:r>
-              <a:rPr lang="en-US" sz="6600" b="1">
-                <a:solidFill>
-                  <a:prstClr val="black"/>
-                </a:solidFill>
-                <a:effectLst>
-                  <a:glow rad="127000">
-                    <a:prstClr val="white"/>
-                  </a:glow>
-                </a:effectLst>
-                <a:latin typeface="VNI-Aptima" pitchFamily="2" charset="0"/>
-                <a:ea typeface="Times New Roman" pitchFamily="18" charset="0"/>
-                <a:cs typeface="Times New Roman" pitchFamily="18" charset="0"/>
-              </a:rPr>
-              <a:t>Cöùu chuoäc</a:t>
-            </a:r>
-            <a:r>
-              <a:rPr lang="en-US" sz="6600" b="1">
-                <a:solidFill>
-                  <a:prstClr val="black"/>
-                </a:solidFill>
-                <a:effectLst>
-                  <a:glow rad="127000">
-                    <a:prstClr val="white"/>
-                  </a:glow>
-                </a:effectLst>
-                <a:latin typeface="VNI-Aptima" pitchFamily="2" charset="0"/>
+              <a:rPr lang="en-US" sz="6600" b="1" dirty="0" err="1">
+                <a:solidFill>
+                  <a:prstClr val="black"/>
+                </a:solidFill>
+                <a:effectLst>
+                  <a:glow rad="127000">
+                    <a:prstClr val="white"/>
+                  </a:glow>
+                </a:effectLst>
+                <a:latin typeface="VNI-Times" pitchFamily="2" charset="0"/>
+                <a:ea typeface="Times New Roman" pitchFamily="18" charset="0"/>
+                <a:cs typeface="Times New Roman" pitchFamily="18" charset="0"/>
+              </a:rPr>
+              <a:t>Ñaáng</a:t>
+            </a:r>
+            <a:r>
+              <a:rPr lang="en-US" sz="6600" b="1" dirty="0">
+                <a:solidFill>
+                  <a:prstClr val="black"/>
+                </a:solidFill>
+                <a:effectLst>
+                  <a:glow rad="127000">
+                    <a:prstClr val="white"/>
+                  </a:glow>
+                </a:effectLst>
+                <a:latin typeface="VNI-Times" pitchFamily="2" charset="0"/>
+                <a:ea typeface="Times New Roman" pitchFamily="18" charset="0"/>
+                <a:cs typeface="Times New Roman" pitchFamily="18" charset="0"/>
+              </a:rPr>
+              <a:t> </a:t>
+            </a:r>
+            <a:r>
+              <a:rPr lang="en-US" sz="6600" b="1" dirty="0" err="1">
+                <a:solidFill>
+                  <a:prstClr val="black"/>
+                </a:solidFill>
+                <a:effectLst>
+                  <a:glow rad="127000">
+                    <a:prstClr val="white"/>
+                  </a:glow>
+                </a:effectLst>
+                <a:latin typeface="VNI-Times" pitchFamily="2" charset="0"/>
+                <a:ea typeface="Times New Roman" pitchFamily="18" charset="0"/>
+                <a:cs typeface="Times New Roman" pitchFamily="18" charset="0"/>
+              </a:rPr>
+              <a:t>Cöùu</a:t>
+            </a:r>
+            <a:r>
+              <a:rPr lang="en-US" sz="6600" b="1" dirty="0">
+                <a:solidFill>
+                  <a:prstClr val="black"/>
+                </a:solidFill>
+                <a:effectLst>
+                  <a:glow rad="127000">
+                    <a:prstClr val="white"/>
+                  </a:glow>
+                </a:effectLst>
+                <a:latin typeface="VNI-Times" pitchFamily="2" charset="0"/>
+                <a:ea typeface="Times New Roman" pitchFamily="18" charset="0"/>
+                <a:cs typeface="Times New Roman" pitchFamily="18" charset="0"/>
+              </a:rPr>
+              <a:t> </a:t>
+            </a:r>
+            <a:r>
+              <a:rPr lang="en-US" sz="6600" b="1" dirty="0" err="1">
+                <a:solidFill>
+                  <a:prstClr val="black"/>
+                </a:solidFill>
+                <a:effectLst>
+                  <a:glow rad="127000">
+                    <a:prstClr val="white"/>
+                  </a:glow>
+                </a:effectLst>
+                <a:latin typeface="VNI-Times" pitchFamily="2" charset="0"/>
+                <a:ea typeface="Times New Roman" pitchFamily="18" charset="0"/>
+                <a:cs typeface="Times New Roman" pitchFamily="18" charset="0"/>
+              </a:rPr>
+              <a:t>chuoäc</a:t>
+            </a:r>
+            <a:r>
+              <a:rPr lang="en-US" sz="6600" b="1" dirty="0">
+                <a:solidFill>
+                  <a:prstClr val="black"/>
+                </a:solidFill>
+                <a:effectLst>
+                  <a:glow rad="127000">
+                    <a:prstClr val="white"/>
+                  </a:glow>
+                </a:effectLst>
+                <a:latin typeface="VNI-Times" pitchFamily="2" charset="0"/>
                 <a:ea typeface="Times New Roman" pitchFamily="18" charset="0"/>
                 <a:cs typeface="Times New Roman" pitchFamily="18" charset="0"/>
               </a:rPr>
               <a:t>. </a:t>
             </a:r>
-            <a:endParaRPr lang="en-US" sz="6600" b="1">
-              <a:solidFill>
-                <a:prstClr val="black"/>
-              </a:solidFill>
-              <a:effectLst>
-                <a:glow rad="127000">
-                  <a:prstClr val="white"/>
-                </a:glow>
-              </a:effectLst>
-              <a:latin typeface="VNI-Aptima" pitchFamily="2" charset="0"/>
-              <a:ea typeface="Times New Roman" pitchFamily="18" charset="0"/>
-              <a:cs typeface="Times New Roman" pitchFamily="18" charset="0"/>
-            </a:endParaRPr>
           </a:p>
         </p:txBody>
       </p:sp>
@@ -4578,7 +6081,7 @@
           <a:p>
             <a:pPr algn="ctr"/>
             <a:r>
-              <a:rPr lang="en-US" sz="4000" b="1" spc="-150" smtClean="0">
+              <a:rPr lang="en-US" sz="4000" b="1" spc="-150" dirty="0">
                 <a:ln w="11430"/>
                 <a:solidFill>
                   <a:srgbClr val="FFFF00"/>
@@ -4593,27 +6096,10 @@
                     </a:srgbClr>
                   </a:outerShdw>
                 </a:effectLst>
-                <a:latin typeface="HP-Bank" panose="020B0603050302020204" pitchFamily="34" charset="0"/>
+                <a:latin typeface="VNI-Times" pitchFamily="2" charset="0"/>
               </a:rPr>
               <a:t>DAÂNG CHUÙA LÔØI NGÔÏI CA</a:t>
             </a:r>
-            <a:endParaRPr lang="en-US" sz="4000" b="1" spc="-150">
-              <a:ln w="11430"/>
-              <a:solidFill>
-                <a:srgbClr val="FFFF00"/>
-              </a:solidFill>
-              <a:effectLst>
-                <a:glow rad="127000">
-                  <a:prstClr val="black"/>
-                </a:glow>
-                <a:outerShdw blurRad="50800" dist="39000" dir="5460000" algn="tl">
-                  <a:srgbClr val="000000">
-                    <a:alpha val="38000"/>
-                  </a:srgbClr>
-                </a:outerShdw>
-              </a:effectLst>
-              <a:latin typeface="HP-Bank" panose="020B0603050302020204" pitchFamily="34" charset="0"/>
-            </a:endParaRPr>
           </a:p>
         </p:txBody>
       </p:sp>
@@ -4690,177 +6176,308 @@
               </a:spcAft>
             </a:pPr>
             <a:r>
-              <a:rPr lang="en-US" sz="6600" b="1">
-                <a:solidFill>
-                  <a:prstClr val="black"/>
-                </a:solidFill>
-                <a:effectLst>
-                  <a:glow rad="127000">
-                    <a:prstClr val="white"/>
-                  </a:glow>
-                </a:effectLst>
-                <a:latin typeface="VNI-Aptima" pitchFamily="2" charset="0"/>
-                <a:ea typeface="Times New Roman" pitchFamily="18" charset="0"/>
-                <a:cs typeface="Times New Roman" pitchFamily="18" charset="0"/>
-              </a:rPr>
-              <a:t>Con luoân </a:t>
-            </a:r>
-            <a:r>
-              <a:rPr lang="en-US" sz="6600" b="1">
-                <a:solidFill>
-                  <a:prstClr val="black"/>
-                </a:solidFill>
-                <a:effectLst>
-                  <a:glow rad="127000">
-                    <a:prstClr val="white"/>
-                  </a:glow>
-                </a:effectLst>
-                <a:latin typeface="VNI-Aptima" pitchFamily="2" charset="0"/>
-                <a:ea typeface="Times New Roman" pitchFamily="18" charset="0"/>
-                <a:cs typeface="Times New Roman" pitchFamily="18" charset="0"/>
-              </a:rPr>
-              <a:t>ngôïi </a:t>
-            </a:r>
-            <a:r>
-              <a:rPr lang="en-US" sz="6600" b="1" smtClean="0">
-                <a:solidFill>
-                  <a:prstClr val="black"/>
-                </a:solidFill>
-                <a:effectLst>
-                  <a:glow rad="127000">
-                    <a:prstClr val="white"/>
-                  </a:glow>
-                </a:effectLst>
-                <a:latin typeface="VNI-Aptima" pitchFamily="2" charset="0"/>
-                <a:ea typeface="Times New Roman" pitchFamily="18" charset="0"/>
-                <a:cs typeface="Times New Roman" pitchFamily="18" charset="0"/>
-              </a:rPr>
-              <a:t>khen </a:t>
-            </a:r>
-            <a:r>
-              <a:rPr lang="en-US" sz="6600" b="1">
-                <a:solidFill>
-                  <a:prstClr val="black"/>
-                </a:solidFill>
-                <a:effectLst>
-                  <a:glow rad="127000">
-                    <a:prstClr val="white"/>
-                  </a:glow>
-                </a:effectLst>
-                <a:latin typeface="VNI-Aptima" pitchFamily="2" charset="0"/>
-                <a:ea typeface="Times New Roman" pitchFamily="18" charset="0"/>
-                <a:cs typeface="Times New Roman" pitchFamily="18" charset="0"/>
-              </a:rPr>
-              <a:t>tình </a:t>
-            </a:r>
-            <a:r>
-              <a:rPr lang="en-US" sz="6600" b="1">
-                <a:solidFill>
-                  <a:prstClr val="black"/>
-                </a:solidFill>
-                <a:effectLst>
-                  <a:glow rad="127000">
-                    <a:prstClr val="white"/>
-                  </a:glow>
-                </a:effectLst>
-                <a:latin typeface="VNI-Aptima" pitchFamily="2" charset="0"/>
-                <a:ea typeface="Times New Roman" pitchFamily="18" charset="0"/>
-                <a:cs typeface="Times New Roman" pitchFamily="18" charset="0"/>
-              </a:rPr>
-              <a:t>yeâu </a:t>
-            </a:r>
-            <a:r>
-              <a:rPr lang="en-US" sz="6600" b="1" smtClean="0">
-                <a:solidFill>
-                  <a:prstClr val="black"/>
-                </a:solidFill>
-                <a:effectLst>
-                  <a:glow rad="127000">
-                    <a:prstClr val="white"/>
-                  </a:glow>
-                </a:effectLst>
-                <a:latin typeface="VNI-Aptima" pitchFamily="2" charset="0"/>
+              <a:rPr lang="en-US" sz="6600" b="1" dirty="0">
+                <a:solidFill>
+                  <a:prstClr val="black"/>
+                </a:solidFill>
+                <a:effectLst>
+                  <a:glow rad="127000">
+                    <a:prstClr val="white"/>
+                  </a:glow>
+                </a:effectLst>
+                <a:latin typeface="VNI-Times" pitchFamily="2" charset="0"/>
+                <a:ea typeface="Times New Roman" pitchFamily="18" charset="0"/>
+                <a:cs typeface="Times New Roman" pitchFamily="18" charset="0"/>
+              </a:rPr>
+              <a:t>Con </a:t>
+            </a:r>
+            <a:r>
+              <a:rPr lang="en-US" sz="6600" b="1" dirty="0" err="1">
+                <a:solidFill>
+                  <a:prstClr val="black"/>
+                </a:solidFill>
+                <a:effectLst>
+                  <a:glow rad="127000">
+                    <a:prstClr val="white"/>
+                  </a:glow>
+                </a:effectLst>
+                <a:latin typeface="VNI-Times" pitchFamily="2" charset="0"/>
+                <a:ea typeface="Times New Roman" pitchFamily="18" charset="0"/>
+                <a:cs typeface="Times New Roman" pitchFamily="18" charset="0"/>
+              </a:rPr>
+              <a:t>luoân</a:t>
+            </a:r>
+            <a:r>
+              <a:rPr lang="en-US" sz="6600" b="1" dirty="0">
+                <a:solidFill>
+                  <a:prstClr val="black"/>
+                </a:solidFill>
+                <a:effectLst>
+                  <a:glow rad="127000">
+                    <a:prstClr val="white"/>
+                  </a:glow>
+                </a:effectLst>
+                <a:latin typeface="VNI-Times" pitchFamily="2" charset="0"/>
+                <a:ea typeface="Times New Roman" pitchFamily="18" charset="0"/>
+                <a:cs typeface="Times New Roman" pitchFamily="18" charset="0"/>
+              </a:rPr>
+              <a:t> </a:t>
+            </a:r>
+            <a:r>
+              <a:rPr lang="en-US" sz="6600" b="1" dirty="0" err="1">
+                <a:solidFill>
+                  <a:prstClr val="black"/>
+                </a:solidFill>
+                <a:effectLst>
+                  <a:glow rad="127000">
+                    <a:prstClr val="white"/>
+                  </a:glow>
+                </a:effectLst>
+                <a:latin typeface="VNI-Times" pitchFamily="2" charset="0"/>
+                <a:ea typeface="Times New Roman" pitchFamily="18" charset="0"/>
+                <a:cs typeface="Times New Roman" pitchFamily="18" charset="0"/>
+              </a:rPr>
+              <a:t>ngôïi</a:t>
+            </a:r>
+            <a:r>
+              <a:rPr lang="en-US" sz="6600" b="1" dirty="0">
+                <a:solidFill>
+                  <a:prstClr val="black"/>
+                </a:solidFill>
+                <a:effectLst>
+                  <a:glow rad="127000">
+                    <a:prstClr val="white"/>
+                  </a:glow>
+                </a:effectLst>
+                <a:latin typeface="VNI-Times" pitchFamily="2" charset="0"/>
+                <a:ea typeface="Times New Roman" pitchFamily="18" charset="0"/>
+                <a:cs typeface="Times New Roman" pitchFamily="18" charset="0"/>
+              </a:rPr>
+              <a:t> </a:t>
+            </a:r>
+            <a:r>
+              <a:rPr lang="en-US" sz="6600" b="1" dirty="0" err="1">
+                <a:solidFill>
+                  <a:prstClr val="black"/>
+                </a:solidFill>
+                <a:effectLst>
+                  <a:glow rad="127000">
+                    <a:prstClr val="white"/>
+                  </a:glow>
+                </a:effectLst>
+                <a:latin typeface="VNI-Times" pitchFamily="2" charset="0"/>
+                <a:ea typeface="Times New Roman" pitchFamily="18" charset="0"/>
+                <a:cs typeface="Times New Roman" pitchFamily="18" charset="0"/>
+              </a:rPr>
+              <a:t>khen</a:t>
+            </a:r>
+            <a:r>
+              <a:rPr lang="en-US" sz="6600" b="1" dirty="0">
+                <a:solidFill>
+                  <a:prstClr val="black"/>
+                </a:solidFill>
+                <a:effectLst>
+                  <a:glow rad="127000">
+                    <a:prstClr val="white"/>
+                  </a:glow>
+                </a:effectLst>
+                <a:latin typeface="VNI-Times" pitchFamily="2" charset="0"/>
+                <a:ea typeface="Times New Roman" pitchFamily="18" charset="0"/>
+                <a:cs typeface="Times New Roman" pitchFamily="18" charset="0"/>
+              </a:rPr>
+              <a:t> </a:t>
+            </a:r>
+            <a:r>
+              <a:rPr lang="en-US" sz="6600" b="1" dirty="0" err="1">
+                <a:solidFill>
+                  <a:prstClr val="black"/>
+                </a:solidFill>
+                <a:effectLst>
+                  <a:glow rad="127000">
+                    <a:prstClr val="white"/>
+                  </a:glow>
+                </a:effectLst>
+                <a:latin typeface="VNI-Times" pitchFamily="2" charset="0"/>
+                <a:ea typeface="Times New Roman" pitchFamily="18" charset="0"/>
+                <a:cs typeface="Times New Roman" pitchFamily="18" charset="0"/>
+              </a:rPr>
+              <a:t>tình</a:t>
+            </a:r>
+            <a:r>
+              <a:rPr lang="en-US" sz="6600" b="1" dirty="0">
+                <a:solidFill>
+                  <a:prstClr val="black"/>
+                </a:solidFill>
+                <a:effectLst>
+                  <a:glow rad="127000">
+                    <a:prstClr val="white"/>
+                  </a:glow>
+                </a:effectLst>
+                <a:latin typeface="VNI-Times" pitchFamily="2" charset="0"/>
+                <a:ea typeface="Times New Roman" pitchFamily="18" charset="0"/>
+                <a:cs typeface="Times New Roman" pitchFamily="18" charset="0"/>
+              </a:rPr>
+              <a:t> </a:t>
+            </a:r>
+            <a:r>
+              <a:rPr lang="en-US" sz="6600" b="1" dirty="0" err="1">
+                <a:solidFill>
+                  <a:prstClr val="black"/>
+                </a:solidFill>
+                <a:effectLst>
+                  <a:glow rad="127000">
+                    <a:prstClr val="white"/>
+                  </a:glow>
+                </a:effectLst>
+                <a:latin typeface="VNI-Times" pitchFamily="2" charset="0"/>
+                <a:ea typeface="Times New Roman" pitchFamily="18" charset="0"/>
+                <a:cs typeface="Times New Roman" pitchFamily="18" charset="0"/>
+              </a:rPr>
+              <a:t>yeâu</a:t>
+            </a:r>
+            <a:r>
+              <a:rPr lang="en-US" sz="6600" b="1" dirty="0">
+                <a:solidFill>
+                  <a:prstClr val="black"/>
+                </a:solidFill>
+                <a:effectLst>
+                  <a:glow rad="127000">
+                    <a:prstClr val="white"/>
+                  </a:glow>
+                </a:effectLst>
+                <a:latin typeface="VNI-Times" pitchFamily="2" charset="0"/>
+                <a:ea typeface="Times New Roman" pitchFamily="18" charset="0"/>
+                <a:cs typeface="Times New Roman" pitchFamily="18" charset="0"/>
+              </a:rPr>
+              <a:t> </a:t>
+            </a:r>
+            <a:r>
+              <a:rPr lang="en-US" sz="6600" b="1" dirty="0" err="1">
+                <a:solidFill>
+                  <a:prstClr val="black"/>
+                </a:solidFill>
+                <a:effectLst>
+                  <a:glow rad="127000">
+                    <a:prstClr val="white"/>
+                  </a:glow>
+                </a:effectLst>
+                <a:latin typeface="VNI-Times" pitchFamily="2" charset="0"/>
                 <a:ea typeface="Times New Roman" pitchFamily="18" charset="0"/>
                 <a:cs typeface="Times New Roman" pitchFamily="18" charset="0"/>
               </a:rPr>
               <a:t>Chuùa</a:t>
             </a:r>
             <a:br>
-              <a:rPr lang="en-US" sz="6600" b="1" smtClean="0">
-                <a:solidFill>
-                  <a:prstClr val="black"/>
-                </a:solidFill>
-                <a:effectLst>
-                  <a:glow rad="127000">
-                    <a:prstClr val="white"/>
-                  </a:glow>
-                </a:effectLst>
-                <a:latin typeface="VNI-Aptima" pitchFamily="2" charset="0"/>
+              <a:rPr lang="en-US" sz="6600" b="1" dirty="0">
+                <a:solidFill>
+                  <a:prstClr val="black"/>
+                </a:solidFill>
+                <a:effectLst>
+                  <a:glow rad="127000">
+                    <a:prstClr val="white"/>
+                  </a:glow>
+                </a:effectLst>
+                <a:latin typeface="VNI-Times" pitchFamily="2" charset="0"/>
                 <a:ea typeface="Times New Roman" pitchFamily="18" charset="0"/>
                 <a:cs typeface="Times New Roman" pitchFamily="18" charset="0"/>
               </a:rPr>
             </a:br>
             <a:r>
-              <a:rPr lang="en-US" sz="6600" b="1" smtClean="0">
-                <a:solidFill>
-                  <a:prstClr val="black"/>
-                </a:solidFill>
-                <a:effectLst>
-                  <a:glow rad="127000">
-                    <a:prstClr val="white"/>
-                  </a:glow>
-                </a:effectLst>
-                <a:latin typeface="VNI-Aptima" pitchFamily="2" charset="0"/>
-                <a:ea typeface="Times New Roman" pitchFamily="18" charset="0"/>
-                <a:cs typeface="Times New Roman" pitchFamily="18" charset="0"/>
-              </a:rPr>
-              <a:t>saâu </a:t>
-            </a:r>
-            <a:r>
-              <a:rPr lang="en-US" sz="6600" b="1">
-                <a:solidFill>
-                  <a:prstClr val="black"/>
-                </a:solidFill>
-                <a:effectLst>
-                  <a:glow rad="127000">
-                    <a:prstClr val="white"/>
-                  </a:glow>
-                </a:effectLst>
-                <a:latin typeface="VNI-Aptima" pitchFamily="2" charset="0"/>
-                <a:ea typeface="Times New Roman" pitchFamily="18" charset="0"/>
-                <a:cs typeface="Times New Roman" pitchFamily="18" charset="0"/>
-              </a:rPr>
-              <a:t>roäng thay</a:t>
-            </a:r>
-            <a:r>
-              <a:rPr lang="en-US" sz="6600" b="1">
-                <a:solidFill>
-                  <a:prstClr val="black"/>
-                </a:solidFill>
-                <a:effectLst>
-                  <a:glow rad="127000">
-                    <a:prstClr val="white"/>
-                  </a:glow>
-                </a:effectLst>
-                <a:latin typeface="VNI-Aptima" pitchFamily="2" charset="0"/>
+              <a:rPr lang="en-US" sz="6600" b="1" dirty="0" err="1">
+                <a:solidFill>
+                  <a:prstClr val="black"/>
+                </a:solidFill>
+                <a:effectLst>
+                  <a:glow rad="127000">
+                    <a:prstClr val="white"/>
+                  </a:glow>
+                </a:effectLst>
+                <a:latin typeface="VNI-Times" pitchFamily="2" charset="0"/>
+                <a:ea typeface="Times New Roman" pitchFamily="18" charset="0"/>
+                <a:cs typeface="Times New Roman" pitchFamily="18" charset="0"/>
+              </a:rPr>
+              <a:t>saâu</a:t>
+            </a:r>
+            <a:r>
+              <a:rPr lang="en-US" sz="6600" b="1" dirty="0">
+                <a:solidFill>
+                  <a:prstClr val="black"/>
+                </a:solidFill>
+                <a:effectLst>
+                  <a:glow rad="127000">
+                    <a:prstClr val="white"/>
+                  </a:glow>
+                </a:effectLst>
+                <a:latin typeface="VNI-Times" pitchFamily="2" charset="0"/>
+                <a:ea typeface="Times New Roman" pitchFamily="18" charset="0"/>
+                <a:cs typeface="Times New Roman" pitchFamily="18" charset="0"/>
+              </a:rPr>
+              <a:t> </a:t>
+            </a:r>
+            <a:r>
+              <a:rPr lang="en-US" sz="6600" b="1" dirty="0" err="1">
+                <a:solidFill>
+                  <a:prstClr val="black"/>
+                </a:solidFill>
+                <a:effectLst>
+                  <a:glow rad="127000">
+                    <a:prstClr val="white"/>
+                  </a:glow>
+                </a:effectLst>
+                <a:latin typeface="VNI-Times" pitchFamily="2" charset="0"/>
+                <a:ea typeface="Times New Roman" pitchFamily="18" charset="0"/>
+                <a:cs typeface="Times New Roman" pitchFamily="18" charset="0"/>
+              </a:rPr>
+              <a:t>roäng</a:t>
+            </a:r>
+            <a:r>
+              <a:rPr lang="en-US" sz="6600" b="1" dirty="0">
+                <a:solidFill>
+                  <a:prstClr val="black"/>
+                </a:solidFill>
+                <a:effectLst>
+                  <a:glow rad="127000">
+                    <a:prstClr val="white"/>
+                  </a:glow>
+                </a:effectLst>
+                <a:latin typeface="VNI-Times" pitchFamily="2" charset="0"/>
+                <a:ea typeface="Times New Roman" pitchFamily="18" charset="0"/>
+                <a:cs typeface="Times New Roman" pitchFamily="18" charset="0"/>
+              </a:rPr>
+              <a:t> </a:t>
+            </a:r>
+            <a:r>
+              <a:rPr lang="en-US" sz="6600" b="1" dirty="0" err="1">
+                <a:solidFill>
+                  <a:prstClr val="black"/>
+                </a:solidFill>
+                <a:effectLst>
+                  <a:glow rad="127000">
+                    <a:prstClr val="white"/>
+                  </a:glow>
+                </a:effectLst>
+                <a:latin typeface="VNI-Times" pitchFamily="2" charset="0"/>
+                <a:ea typeface="Times New Roman" pitchFamily="18" charset="0"/>
+                <a:cs typeface="Times New Roman" pitchFamily="18" charset="0"/>
+              </a:rPr>
+              <a:t>thay</a:t>
+            </a:r>
+            <a:r>
+              <a:rPr lang="en-US" sz="6600" b="1" dirty="0">
+                <a:solidFill>
+                  <a:prstClr val="black"/>
+                </a:solidFill>
+                <a:effectLst>
+                  <a:glow rad="127000">
+                    <a:prstClr val="white"/>
+                  </a:glow>
+                </a:effectLst>
+                <a:latin typeface="VNI-Times" pitchFamily="2" charset="0"/>
                 <a:ea typeface="Times New Roman" pitchFamily="18" charset="0"/>
                 <a:cs typeface="Times New Roman" pitchFamily="18" charset="0"/>
               </a:rPr>
               <a:t>. </a:t>
             </a:r>
-            <a:endParaRPr lang="en-US" sz="6600" b="1">
-              <a:solidFill>
-                <a:prstClr val="black"/>
-              </a:solidFill>
-              <a:effectLst>
-                <a:glow rad="127000">
-                  <a:prstClr val="white"/>
-                </a:glow>
-              </a:effectLst>
-              <a:latin typeface="VNI-Aptima" pitchFamily="2" charset="0"/>
-              <a:ea typeface="Times New Roman" pitchFamily="18" charset="0"/>
-              <a:cs typeface="Times New Roman" pitchFamily="18" charset="0"/>
-            </a:endParaRPr>
           </a:p>
         </p:txBody>
       </p:sp>
@@ -4888,7 +6505,7 @@
           <a:p>
             <a:pPr algn="ctr"/>
             <a:r>
-              <a:rPr lang="en-US" sz="4000" b="1" spc="-150" smtClean="0">
+              <a:rPr lang="en-US" sz="4000" b="1" spc="-150" dirty="0">
                 <a:ln w="11430"/>
                 <a:solidFill>
                   <a:srgbClr val="FFFF00"/>
@@ -4903,27 +6520,10 @@
                     </a:srgbClr>
                   </a:outerShdw>
                 </a:effectLst>
-                <a:latin typeface="HP-Bank" panose="020B0603050302020204" pitchFamily="34" charset="0"/>
+                <a:latin typeface="VNI-Times" pitchFamily="2" charset="0"/>
               </a:rPr>
               <a:t>DAÂNG CHUÙA LÔØI NGÔÏI CA</a:t>
             </a:r>
-            <a:endParaRPr lang="en-US" sz="4000" b="1" spc="-150">
-              <a:ln w="11430"/>
-              <a:solidFill>
-                <a:srgbClr val="FFFF00"/>
-              </a:solidFill>
-              <a:effectLst>
-                <a:glow rad="127000">
-                  <a:prstClr val="black"/>
-                </a:glow>
-                <a:outerShdw blurRad="50800" dist="39000" dir="5460000" algn="tl">
-                  <a:srgbClr val="000000">
-                    <a:alpha val="38000"/>
-                  </a:srgbClr>
-                </a:outerShdw>
-              </a:effectLst>
-              <a:latin typeface="HP-Bank" panose="020B0603050302020204" pitchFamily="34" charset="0"/>
-            </a:endParaRPr>
           </a:p>
         </p:txBody>
       </p:sp>
